--- a/pres-source/08-NoSQL-databases.pptx
+++ b/pres-source/08-NoSQL-databases.pptx
@@ -5,7 +5,7 @@
     <p:sldMasterId id="2147483648" r:id="rId1"/>
   </p:sldMasterIdLst>
   <p:notesMasterIdLst>
-    <p:notesMasterId r:id="rId35"/>
+    <p:notesMasterId r:id="rId25"/>
   </p:notesMasterIdLst>
   <p:sldIdLst>
     <p:sldId id="256" r:id="rId2"/>
@@ -30,17 +30,7 @@
     <p:sldId id="276" r:id="rId21"/>
     <p:sldId id="279" r:id="rId22"/>
     <p:sldId id="280" r:id="rId23"/>
-    <p:sldId id="281" r:id="rId24"/>
-    <p:sldId id="292" r:id="rId25"/>
-    <p:sldId id="291" r:id="rId26"/>
-    <p:sldId id="282" r:id="rId27"/>
-    <p:sldId id="284" r:id="rId28"/>
-    <p:sldId id="283" r:id="rId29"/>
-    <p:sldId id="285" r:id="rId30"/>
-    <p:sldId id="286" r:id="rId31"/>
-    <p:sldId id="287" r:id="rId32"/>
-    <p:sldId id="289" r:id="rId33"/>
-    <p:sldId id="288" r:id="rId34"/>
+    <p:sldId id="291" r:id="rId24"/>
   </p:sldIdLst>
   <p:sldSz cx="9144000" cy="6858000" type="screen4x3"/>
   <p:notesSz cx="6858000" cy="9144000"/>
@@ -229,7 +219,7 @@
             <a:fld id="{7307762F-A706-E543-A832-3C298AA3103F}" type="datetimeFigureOut">
               <a:rPr lang="en-US" smtClean="0"/>
               <a:pPr/>
-              <a:t>12/11/15</a:t>
+              <a:t>16/11/15</a:t>
             </a:fld>
             <a:endParaRPr lang="en-US" dirty="0"/>
           </a:p>
@@ -796,7 +786,7 @@
           <a:p>
             <a:fld id="{875CF0EB-321F-0749-B37A-89BBA859503C}" type="datetimeFigureOut">
               <a:rPr lang="en-US" smtClean="0"/>
-              <a:t>12/11/15</a:t>
+              <a:t>16/11/15</a:t>
             </a:fld>
             <a:endParaRPr lang="en-US"/>
           </a:p>
@@ -1000,7 +990,7 @@
           <a:p>
             <a:fld id="{875CF0EB-321F-0749-B37A-89BBA859503C}" type="datetimeFigureOut">
               <a:rPr lang="en-US" smtClean="0"/>
-              <a:t>12/11/15</a:t>
+              <a:t>16/11/15</a:t>
             </a:fld>
             <a:endParaRPr lang="en-US"/>
           </a:p>
@@ -1194,7 +1184,7 @@
           <a:p>
             <a:fld id="{875CF0EB-321F-0749-B37A-89BBA859503C}" type="datetimeFigureOut">
               <a:rPr lang="en-US" smtClean="0"/>
-              <a:t>12/11/15</a:t>
+              <a:t>16/11/15</a:t>
             </a:fld>
             <a:endParaRPr lang="en-US"/>
           </a:p>
@@ -1464,7 +1454,7 @@
           <a:p>
             <a:fld id="{875CF0EB-321F-0749-B37A-89BBA859503C}" type="datetimeFigureOut">
               <a:rPr lang="en-US" smtClean="0"/>
-              <a:t>12/11/15</a:t>
+              <a:t>16/11/15</a:t>
             </a:fld>
             <a:endParaRPr lang="en-US"/>
           </a:p>
@@ -1776,7 +1766,7 @@
           <a:p>
             <a:fld id="{875CF0EB-321F-0749-B37A-89BBA859503C}" type="datetimeFigureOut">
               <a:rPr lang="en-US" smtClean="0"/>
-              <a:t>12/11/15</a:t>
+              <a:t>16/11/15</a:t>
             </a:fld>
             <a:endParaRPr lang="en-US"/>
           </a:p>
@@ -2222,7 +2212,7 @@
           <a:p>
             <a:fld id="{875CF0EB-321F-0749-B37A-89BBA859503C}" type="datetimeFigureOut">
               <a:rPr lang="en-US" smtClean="0"/>
-              <a:t>12/11/15</a:t>
+              <a:t>16/11/15</a:t>
             </a:fld>
             <a:endParaRPr lang="en-US"/>
           </a:p>
@@ -2364,7 +2354,7 @@
           <a:p>
             <a:fld id="{875CF0EB-321F-0749-B37A-89BBA859503C}" type="datetimeFigureOut">
               <a:rPr lang="en-US" smtClean="0"/>
-              <a:t>12/11/15</a:t>
+              <a:t>16/11/15</a:t>
             </a:fld>
             <a:endParaRPr lang="en-US"/>
           </a:p>
@@ -2483,7 +2473,7 @@
           <a:p>
             <a:fld id="{875CF0EB-321F-0749-B37A-89BBA859503C}" type="datetimeFigureOut">
               <a:rPr lang="en-US" smtClean="0"/>
-              <a:t>12/11/15</a:t>
+              <a:t>16/11/15</a:t>
             </a:fld>
             <a:endParaRPr lang="en-US"/>
           </a:p>
@@ -2784,7 +2774,7 @@
           <a:p>
             <a:fld id="{875CF0EB-321F-0749-B37A-89BBA859503C}" type="datetimeFigureOut">
               <a:rPr lang="en-US" smtClean="0"/>
-              <a:t>12/11/15</a:t>
+              <a:t>16/11/15</a:t>
             </a:fld>
             <a:endParaRPr lang="en-US"/>
           </a:p>
@@ -3061,7 +3051,7 @@
           <a:p>
             <a:fld id="{875CF0EB-321F-0749-B37A-89BBA859503C}" type="datetimeFigureOut">
               <a:rPr lang="en-US" smtClean="0"/>
-              <a:t>12/11/15</a:t>
+              <a:t>16/11/15</a:t>
             </a:fld>
             <a:endParaRPr lang="en-US"/>
           </a:p>
@@ -5864,255 +5854,6 @@
           <a:lstStyle/>
           <a:p>
             <a:r>
-              <a:rPr lang="en-US" dirty="0" smtClean="0"/>
-              <a:t>Apache Cassandra</a:t>
-            </a:r>
-            <a:endParaRPr lang="en-US" dirty="0"/>
-          </a:p>
-        </p:txBody>
-      </p:sp>
-      <p:sp>
-        <p:nvSpPr>
-          <p:cNvPr id="3" name="Content Placeholder 2"/>
-          <p:cNvSpPr>
-            <a:spLocks noGrp="1"/>
-          </p:cNvSpPr>
-          <p:nvPr>
-            <p:ph idx="1"/>
-          </p:nvPr>
-        </p:nvSpPr>
-        <p:spPr/>
-        <p:txBody>
-          <a:bodyPr>
-            <a:normAutofit/>
-          </a:bodyPr>
-          <a:lstStyle/>
-          <a:p>
-            <a:r>
-              <a:rPr lang="en-US" sz="2400" dirty="0" err="1" smtClean="0"/>
-              <a:t>Masterless</a:t>
-            </a:r>
-            <a:r>
-              <a:rPr lang="en-US" sz="2400" dirty="0" smtClean="0"/>
-              <a:t> / Symmetric</a:t>
-            </a:r>
-          </a:p>
-          <a:p>
-            <a:pPr lvl="1"/>
-            <a:r>
-              <a:rPr lang="en-US" sz="2000" dirty="0" smtClean="0"/>
-              <a:t>Every node is equal and you can write to any node as well as read</a:t>
-            </a:r>
-          </a:p>
-          <a:p>
-            <a:r>
-              <a:rPr lang="en-US" sz="2400" dirty="0" smtClean="0"/>
-              <a:t>Shared Nothing architecture</a:t>
-            </a:r>
-          </a:p>
-          <a:p>
-            <a:pPr lvl="1"/>
-            <a:r>
-              <a:rPr lang="en-US" sz="2000" dirty="0" smtClean="0"/>
-              <a:t>Each server has its own disk </a:t>
-            </a:r>
-          </a:p>
-          <a:p>
-            <a:r>
-              <a:rPr lang="en-US" sz="2400" dirty="0" smtClean="0"/>
-              <a:t>Based on Dynamo</a:t>
-            </a:r>
-          </a:p>
-          <a:p>
-            <a:pPr lvl="1"/>
-            <a:r>
-              <a:rPr lang="en-US" sz="2000" dirty="0" smtClean="0"/>
-              <a:t> for automatic </a:t>
-            </a:r>
-            <a:r>
-              <a:rPr lang="en-US" sz="2000" dirty="0" err="1" smtClean="0"/>
-              <a:t>sharding</a:t>
-            </a:r>
-            <a:r>
-              <a:rPr lang="en-US" sz="2000" dirty="0" smtClean="0"/>
-              <a:t> and eventual consistency</a:t>
-            </a:r>
-          </a:p>
-          <a:p>
-            <a:r>
-              <a:rPr lang="en-US" sz="2400" dirty="0" smtClean="0"/>
-              <a:t>And </a:t>
-            </a:r>
-            <a:r>
-              <a:rPr lang="en-US" sz="2400" dirty="0" err="1" smtClean="0"/>
-              <a:t>BigTable</a:t>
-            </a:r>
-            <a:endParaRPr lang="en-US" sz="2400" dirty="0" smtClean="0"/>
-          </a:p>
-          <a:p>
-            <a:pPr lvl="1"/>
-            <a:r>
-              <a:rPr lang="en-US" sz="2000" dirty="0" smtClean="0"/>
-              <a:t>For “Column Families”</a:t>
-            </a:r>
-          </a:p>
-          <a:p>
-            <a:r>
-              <a:rPr lang="en-US" sz="2400" dirty="0" smtClean="0"/>
-              <a:t>Donated to Apache by Facebook</a:t>
-            </a:r>
-          </a:p>
-          <a:p>
-            <a:pPr lvl="1"/>
-            <a:r>
-              <a:rPr lang="en-US" sz="2000" dirty="0" smtClean="0"/>
-              <a:t>Now mostly developed by </a:t>
-            </a:r>
-            <a:r>
-              <a:rPr lang="en-US" sz="2000" dirty="0" err="1" smtClean="0"/>
-              <a:t>DataStax</a:t>
-            </a:r>
-            <a:endParaRPr lang="en-US" sz="2000" dirty="0"/>
-          </a:p>
-        </p:txBody>
-      </p:sp>
-    </p:spTree>
-    <p:extLst>
-      <p:ext uri="{BB962C8B-B14F-4D97-AF65-F5344CB8AC3E}">
-        <p14:creationId xmlns:p14="http://schemas.microsoft.com/office/powerpoint/2010/main" val="4131345837"/>
-      </p:ext>
-    </p:extLst>
-  </p:cSld>
-  <p:clrMapOvr>
-    <a:masterClrMapping/>
-  </p:clrMapOvr>
-</p:sld>
-</file>
-
-<file path=ppt/slides/slide24.xml><?xml version="1.0" encoding="utf-8"?>
-<p:sld xmlns:a="http://schemas.openxmlformats.org/drawingml/2006/main" xmlns:r="http://schemas.openxmlformats.org/officeDocument/2006/relationships" xmlns:p="http://schemas.openxmlformats.org/presentationml/2006/main">
-  <p:cSld>
-    <p:spTree>
-      <p:nvGrpSpPr>
-        <p:cNvPr id="1" name=""/>
-        <p:cNvGrpSpPr/>
-        <p:nvPr/>
-      </p:nvGrpSpPr>
-      <p:grpSpPr>
-        <a:xfrm>
-          <a:off x="0" y="0"/>
-          <a:ext cx="0" cy="0"/>
-          <a:chOff x="0" y="0"/>
-          <a:chExt cx="0" cy="0"/>
-        </a:xfrm>
-      </p:grpSpPr>
-      <p:sp>
-        <p:nvSpPr>
-          <p:cNvPr id="2" name="Title 1"/>
-          <p:cNvSpPr>
-            <a:spLocks noGrp="1"/>
-          </p:cNvSpPr>
-          <p:nvPr>
-            <p:ph type="title"/>
-          </p:nvPr>
-        </p:nvSpPr>
-        <p:spPr/>
-        <p:txBody>
-          <a:bodyPr/>
-          <a:lstStyle/>
-          <a:p>
-            <a:r>
-              <a:rPr lang="en-US" dirty="0" smtClean="0"/>
-              <a:t>More on Cassandra</a:t>
-            </a:r>
-            <a:endParaRPr lang="en-US" dirty="0"/>
-          </a:p>
-        </p:txBody>
-      </p:sp>
-      <p:sp>
-        <p:nvSpPr>
-          <p:cNvPr id="3" name="Content Placeholder 2"/>
-          <p:cNvSpPr>
-            <a:spLocks noGrp="1"/>
-          </p:cNvSpPr>
-          <p:nvPr>
-            <p:ph idx="1"/>
-          </p:nvPr>
-        </p:nvSpPr>
-        <p:spPr/>
-        <p:txBody>
-          <a:bodyPr/>
-          <a:lstStyle/>
-          <a:p>
-            <a:pPr marL="0" indent="0">
-              <a:buNone/>
-            </a:pPr>
-            <a:endParaRPr lang="en-US" dirty="0" smtClean="0"/>
-          </a:p>
-          <a:p>
-            <a:pPr marL="0" indent="0">
-              <a:buNone/>
-            </a:pPr>
-            <a:endParaRPr lang="en-US" dirty="0"/>
-          </a:p>
-          <a:p>
-            <a:pPr marL="0" indent="0">
-              <a:buNone/>
-            </a:pPr>
-            <a:r>
-              <a:rPr lang="en-US" dirty="0" smtClean="0"/>
-              <a:t>Coming up!</a:t>
-            </a:r>
-            <a:endParaRPr lang="en-US" dirty="0"/>
-          </a:p>
-        </p:txBody>
-      </p:sp>
-    </p:spTree>
-    <p:extLst>
-      <p:ext uri="{BB962C8B-B14F-4D97-AF65-F5344CB8AC3E}">
-        <p14:creationId xmlns:p14="http://schemas.microsoft.com/office/powerpoint/2010/main" val="2417062938"/>
-      </p:ext>
-    </p:extLst>
-  </p:cSld>
-  <p:clrMapOvr>
-    <a:masterClrMapping/>
-  </p:clrMapOvr>
-</p:sld>
-</file>
-
-<file path=ppt/slides/slide25.xml><?xml version="1.0" encoding="utf-8"?>
-<p:sld xmlns:a="http://schemas.openxmlformats.org/drawingml/2006/main" xmlns:r="http://schemas.openxmlformats.org/officeDocument/2006/relationships" xmlns:p="http://schemas.openxmlformats.org/presentationml/2006/main">
-  <p:cSld>
-    <p:spTree>
-      <p:nvGrpSpPr>
-        <p:cNvPr id="1" name=""/>
-        <p:cNvGrpSpPr/>
-        <p:nvPr/>
-      </p:nvGrpSpPr>
-      <p:grpSpPr>
-        <a:xfrm>
-          <a:off x="0" y="0"/>
-          <a:ext cx="0" cy="0"/>
-          <a:chOff x="0" y="0"/>
-          <a:chExt cx="0" cy="0"/>
-        </a:xfrm>
-      </p:grpSpPr>
-      <p:sp>
-        <p:nvSpPr>
-          <p:cNvPr id="2" name="Title 1"/>
-          <p:cNvSpPr>
-            <a:spLocks noGrp="1"/>
-          </p:cNvSpPr>
-          <p:nvPr>
-            <p:ph type="title"/>
-          </p:nvPr>
-        </p:nvSpPr>
-        <p:spPr/>
-        <p:txBody>
-          <a:bodyPr/>
-          <a:lstStyle/>
-          <a:p>
-            <a:r>
               <a:rPr lang="en-US" smtClean="0"/>
               <a:t>Questions?</a:t>
             </a:r>
@@ -6143,464 +5884,6 @@
     <p:extLst>
       <p:ext uri="{BB962C8B-B14F-4D97-AF65-F5344CB8AC3E}">
         <p14:creationId xmlns:p14="http://schemas.microsoft.com/office/powerpoint/2010/main" val="1790802765"/>
-      </p:ext>
-    </p:extLst>
-  </p:cSld>
-  <p:clrMapOvr>
-    <a:masterClrMapping/>
-  </p:clrMapOvr>
-</p:sld>
-</file>
-
-<file path=ppt/slides/slide26.xml><?xml version="1.0" encoding="utf-8"?>
-<p:sld xmlns:a="http://schemas.openxmlformats.org/drawingml/2006/main" xmlns:r="http://schemas.openxmlformats.org/officeDocument/2006/relationships" xmlns:p="http://schemas.openxmlformats.org/presentationml/2006/main">
-  <p:cSld>
-    <p:spTree>
-      <p:nvGrpSpPr>
-        <p:cNvPr id="1" name=""/>
-        <p:cNvGrpSpPr/>
-        <p:nvPr/>
-      </p:nvGrpSpPr>
-      <p:grpSpPr>
-        <a:xfrm>
-          <a:off x="0" y="0"/>
-          <a:ext cx="0" cy="0"/>
-          <a:chOff x="0" y="0"/>
-          <a:chExt cx="0" cy="0"/>
-        </a:xfrm>
-      </p:grpSpPr>
-      <p:sp>
-        <p:nvSpPr>
-          <p:cNvPr id="2" name="Title 1"/>
-          <p:cNvSpPr>
-            <a:spLocks noGrp="1"/>
-          </p:cNvSpPr>
-          <p:nvPr>
-            <p:ph type="title"/>
-          </p:nvPr>
-        </p:nvSpPr>
-        <p:spPr/>
-        <p:txBody>
-          <a:bodyPr>
-            <a:normAutofit fontScale="90000"/>
-          </a:bodyPr>
-          <a:lstStyle/>
-          <a:p>
-            <a:r>
-              <a:rPr lang="en-US" dirty="0" smtClean="0"/>
-              <a:t>Cassandra Write Model </a:t>
-            </a:r>
-            <a:br>
-              <a:rPr lang="en-US" dirty="0" smtClean="0"/>
-            </a:br>
-            <a:r>
-              <a:rPr lang="en-US" sz="3100" dirty="0" smtClean="0"/>
-              <a:t>Single </a:t>
-            </a:r>
-            <a:r>
-              <a:rPr lang="en-US" sz="3100" dirty="0" err="1" smtClean="0"/>
-              <a:t>Datacentre</a:t>
-            </a:r>
-            <a:endParaRPr lang="en-US" dirty="0"/>
-          </a:p>
-        </p:txBody>
-      </p:sp>
-      <p:pic>
-        <p:nvPicPr>
-          <p:cNvPr id="4" name="Picture 3"/>
-          <p:cNvPicPr>
-            <a:picLocks noChangeAspect="1"/>
-          </p:cNvPicPr>
-          <p:nvPr/>
-        </p:nvPicPr>
-        <p:blipFill>
-          <a:blip r:embed="rId2"/>
-          <a:stretch>
-            <a:fillRect/>
-          </a:stretch>
-        </p:blipFill>
-        <p:spPr>
-          <a:xfrm>
-            <a:off x="0" y="1546058"/>
-            <a:ext cx="9144000" cy="5009622"/>
-          </a:xfrm>
-          <a:prstGeom prst="rect">
-            <a:avLst/>
-          </a:prstGeom>
-        </p:spPr>
-      </p:pic>
-      <p:sp>
-        <p:nvSpPr>
-          <p:cNvPr id="5" name="TextBox 4"/>
-          <p:cNvSpPr txBox="1"/>
-          <p:nvPr/>
-        </p:nvSpPr>
-        <p:spPr>
-          <a:xfrm>
-            <a:off x="6772144" y="6450382"/>
-            <a:ext cx="1556836" cy="369332"/>
-          </a:xfrm>
-          <a:prstGeom prst="rect">
-            <a:avLst/>
-          </a:prstGeom>
-          <a:noFill/>
-        </p:spPr>
-        <p:txBody>
-          <a:bodyPr wrap="none" rtlCol="0">
-            <a:spAutoFit/>
-          </a:bodyPr>
-          <a:lstStyle/>
-          <a:p>
-            <a:r>
-              <a:rPr lang="en-US" dirty="0" smtClean="0"/>
-              <a:t>Source: Netflix</a:t>
-            </a:r>
-            <a:endParaRPr lang="en-US" dirty="0"/>
-          </a:p>
-        </p:txBody>
-      </p:sp>
-    </p:spTree>
-    <p:extLst>
-      <p:ext uri="{BB962C8B-B14F-4D97-AF65-F5344CB8AC3E}">
-        <p14:creationId xmlns:p14="http://schemas.microsoft.com/office/powerpoint/2010/main" val="1829319122"/>
-      </p:ext>
-    </p:extLst>
-  </p:cSld>
-  <p:clrMapOvr>
-    <a:masterClrMapping/>
-  </p:clrMapOvr>
-</p:sld>
-</file>
-
-<file path=ppt/slides/slide27.xml><?xml version="1.0" encoding="utf-8"?>
-<p:sld xmlns:a="http://schemas.openxmlformats.org/drawingml/2006/main" xmlns:r="http://schemas.openxmlformats.org/officeDocument/2006/relationships" xmlns:p="http://schemas.openxmlformats.org/presentationml/2006/main">
-  <p:cSld>
-    <p:spTree>
-      <p:nvGrpSpPr>
-        <p:cNvPr id="1" name=""/>
-        <p:cNvGrpSpPr/>
-        <p:nvPr/>
-      </p:nvGrpSpPr>
-      <p:grpSpPr>
-        <a:xfrm>
-          <a:off x="0" y="0"/>
-          <a:ext cx="0" cy="0"/>
-          <a:chOff x="0" y="0"/>
-          <a:chExt cx="0" cy="0"/>
-        </a:xfrm>
-      </p:grpSpPr>
-      <p:sp>
-        <p:nvSpPr>
-          <p:cNvPr id="2" name="Title 1"/>
-          <p:cNvSpPr>
-            <a:spLocks noGrp="1"/>
-          </p:cNvSpPr>
-          <p:nvPr>
-            <p:ph type="title"/>
-          </p:nvPr>
-        </p:nvSpPr>
-        <p:spPr/>
-        <p:txBody>
-          <a:bodyPr/>
-          <a:lstStyle/>
-          <a:p>
-            <a:r>
-              <a:rPr lang="en-US" dirty="0" smtClean="0"/>
-              <a:t>Multi </a:t>
-            </a:r>
-            <a:r>
-              <a:rPr lang="en-US" dirty="0" err="1" smtClean="0"/>
-              <a:t>Datacentre</a:t>
-            </a:r>
-            <a:r>
-              <a:rPr lang="en-US" dirty="0" smtClean="0"/>
-              <a:t> Writes</a:t>
-            </a:r>
-            <a:endParaRPr lang="en-US" dirty="0"/>
-          </a:p>
-        </p:txBody>
-      </p:sp>
-      <p:pic>
-        <p:nvPicPr>
-          <p:cNvPr id="4" name="Picture 3"/>
-          <p:cNvPicPr>
-            <a:picLocks noChangeAspect="1"/>
-          </p:cNvPicPr>
-          <p:nvPr/>
-        </p:nvPicPr>
-        <p:blipFill>
-          <a:blip r:embed="rId2"/>
-          <a:stretch>
-            <a:fillRect/>
-          </a:stretch>
-        </p:blipFill>
-        <p:spPr>
-          <a:xfrm>
-            <a:off x="0" y="1261858"/>
-            <a:ext cx="9144000" cy="4624418"/>
-          </a:xfrm>
-          <a:prstGeom prst="rect">
-            <a:avLst/>
-          </a:prstGeom>
-        </p:spPr>
-      </p:pic>
-      <p:sp>
-        <p:nvSpPr>
-          <p:cNvPr id="5" name="TextBox 4"/>
-          <p:cNvSpPr txBox="1"/>
-          <p:nvPr/>
-        </p:nvSpPr>
-        <p:spPr>
-          <a:xfrm>
-            <a:off x="7328704" y="6450382"/>
-            <a:ext cx="1556836" cy="369332"/>
-          </a:xfrm>
-          <a:prstGeom prst="rect">
-            <a:avLst/>
-          </a:prstGeom>
-          <a:noFill/>
-        </p:spPr>
-        <p:txBody>
-          <a:bodyPr wrap="none" rtlCol="0">
-            <a:spAutoFit/>
-          </a:bodyPr>
-          <a:lstStyle/>
-          <a:p>
-            <a:r>
-              <a:rPr lang="en-US" dirty="0" smtClean="0"/>
-              <a:t>Source: Netflix</a:t>
-            </a:r>
-            <a:endParaRPr lang="en-US" dirty="0"/>
-          </a:p>
-        </p:txBody>
-      </p:sp>
-    </p:spTree>
-    <p:extLst>
-      <p:ext uri="{BB962C8B-B14F-4D97-AF65-F5344CB8AC3E}">
-        <p14:creationId xmlns:p14="http://schemas.microsoft.com/office/powerpoint/2010/main" val="396605851"/>
-      </p:ext>
-    </p:extLst>
-  </p:cSld>
-  <p:clrMapOvr>
-    <a:masterClrMapping/>
-  </p:clrMapOvr>
-</p:sld>
-</file>
-
-<file path=ppt/slides/slide28.xml><?xml version="1.0" encoding="utf-8"?>
-<p:sld xmlns:a="http://schemas.openxmlformats.org/drawingml/2006/main" xmlns:r="http://schemas.openxmlformats.org/officeDocument/2006/relationships" xmlns:p="http://schemas.openxmlformats.org/presentationml/2006/main">
-  <p:cSld>
-    <p:spTree>
-      <p:nvGrpSpPr>
-        <p:cNvPr id="1" name=""/>
-        <p:cNvGrpSpPr/>
-        <p:nvPr/>
-      </p:nvGrpSpPr>
-      <p:grpSpPr>
-        <a:xfrm>
-          <a:off x="0" y="0"/>
-          <a:ext cx="0" cy="0"/>
-          <a:chOff x="0" y="0"/>
-          <a:chExt cx="0" cy="0"/>
-        </a:xfrm>
-      </p:grpSpPr>
-      <p:sp>
-        <p:nvSpPr>
-          <p:cNvPr id="2" name="Title 1"/>
-          <p:cNvSpPr>
-            <a:spLocks noGrp="1"/>
-          </p:cNvSpPr>
-          <p:nvPr>
-            <p:ph type="title"/>
-          </p:nvPr>
-        </p:nvSpPr>
-        <p:spPr/>
-        <p:txBody>
-          <a:bodyPr>
-            <a:normAutofit fontScale="90000"/>
-          </a:bodyPr>
-          <a:lstStyle/>
-          <a:p>
-            <a:r>
-              <a:rPr lang="en-US" dirty="0" smtClean="0"/>
-              <a:t>Cassandra Scale Up </a:t>
-            </a:r>
-            <a:br>
-              <a:rPr lang="en-US" dirty="0" smtClean="0"/>
-            </a:br>
-            <a:r>
-              <a:rPr lang="en-US" sz="2700" dirty="0" smtClean="0"/>
-              <a:t>In Amazon EC2</a:t>
-            </a:r>
-            <a:endParaRPr lang="en-US" dirty="0"/>
-          </a:p>
-        </p:txBody>
-      </p:sp>
-      <p:pic>
-        <p:nvPicPr>
-          <p:cNvPr id="4" name="Picture 3"/>
-          <p:cNvPicPr>
-            <a:picLocks noChangeAspect="1"/>
-          </p:cNvPicPr>
-          <p:nvPr/>
-        </p:nvPicPr>
-        <p:blipFill>
-          <a:blip r:embed="rId2"/>
-          <a:stretch>
-            <a:fillRect/>
-          </a:stretch>
-        </p:blipFill>
-        <p:spPr>
-          <a:xfrm>
-            <a:off x="0" y="1417638"/>
-            <a:ext cx="9144000" cy="5231699"/>
-          </a:xfrm>
-          <a:prstGeom prst="rect">
-            <a:avLst/>
-          </a:prstGeom>
-        </p:spPr>
-      </p:pic>
-      <p:sp>
-        <p:nvSpPr>
-          <p:cNvPr id="5" name="TextBox 4"/>
-          <p:cNvSpPr txBox="1"/>
-          <p:nvPr/>
-        </p:nvSpPr>
-        <p:spPr>
-          <a:xfrm>
-            <a:off x="7129964" y="6470671"/>
-            <a:ext cx="1556836" cy="369332"/>
-          </a:xfrm>
-          <a:prstGeom prst="rect">
-            <a:avLst/>
-          </a:prstGeom>
-          <a:noFill/>
-        </p:spPr>
-        <p:txBody>
-          <a:bodyPr wrap="none" rtlCol="0">
-            <a:spAutoFit/>
-          </a:bodyPr>
-          <a:lstStyle/>
-          <a:p>
-            <a:r>
-              <a:rPr lang="en-US" dirty="0" smtClean="0"/>
-              <a:t>Source: Netflix</a:t>
-            </a:r>
-            <a:endParaRPr lang="en-US" dirty="0"/>
-          </a:p>
-        </p:txBody>
-      </p:sp>
-    </p:spTree>
-    <p:extLst>
-      <p:ext uri="{BB962C8B-B14F-4D97-AF65-F5344CB8AC3E}">
-        <p14:creationId xmlns:p14="http://schemas.microsoft.com/office/powerpoint/2010/main" val="4266096946"/>
-      </p:ext>
-    </p:extLst>
-  </p:cSld>
-  <p:clrMapOvr>
-    <a:masterClrMapping/>
-  </p:clrMapOvr>
-</p:sld>
-</file>
-
-<file path=ppt/slides/slide29.xml><?xml version="1.0" encoding="utf-8"?>
-<p:sld xmlns:a="http://schemas.openxmlformats.org/drawingml/2006/main" xmlns:r="http://schemas.openxmlformats.org/officeDocument/2006/relationships" xmlns:p="http://schemas.openxmlformats.org/presentationml/2006/main">
-  <p:cSld>
-    <p:spTree>
-      <p:nvGrpSpPr>
-        <p:cNvPr id="1" name=""/>
-        <p:cNvGrpSpPr/>
-        <p:nvPr/>
-      </p:nvGrpSpPr>
-      <p:grpSpPr>
-        <a:xfrm>
-          <a:off x="0" y="0"/>
-          <a:ext cx="0" cy="0"/>
-          <a:chOff x="0" y="0"/>
-          <a:chExt cx="0" cy="0"/>
-        </a:xfrm>
-      </p:grpSpPr>
-      <p:sp>
-        <p:nvSpPr>
-          <p:cNvPr id="2" name="Title 1"/>
-          <p:cNvSpPr>
-            <a:spLocks noGrp="1"/>
-          </p:cNvSpPr>
-          <p:nvPr>
-            <p:ph type="title"/>
-          </p:nvPr>
-        </p:nvSpPr>
-        <p:spPr/>
-        <p:txBody>
-          <a:bodyPr/>
-          <a:lstStyle/>
-          <a:p>
-            <a:r>
-              <a:rPr lang="en-US" dirty="0" smtClean="0"/>
-              <a:t>The numbers</a:t>
-            </a:r>
-            <a:endParaRPr lang="en-US" dirty="0"/>
-          </a:p>
-        </p:txBody>
-      </p:sp>
-      <p:pic>
-        <p:nvPicPr>
-          <p:cNvPr id="4" name="Picture 3"/>
-          <p:cNvPicPr>
-            <a:picLocks noChangeAspect="1"/>
-          </p:cNvPicPr>
-          <p:nvPr/>
-        </p:nvPicPr>
-        <p:blipFill>
-          <a:blip r:embed="rId2"/>
-          <a:stretch>
-            <a:fillRect/>
-          </a:stretch>
-        </p:blipFill>
-        <p:spPr>
-          <a:xfrm>
-            <a:off x="0" y="1676400"/>
-            <a:ext cx="9144000" cy="3481754"/>
-          </a:xfrm>
-          <a:prstGeom prst="rect">
-            <a:avLst/>
-          </a:prstGeom>
-        </p:spPr>
-      </p:pic>
-      <p:sp>
-        <p:nvSpPr>
-          <p:cNvPr id="5" name="TextBox 4"/>
-          <p:cNvSpPr txBox="1"/>
-          <p:nvPr/>
-        </p:nvSpPr>
-        <p:spPr>
-          <a:xfrm>
-            <a:off x="7282364" y="6523188"/>
-            <a:ext cx="1556836" cy="369332"/>
-          </a:xfrm>
-          <a:prstGeom prst="rect">
-            <a:avLst/>
-          </a:prstGeom>
-          <a:noFill/>
-        </p:spPr>
-        <p:txBody>
-          <a:bodyPr wrap="none" rtlCol="0">
-            <a:spAutoFit/>
-          </a:bodyPr>
-          <a:lstStyle/>
-          <a:p>
-            <a:r>
-              <a:rPr lang="en-US" dirty="0" smtClean="0"/>
-              <a:t>Source: Netflix</a:t>
-            </a:r>
-            <a:endParaRPr lang="en-US" dirty="0"/>
-          </a:p>
-        </p:txBody>
-      </p:sp>
-    </p:spTree>
-    <p:extLst>
-      <p:ext uri="{BB962C8B-B14F-4D97-AF65-F5344CB8AC3E}">
-        <p14:creationId xmlns:p14="http://schemas.microsoft.com/office/powerpoint/2010/main" val="943575494"/>
       </p:ext>
     </p:extLst>
   </p:cSld>
@@ -6730,420 +6013,6 @@
     <p:extLst>
       <p:ext uri="{BB962C8B-B14F-4D97-AF65-F5344CB8AC3E}">
         <p14:creationId xmlns:p14="http://schemas.microsoft.com/office/powerpoint/2010/main" val="91718972"/>
-      </p:ext>
-    </p:extLst>
-  </p:cSld>
-  <p:clrMapOvr>
-    <a:masterClrMapping/>
-  </p:clrMapOvr>
-</p:sld>
-</file>
-
-<file path=ppt/slides/slide30.xml><?xml version="1.0" encoding="utf-8"?>
-<p:sld xmlns:a="http://schemas.openxmlformats.org/drawingml/2006/main" xmlns:r="http://schemas.openxmlformats.org/officeDocument/2006/relationships" xmlns:p="http://schemas.openxmlformats.org/presentationml/2006/main">
-  <p:cSld>
-    <p:spTree>
-      <p:nvGrpSpPr>
-        <p:cNvPr id="1" name=""/>
-        <p:cNvGrpSpPr/>
-        <p:nvPr/>
-      </p:nvGrpSpPr>
-      <p:grpSpPr>
-        <a:xfrm>
-          <a:off x="0" y="0"/>
-          <a:ext cx="0" cy="0"/>
-          <a:chOff x="0" y="0"/>
-          <a:chExt cx="0" cy="0"/>
-        </a:xfrm>
-      </p:grpSpPr>
-      <p:sp>
-        <p:nvSpPr>
-          <p:cNvPr id="2" name="Title 1"/>
-          <p:cNvSpPr>
-            <a:spLocks noGrp="1"/>
-          </p:cNvSpPr>
-          <p:nvPr>
-            <p:ph type="title"/>
-          </p:nvPr>
-        </p:nvSpPr>
-        <p:spPr/>
-        <p:txBody>
-          <a:bodyPr/>
-          <a:lstStyle/>
-          <a:p>
-            <a:r>
-              <a:rPr lang="en-US" dirty="0" smtClean="0"/>
-              <a:t>Cassandra Model</a:t>
-            </a:r>
-            <a:endParaRPr lang="en-US" dirty="0"/>
-          </a:p>
-        </p:txBody>
-      </p:sp>
-      <p:sp>
-        <p:nvSpPr>
-          <p:cNvPr id="3" name="Content Placeholder 2"/>
-          <p:cNvSpPr>
-            <a:spLocks noGrp="1"/>
-          </p:cNvSpPr>
-          <p:nvPr>
-            <p:ph idx="1"/>
-          </p:nvPr>
-        </p:nvSpPr>
-        <p:spPr/>
-        <p:txBody>
-          <a:bodyPr>
-            <a:normAutofit lnSpcReduction="10000"/>
-          </a:bodyPr>
-          <a:lstStyle/>
-          <a:p>
-            <a:r>
-              <a:rPr lang="en-US" b="1" dirty="0" err="1" smtClean="0"/>
-              <a:t>Keyspaces</a:t>
-            </a:r>
-            <a:r>
-              <a:rPr lang="en-US" dirty="0" smtClean="0"/>
-              <a:t> are roughly equivalent to SQL Databases</a:t>
-            </a:r>
-          </a:p>
-          <a:p>
-            <a:pPr lvl="1"/>
-            <a:r>
-              <a:rPr lang="en-US" dirty="0" smtClean="0"/>
-              <a:t>Encapsulate replication strategies</a:t>
-            </a:r>
-          </a:p>
-          <a:p>
-            <a:r>
-              <a:rPr lang="en-US" b="1" dirty="0" smtClean="0"/>
-              <a:t>Column Families</a:t>
-            </a:r>
-            <a:r>
-              <a:rPr lang="en-US" dirty="0" smtClean="0"/>
-              <a:t> roughly equivalent to SQL tables</a:t>
-            </a:r>
-          </a:p>
-          <a:p>
-            <a:r>
-              <a:rPr lang="en-US" dirty="0" smtClean="0"/>
-              <a:t>Generally a different approach </a:t>
-            </a:r>
-            <a:r>
-              <a:rPr lang="en-US" dirty="0" err="1" smtClean="0"/>
-              <a:t>vs</a:t>
-            </a:r>
-            <a:r>
-              <a:rPr lang="en-US" dirty="0" smtClean="0"/>
-              <a:t> SQL</a:t>
-            </a:r>
-          </a:p>
-          <a:p>
-            <a:pPr lvl="1"/>
-            <a:r>
-              <a:rPr lang="en-US" dirty="0" smtClean="0"/>
-              <a:t>Writes are cheap</a:t>
-            </a:r>
-          </a:p>
-          <a:p>
-            <a:pPr lvl="1"/>
-            <a:r>
-              <a:rPr lang="en-US" dirty="0" smtClean="0"/>
-              <a:t>Indexes are expensive</a:t>
-            </a:r>
-          </a:p>
-          <a:p>
-            <a:pPr lvl="1"/>
-            <a:r>
-              <a:rPr lang="en-US" dirty="0"/>
-              <a:t>Normalization is not the </a:t>
-            </a:r>
-            <a:r>
-              <a:rPr lang="en-US" dirty="0" smtClean="0"/>
-              <a:t>goal</a:t>
-            </a:r>
-            <a:endParaRPr lang="en-US" dirty="0"/>
-          </a:p>
-        </p:txBody>
-      </p:sp>
-    </p:spTree>
-    <p:extLst>
-      <p:ext uri="{BB962C8B-B14F-4D97-AF65-F5344CB8AC3E}">
-        <p14:creationId xmlns:p14="http://schemas.microsoft.com/office/powerpoint/2010/main" val="4149025764"/>
-      </p:ext>
-    </p:extLst>
-  </p:cSld>
-  <p:clrMapOvr>
-    <a:masterClrMapping/>
-  </p:clrMapOvr>
-</p:sld>
-</file>
-
-<file path=ppt/slides/slide31.xml><?xml version="1.0" encoding="utf-8"?>
-<p:sld xmlns:a="http://schemas.openxmlformats.org/drawingml/2006/main" xmlns:r="http://schemas.openxmlformats.org/officeDocument/2006/relationships" xmlns:p="http://schemas.openxmlformats.org/presentationml/2006/main">
-  <p:cSld>
-    <p:spTree>
-      <p:nvGrpSpPr>
-        <p:cNvPr id="1" name=""/>
-        <p:cNvGrpSpPr/>
-        <p:nvPr/>
-      </p:nvGrpSpPr>
-      <p:grpSpPr>
-        <a:xfrm>
-          <a:off x="0" y="0"/>
-          <a:ext cx="0" cy="0"/>
-          <a:chOff x="0" y="0"/>
-          <a:chExt cx="0" cy="0"/>
-        </a:xfrm>
-      </p:grpSpPr>
-      <p:sp>
-        <p:nvSpPr>
-          <p:cNvPr id="2" name="Title 1"/>
-          <p:cNvSpPr>
-            <a:spLocks noGrp="1"/>
-          </p:cNvSpPr>
-          <p:nvPr>
-            <p:ph type="title"/>
-          </p:nvPr>
-        </p:nvSpPr>
-        <p:spPr/>
-        <p:txBody>
-          <a:bodyPr/>
-          <a:lstStyle/>
-          <a:p>
-            <a:r>
-              <a:rPr lang="en-US" dirty="0" smtClean="0"/>
-              <a:t>Cassandra Model cont.</a:t>
-            </a:r>
-            <a:endParaRPr lang="en-US" dirty="0"/>
-          </a:p>
-        </p:txBody>
-      </p:sp>
-      <p:sp>
-        <p:nvSpPr>
-          <p:cNvPr id="3" name="Content Placeholder 2"/>
-          <p:cNvSpPr>
-            <a:spLocks noGrp="1"/>
-          </p:cNvSpPr>
-          <p:nvPr>
-            <p:ph idx="1"/>
-          </p:nvPr>
-        </p:nvSpPr>
-        <p:spPr/>
-        <p:txBody>
-          <a:bodyPr>
-            <a:normAutofit fontScale="92500" lnSpcReduction="10000"/>
-          </a:bodyPr>
-          <a:lstStyle/>
-          <a:p>
-            <a:r>
-              <a:rPr lang="en-US" dirty="0"/>
-              <a:t>Inserts are the same as updates</a:t>
-            </a:r>
-          </a:p>
-          <a:p>
-            <a:pPr lvl="1"/>
-            <a:r>
-              <a:rPr lang="en-US" dirty="0"/>
-              <a:t>No read first</a:t>
-            </a:r>
-          </a:p>
-          <a:p>
-            <a:r>
-              <a:rPr lang="en-US" dirty="0"/>
-              <a:t>Data can be marked with a Time to Live (TTL)</a:t>
-            </a:r>
-          </a:p>
-          <a:p>
-            <a:pPr lvl="1"/>
-            <a:r>
-              <a:rPr lang="en-US" dirty="0"/>
-              <a:t>Automatically deleted</a:t>
-            </a:r>
-          </a:p>
-          <a:p>
-            <a:r>
-              <a:rPr lang="en-US" dirty="0"/>
-              <a:t>Deletes are not instant</a:t>
-            </a:r>
-          </a:p>
-          <a:p>
-            <a:pPr lvl="1"/>
-            <a:r>
-              <a:rPr lang="en-US" dirty="0"/>
-              <a:t>Deleted rows are marked with a </a:t>
-            </a:r>
-            <a:r>
-              <a:rPr lang="en-US" dirty="0" smtClean="0"/>
-              <a:t>tombstone</a:t>
-            </a:r>
-          </a:p>
-          <a:p>
-            <a:pPr lvl="1"/>
-            <a:r>
-              <a:rPr lang="en-US" dirty="0" smtClean="0"/>
-              <a:t>Eventually cleaned up</a:t>
-            </a:r>
-          </a:p>
-          <a:p>
-            <a:pPr lvl="1"/>
-            <a:r>
-              <a:rPr lang="en-US" dirty="0" smtClean="0"/>
-              <a:t>Can re-appear if you do not run node repair after a node failure </a:t>
-            </a:r>
-            <a:endParaRPr lang="en-US" dirty="0"/>
-          </a:p>
-          <a:p>
-            <a:endParaRPr lang="en-US" dirty="0"/>
-          </a:p>
-        </p:txBody>
-      </p:sp>
-    </p:spTree>
-    <p:extLst>
-      <p:ext uri="{BB962C8B-B14F-4D97-AF65-F5344CB8AC3E}">
-        <p14:creationId xmlns:p14="http://schemas.microsoft.com/office/powerpoint/2010/main" val="1692142073"/>
-      </p:ext>
-    </p:extLst>
-  </p:cSld>
-  <p:clrMapOvr>
-    <a:masterClrMapping/>
-  </p:clrMapOvr>
-</p:sld>
-</file>
-
-<file path=ppt/slides/slide32.xml><?xml version="1.0" encoding="utf-8"?>
-<p:sld xmlns:a="http://schemas.openxmlformats.org/drawingml/2006/main" xmlns:r="http://schemas.openxmlformats.org/officeDocument/2006/relationships" xmlns:p="http://schemas.openxmlformats.org/presentationml/2006/main">
-  <p:cSld>
-    <p:spTree>
-      <p:nvGrpSpPr>
-        <p:cNvPr id="1" name=""/>
-        <p:cNvGrpSpPr/>
-        <p:nvPr/>
-      </p:nvGrpSpPr>
-      <p:grpSpPr>
-        <a:xfrm>
-          <a:off x="0" y="0"/>
-          <a:ext cx="0" cy="0"/>
-          <a:chOff x="0" y="0"/>
-          <a:chExt cx="0" cy="0"/>
-        </a:xfrm>
-      </p:grpSpPr>
-      <p:sp>
-        <p:nvSpPr>
-          <p:cNvPr id="2" name="Title 1"/>
-          <p:cNvSpPr>
-            <a:spLocks noGrp="1"/>
-          </p:cNvSpPr>
-          <p:nvPr>
-            <p:ph type="title"/>
-          </p:nvPr>
-        </p:nvSpPr>
-        <p:spPr/>
-        <p:txBody>
-          <a:bodyPr/>
-          <a:lstStyle/>
-          <a:p>
-            <a:r>
-              <a:rPr lang="en-US" dirty="0" smtClean="0"/>
-              <a:t>Partitions</a:t>
-            </a:r>
-            <a:endParaRPr lang="en-US" dirty="0"/>
-          </a:p>
-        </p:txBody>
-      </p:sp>
-      <p:sp>
-        <p:nvSpPr>
-          <p:cNvPr id="3" name="Content Placeholder 2"/>
-          <p:cNvSpPr>
-            <a:spLocks noGrp="1"/>
-          </p:cNvSpPr>
-          <p:nvPr>
-            <p:ph idx="1"/>
-          </p:nvPr>
-        </p:nvSpPr>
-        <p:spPr/>
-        <p:txBody>
-          <a:bodyPr/>
-          <a:lstStyle/>
-          <a:p>
-            <a:endParaRPr lang="en-US"/>
-          </a:p>
-        </p:txBody>
-      </p:sp>
-    </p:spTree>
-    <p:extLst>
-      <p:ext uri="{BB962C8B-B14F-4D97-AF65-F5344CB8AC3E}">
-        <p14:creationId xmlns:p14="http://schemas.microsoft.com/office/powerpoint/2010/main" val="845217799"/>
-      </p:ext>
-    </p:extLst>
-  </p:cSld>
-  <p:clrMapOvr>
-    <a:masterClrMapping/>
-  </p:clrMapOvr>
-</p:sld>
-</file>
-
-<file path=ppt/slides/slide33.xml><?xml version="1.0" encoding="utf-8"?>
-<p:sld xmlns:a="http://schemas.openxmlformats.org/drawingml/2006/main" xmlns:r="http://schemas.openxmlformats.org/officeDocument/2006/relationships" xmlns:p="http://schemas.openxmlformats.org/presentationml/2006/main">
-  <p:cSld>
-    <p:spTree>
-      <p:nvGrpSpPr>
-        <p:cNvPr id="1" name=""/>
-        <p:cNvGrpSpPr/>
-        <p:nvPr/>
-      </p:nvGrpSpPr>
-      <p:grpSpPr>
-        <a:xfrm>
-          <a:off x="0" y="0"/>
-          <a:ext cx="0" cy="0"/>
-          <a:chOff x="0" y="0"/>
-          <a:chExt cx="0" cy="0"/>
-        </a:xfrm>
-      </p:grpSpPr>
-      <p:sp>
-        <p:nvSpPr>
-          <p:cNvPr id="2" name="Title 1"/>
-          <p:cNvSpPr>
-            <a:spLocks noGrp="1"/>
-          </p:cNvSpPr>
-          <p:nvPr>
-            <p:ph type="title"/>
-          </p:nvPr>
-        </p:nvSpPr>
-        <p:spPr/>
-        <p:txBody>
-          <a:bodyPr/>
-          <a:lstStyle/>
-          <a:p>
-            <a:r>
-              <a:rPr lang="en-US" dirty="0" smtClean="0"/>
-              <a:t>CQL	</a:t>
-            </a:r>
-            <a:endParaRPr lang="en-US" dirty="0"/>
-          </a:p>
-        </p:txBody>
-      </p:sp>
-      <p:sp>
-        <p:nvSpPr>
-          <p:cNvPr id="3" name="Content Placeholder 2"/>
-          <p:cNvSpPr>
-            <a:spLocks noGrp="1"/>
-          </p:cNvSpPr>
-          <p:nvPr>
-            <p:ph idx="1"/>
-          </p:nvPr>
-        </p:nvSpPr>
-        <p:spPr/>
-        <p:txBody>
-          <a:bodyPr/>
-          <a:lstStyle/>
-          <a:p>
-            <a:endParaRPr lang="en-US" dirty="0"/>
-          </a:p>
-        </p:txBody>
-      </p:sp>
-    </p:spTree>
-    <p:extLst>
-      <p:ext uri="{BB962C8B-B14F-4D97-AF65-F5344CB8AC3E}">
-        <p14:creationId xmlns:p14="http://schemas.microsoft.com/office/powerpoint/2010/main" val="3784706942"/>
       </p:ext>
     </p:extLst>
   </p:cSld>

--- a/pres-source/08-NoSQL-databases.pptx
+++ b/pres-source/08-NoSQL-databases.pptx
@@ -219,7 +219,7 @@
             <a:fld id="{7307762F-A706-E543-A832-3C298AA3103F}" type="datetimeFigureOut">
               <a:rPr lang="en-US" smtClean="0"/>
               <a:pPr/>
-              <a:t>16/11/15</a:t>
+              <a:t>30/11/15</a:t>
             </a:fld>
             <a:endParaRPr lang="en-US" dirty="0"/>
           </a:p>
@@ -786,7 +786,7 @@
           <a:p>
             <a:fld id="{875CF0EB-321F-0749-B37A-89BBA859503C}" type="datetimeFigureOut">
               <a:rPr lang="en-US" smtClean="0"/>
-              <a:t>16/11/15</a:t>
+              <a:t>30/11/15</a:t>
             </a:fld>
             <a:endParaRPr lang="en-US"/>
           </a:p>
@@ -990,7 +990,7 @@
           <a:p>
             <a:fld id="{875CF0EB-321F-0749-B37A-89BBA859503C}" type="datetimeFigureOut">
               <a:rPr lang="en-US" smtClean="0"/>
-              <a:t>16/11/15</a:t>
+              <a:t>30/11/15</a:t>
             </a:fld>
             <a:endParaRPr lang="en-US"/>
           </a:p>
@@ -1184,7 +1184,7 @@
           <a:p>
             <a:fld id="{875CF0EB-321F-0749-B37A-89BBA859503C}" type="datetimeFigureOut">
               <a:rPr lang="en-US" smtClean="0"/>
-              <a:t>16/11/15</a:t>
+              <a:t>30/11/15</a:t>
             </a:fld>
             <a:endParaRPr lang="en-US"/>
           </a:p>
@@ -1454,7 +1454,7 @@
           <a:p>
             <a:fld id="{875CF0EB-321F-0749-B37A-89BBA859503C}" type="datetimeFigureOut">
               <a:rPr lang="en-US" smtClean="0"/>
-              <a:t>16/11/15</a:t>
+              <a:t>30/11/15</a:t>
             </a:fld>
             <a:endParaRPr lang="en-US"/>
           </a:p>
@@ -1766,7 +1766,7 @@
           <a:p>
             <a:fld id="{875CF0EB-321F-0749-B37A-89BBA859503C}" type="datetimeFigureOut">
               <a:rPr lang="en-US" smtClean="0"/>
-              <a:t>16/11/15</a:t>
+              <a:t>30/11/15</a:t>
             </a:fld>
             <a:endParaRPr lang="en-US"/>
           </a:p>
@@ -2212,7 +2212,7 @@
           <a:p>
             <a:fld id="{875CF0EB-321F-0749-B37A-89BBA859503C}" type="datetimeFigureOut">
               <a:rPr lang="en-US" smtClean="0"/>
-              <a:t>16/11/15</a:t>
+              <a:t>30/11/15</a:t>
             </a:fld>
             <a:endParaRPr lang="en-US"/>
           </a:p>
@@ -2354,7 +2354,7 @@
           <a:p>
             <a:fld id="{875CF0EB-321F-0749-B37A-89BBA859503C}" type="datetimeFigureOut">
               <a:rPr lang="en-US" smtClean="0"/>
-              <a:t>16/11/15</a:t>
+              <a:t>30/11/15</a:t>
             </a:fld>
             <a:endParaRPr lang="en-US"/>
           </a:p>
@@ -2473,7 +2473,7 @@
           <a:p>
             <a:fld id="{875CF0EB-321F-0749-B37A-89BBA859503C}" type="datetimeFigureOut">
               <a:rPr lang="en-US" smtClean="0"/>
-              <a:t>16/11/15</a:t>
+              <a:t>30/11/15</a:t>
             </a:fld>
             <a:endParaRPr lang="en-US"/>
           </a:p>
@@ -2774,7 +2774,7 @@
           <a:p>
             <a:fld id="{875CF0EB-321F-0749-B37A-89BBA859503C}" type="datetimeFigureOut">
               <a:rPr lang="en-US" smtClean="0"/>
-              <a:t>16/11/15</a:t>
+              <a:t>30/11/15</a:t>
             </a:fld>
             <a:endParaRPr lang="en-US"/>
           </a:p>
@@ -3051,7 +3051,7 @@
           <a:p>
             <a:fld id="{875CF0EB-321F-0749-B37A-89BBA859503C}" type="datetimeFigureOut">
               <a:rPr lang="en-US" smtClean="0"/>
-              <a:t>16/11/15</a:t>
+              <a:t>30/11/15</a:t>
             </a:fld>
             <a:endParaRPr lang="en-US"/>
           </a:p>
@@ -3247,7 +3247,7 @@
       </p:sp>
       <p:sp>
         <p:nvSpPr>
-          <p:cNvPr id="21" name="TextBox 20"/>
+          <p:cNvPr id="8" name="TextBox 7"/>
           <p:cNvSpPr txBox="1">
             <a:spLocks noChangeArrowheads="1"/>
           </p:cNvSpPr>
@@ -3255,8 +3255,8 @@
         </p:nvSpPr>
         <p:spPr bwMode="auto">
           <a:xfrm>
-            <a:off x="1046163" y="6092834"/>
-            <a:ext cx="6853158" cy="553998"/>
+            <a:off x="1168930" y="6408634"/>
+            <a:ext cx="3429144" cy="415498"/>
           </a:xfrm>
           <a:prstGeom prst="rect">
             <a:avLst/>
@@ -3428,22 +3428,22 @@
               <a:defRPr/>
             </a:pPr>
             <a:r>
-              <a:rPr lang="en-US" sz="1000" dirty="0" smtClean="0">
+              <a:rPr lang="en-US" sz="700" dirty="0" smtClean="0">
                 <a:latin typeface="Montserrat"/>
               </a:rPr>
-              <a:t>© Paul Fremantle 2015.  Licensed under the Creative Commons 4.0 BY-SA (Attribution-</a:t>
-            </a:r>
-            <a:r>
-              <a:rPr lang="en-US" sz="1000" dirty="0" err="1" smtClean="0">
+              <a:t>© Paul Fremantle 2015.  </a:t>
+            </a:r>
+            <a:r>
+              <a:rPr lang="en-US" sz="700" dirty="0" smtClean="0">
                 <a:latin typeface="Montserrat"/>
               </a:rPr>
-              <a:t>Sharealike</a:t>
-            </a:r>
-            <a:r>
-              <a:rPr lang="en-US" sz="1000" dirty="0" smtClean="0">
+              <a:t>This </a:t>
+            </a:r>
+            <a:r>
+              <a:rPr lang="en-US" sz="700" dirty="0" smtClean="0">
                 <a:latin typeface="Montserrat"/>
               </a:rPr>
-              <a:t>) license.</a:t>
+              <a:t>work is licensed under a Creative Commons</a:t>
             </a:r>
           </a:p>
           <a:p>
@@ -3451,87 +3451,84 @@
               <a:defRPr/>
             </a:pPr>
             <a:r>
-              <a:rPr lang="en-US" sz="1000" dirty="0" smtClean="0">
+              <a:rPr lang="en-US" sz="700" dirty="0" smtClean="0">
                 <a:latin typeface="Montserrat"/>
               </a:rPr>
-              <a:t>See </a:t>
-            </a:r>
-            <a:r>
-              <a:rPr lang="en-US" sz="1000" dirty="0" smtClean="0">
+              <a:t> Attribution-</a:t>
+            </a:r>
+            <a:r>
+              <a:rPr lang="en-US" sz="700" dirty="0" err="1" smtClean="0">
+                <a:latin typeface="Montserrat"/>
+              </a:rPr>
+              <a:t>NonCommercial</a:t>
+            </a:r>
+            <a:r>
+              <a:rPr lang="en-US" sz="700" dirty="0" smtClean="0">
+                <a:latin typeface="Montserrat"/>
+              </a:rPr>
+              <a:t>-</a:t>
+            </a:r>
+            <a:r>
+              <a:rPr lang="en-US" sz="700" dirty="0" err="1" smtClean="0">
+                <a:latin typeface="Montserrat"/>
+              </a:rPr>
+              <a:t>ShareAlike</a:t>
+            </a:r>
+            <a:r>
+              <a:rPr lang="en-US" sz="700" dirty="0" smtClean="0">
+                <a:latin typeface="Montserrat"/>
+              </a:rPr>
+              <a:t> 4.0 International License</a:t>
+            </a:r>
+            <a:br>
+              <a:rPr lang="en-US" sz="700" dirty="0" smtClean="0">
+                <a:latin typeface="Montserrat"/>
+              </a:rPr>
+            </a:br>
+            <a:r>
+              <a:rPr lang="en-US" sz="700" dirty="0" smtClean="0">
+                <a:latin typeface="Montserrat"/>
+              </a:rPr>
+              <a:t>See  </a:t>
+            </a:r>
+            <a:r>
+              <a:rPr lang="en-US" sz="700" dirty="0" smtClean="0">
                 <a:latin typeface="Montserrat"/>
                 <a:hlinkClick r:id="rId13"/>
               </a:rPr>
-              <a:t>http://creativecommons.org/licenses/by-sa/4.0/</a:t>
-            </a:r>
-            <a:r>
-              <a:rPr lang="en-US" sz="1000" dirty="0" smtClean="0">
+              <a:t>http://creativecommons.org/licenses/by-nc-sa/4.0/</a:t>
+            </a:r>
+            <a:r>
+              <a:rPr lang="en-US" sz="700" dirty="0" smtClean="0">
                 <a:latin typeface="Montserrat"/>
               </a:rPr>
               <a:t> </a:t>
             </a:r>
           </a:p>
-          <a:p>
-            <a:pPr algn="l" eaLnBrk="1" hangingPunct="1">
-              <a:defRPr/>
-            </a:pPr>
-            <a:endParaRPr lang="en-US" sz="1000" dirty="0" smtClean="0">
-              <a:latin typeface="Montserrat"/>
-            </a:endParaRPr>
-          </a:p>
         </p:txBody>
       </p:sp>
       <p:pic>
         <p:nvPicPr>
-          <p:cNvPr id="24" name="Picture 23"/>
+          <p:cNvPr id="9" name="Picture 8"/>
           <p:cNvPicPr>
-            <a:picLocks noChangeAspect="1" noChangeArrowheads="1"/>
+            <a:picLocks noChangeAspect="1"/>
           </p:cNvPicPr>
           <p:nvPr userDrawn="1"/>
         </p:nvPicPr>
         <p:blipFill>
-          <a:blip r:embed="rId14">
-            <a:extLst>
-              <a:ext uri="{28A0092B-C50C-407E-A947-70E740481C1C}">
-                <a14:useLocalDpi xmlns:a14="http://schemas.microsoft.com/office/drawing/2010/main" val="0"/>
-              </a:ext>
-            </a:extLst>
-          </a:blip>
-          <a:srcRect/>
+          <a:blip r:embed="rId14"/>
           <a:stretch>
             <a:fillRect/>
           </a:stretch>
         </p:blipFill>
-        <p:spPr bwMode="auto">
-          <a:xfrm>
-            <a:off x="320764" y="6254746"/>
-            <a:ext cx="725399" cy="258097"/>
+        <p:spPr>
+          <a:xfrm>
+            <a:off x="375635" y="6492098"/>
+            <a:ext cx="792765" cy="279269"/>
           </a:xfrm>
           <a:prstGeom prst="rect">
             <a:avLst/>
           </a:prstGeom>
-          <a:noFill/>
-          <a:ln>
-            <a:noFill/>
-          </a:ln>
-          <a:extLst>
-            <a:ext uri="{909E8E84-426E-40dd-AFC4-6F175D3DCCD1}">
-              <a14:hiddenFill xmlns:a14="http://schemas.microsoft.com/office/drawing/2010/main">
-                <a:solidFill>
-                  <a:srgbClr val="FFFFFF"/>
-                </a:solidFill>
-              </a14:hiddenFill>
-            </a:ext>
-            <a:ext uri="{91240B29-F687-4f45-9708-019B960494DF}">
-              <a14:hiddenLine xmlns:a14="http://schemas.microsoft.com/office/drawing/2010/main" w="9525">
-                <a:solidFill>
-                  <a:srgbClr val="000000"/>
-                </a:solidFill>
-                <a:miter lim="800000"/>
-                <a:headEnd/>
-                <a:tailEnd/>
-              </a14:hiddenLine>
-            </a:ext>
-          </a:extLst>
         </p:spPr>
       </p:pic>
     </p:spTree>

--- a/pres-source/08-NoSQL-databases.pptx
+++ b/pres-source/08-NoSQL-databases.pptx
@@ -219,7 +219,7 @@
             <a:fld id="{7307762F-A706-E543-A832-3C298AA3103F}" type="datetimeFigureOut">
               <a:rPr lang="en-US" smtClean="0"/>
               <a:pPr/>
-              <a:t>30/11/15</a:t>
+              <a:t>09/09/16</a:t>
             </a:fld>
             <a:endParaRPr lang="en-US" dirty="0"/>
           </a:p>
@@ -786,7 +786,7 @@
           <a:p>
             <a:fld id="{875CF0EB-321F-0749-B37A-89BBA859503C}" type="datetimeFigureOut">
               <a:rPr lang="en-US" smtClean="0"/>
-              <a:t>30/11/15</a:t>
+              <a:t>09/09/16</a:t>
             </a:fld>
             <a:endParaRPr lang="en-US"/>
           </a:p>
@@ -990,7 +990,7 @@
           <a:p>
             <a:fld id="{875CF0EB-321F-0749-B37A-89BBA859503C}" type="datetimeFigureOut">
               <a:rPr lang="en-US" smtClean="0"/>
-              <a:t>30/11/15</a:t>
+              <a:t>09/09/16</a:t>
             </a:fld>
             <a:endParaRPr lang="en-US"/>
           </a:p>
@@ -1184,7 +1184,7 @@
           <a:p>
             <a:fld id="{875CF0EB-321F-0749-B37A-89BBA859503C}" type="datetimeFigureOut">
               <a:rPr lang="en-US" smtClean="0"/>
-              <a:t>30/11/15</a:t>
+              <a:t>09/09/16</a:t>
             </a:fld>
             <a:endParaRPr lang="en-US"/>
           </a:p>
@@ -1454,7 +1454,7 @@
           <a:p>
             <a:fld id="{875CF0EB-321F-0749-B37A-89BBA859503C}" type="datetimeFigureOut">
               <a:rPr lang="en-US" smtClean="0"/>
-              <a:t>30/11/15</a:t>
+              <a:t>09/09/16</a:t>
             </a:fld>
             <a:endParaRPr lang="en-US"/>
           </a:p>
@@ -1766,7 +1766,7 @@
           <a:p>
             <a:fld id="{875CF0EB-321F-0749-B37A-89BBA859503C}" type="datetimeFigureOut">
               <a:rPr lang="en-US" smtClean="0"/>
-              <a:t>30/11/15</a:t>
+              <a:t>09/09/16</a:t>
             </a:fld>
             <a:endParaRPr lang="en-US"/>
           </a:p>
@@ -2212,7 +2212,7 @@
           <a:p>
             <a:fld id="{875CF0EB-321F-0749-B37A-89BBA859503C}" type="datetimeFigureOut">
               <a:rPr lang="en-US" smtClean="0"/>
-              <a:t>30/11/15</a:t>
+              <a:t>09/09/16</a:t>
             </a:fld>
             <a:endParaRPr lang="en-US"/>
           </a:p>
@@ -2354,7 +2354,7 @@
           <a:p>
             <a:fld id="{875CF0EB-321F-0749-B37A-89BBA859503C}" type="datetimeFigureOut">
               <a:rPr lang="en-US" smtClean="0"/>
-              <a:t>30/11/15</a:t>
+              <a:t>09/09/16</a:t>
             </a:fld>
             <a:endParaRPr lang="en-US"/>
           </a:p>
@@ -2473,7 +2473,7 @@
           <a:p>
             <a:fld id="{875CF0EB-321F-0749-B37A-89BBA859503C}" type="datetimeFigureOut">
               <a:rPr lang="en-US" smtClean="0"/>
-              <a:t>30/11/15</a:t>
+              <a:t>09/09/16</a:t>
             </a:fld>
             <a:endParaRPr lang="en-US"/>
           </a:p>
@@ -2774,7 +2774,7 @@
           <a:p>
             <a:fld id="{875CF0EB-321F-0749-B37A-89BBA859503C}" type="datetimeFigureOut">
               <a:rPr lang="en-US" smtClean="0"/>
-              <a:t>30/11/15</a:t>
+              <a:t>09/09/16</a:t>
             </a:fld>
             <a:endParaRPr lang="en-US"/>
           </a:p>
@@ -3051,7 +3051,7 @@
           <a:p>
             <a:fld id="{875CF0EB-321F-0749-B37A-89BBA859503C}" type="datetimeFigureOut">
               <a:rPr lang="en-US" smtClean="0"/>
-              <a:t>30/11/15</a:t>
+              <a:t>09/09/16</a:t>
             </a:fld>
             <a:endParaRPr lang="en-US"/>
           </a:p>
@@ -3431,19 +3431,7 @@
               <a:rPr lang="en-US" sz="700" dirty="0" smtClean="0">
                 <a:latin typeface="Montserrat"/>
               </a:rPr>
-              <a:t>© Paul Fremantle 2015.  </a:t>
-            </a:r>
-            <a:r>
-              <a:rPr lang="en-US" sz="700" dirty="0" smtClean="0">
-                <a:latin typeface="Montserrat"/>
-              </a:rPr>
-              <a:t>This </a:t>
-            </a:r>
-            <a:r>
-              <a:rPr lang="en-US" sz="700" dirty="0" smtClean="0">
-                <a:latin typeface="Montserrat"/>
-              </a:rPr>
-              <a:t>work is licensed under a Creative Commons</a:t>
+              <a:t>© Paul Fremantle 2015.  This work is licensed under a Creative Commons</a:t>
             </a:r>
           </a:p>
           <a:p>
@@ -3986,11 +3974,11 @@
           <a:p>
             <a:pPr eaLnBrk="1" hangingPunct="1"/>
             <a:r>
-              <a:rPr lang="en-US" dirty="0" smtClean="0">
+              <a:rPr lang="en-US" smtClean="0">
                 <a:ea typeface="ヒラギノ角ゴ ProN W3" charset="0"/>
                 <a:cs typeface="ヒラギノ角ゴ ProN W3" charset="0"/>
               </a:rPr>
-              <a:t>Nov 2015</a:t>
+              <a:t>Sep 2016</a:t>
             </a:r>
             <a:endParaRPr lang="en-US" dirty="0">
               <a:ea typeface="ヒラギノ角ゴ ProN W3" charset="0"/>

--- a/pres-source/08-NoSQL-databases.pptx
+++ b/pres-source/08-NoSQL-databases.pptx
@@ -5,7 +5,7 @@
     <p:sldMasterId id="2147483648" r:id="rId1"/>
   </p:sldMasterIdLst>
   <p:notesMasterIdLst>
-    <p:notesMasterId r:id="rId25"/>
+    <p:notesMasterId r:id="rId26"/>
   </p:notesMasterIdLst>
   <p:sldIdLst>
     <p:sldId id="256" r:id="rId2"/>
@@ -21,16 +21,17 @@
     <p:sldId id="259" r:id="rId12"/>
     <p:sldId id="258" r:id="rId13"/>
     <p:sldId id="271" r:id="rId14"/>
-    <p:sldId id="275" r:id="rId15"/>
-    <p:sldId id="277" r:id="rId16"/>
-    <p:sldId id="278" r:id="rId17"/>
-    <p:sldId id="272" r:id="rId18"/>
-    <p:sldId id="274" r:id="rId19"/>
-    <p:sldId id="273" r:id="rId20"/>
-    <p:sldId id="276" r:id="rId21"/>
-    <p:sldId id="279" r:id="rId22"/>
-    <p:sldId id="280" r:id="rId23"/>
-    <p:sldId id="291" r:id="rId24"/>
+    <p:sldId id="292" r:id="rId15"/>
+    <p:sldId id="275" r:id="rId16"/>
+    <p:sldId id="277" r:id="rId17"/>
+    <p:sldId id="278" r:id="rId18"/>
+    <p:sldId id="272" r:id="rId19"/>
+    <p:sldId id="274" r:id="rId20"/>
+    <p:sldId id="273" r:id="rId21"/>
+    <p:sldId id="276" r:id="rId22"/>
+    <p:sldId id="279" r:id="rId23"/>
+    <p:sldId id="280" r:id="rId24"/>
+    <p:sldId id="291" r:id="rId25"/>
   </p:sldIdLst>
   <p:sldSz cx="9144000" cy="6858000" type="screen4x3"/>
   <p:notesSz cx="6858000" cy="9144000"/>
@@ -219,7 +220,7 @@
             <a:fld id="{7307762F-A706-E543-A832-3C298AA3103F}" type="datetimeFigureOut">
               <a:rPr lang="en-US" smtClean="0"/>
               <a:pPr/>
-              <a:t>09/09/16</a:t>
+              <a:t>07/07/17</a:t>
             </a:fld>
             <a:endParaRPr lang="en-US" dirty="0"/>
           </a:p>
@@ -786,7 +787,7 @@
           <a:p>
             <a:fld id="{875CF0EB-321F-0749-B37A-89BBA859503C}" type="datetimeFigureOut">
               <a:rPr lang="en-US" smtClean="0"/>
-              <a:t>09/09/16</a:t>
+              <a:t>07/07/17</a:t>
             </a:fld>
             <a:endParaRPr lang="en-US"/>
           </a:p>
@@ -990,7 +991,7 @@
           <a:p>
             <a:fld id="{875CF0EB-321F-0749-B37A-89BBA859503C}" type="datetimeFigureOut">
               <a:rPr lang="en-US" smtClean="0"/>
-              <a:t>09/09/16</a:t>
+              <a:t>07/07/17</a:t>
             </a:fld>
             <a:endParaRPr lang="en-US"/>
           </a:p>
@@ -1184,7 +1185,7 @@
           <a:p>
             <a:fld id="{875CF0EB-321F-0749-B37A-89BBA859503C}" type="datetimeFigureOut">
               <a:rPr lang="en-US" smtClean="0"/>
-              <a:t>09/09/16</a:t>
+              <a:t>07/07/17</a:t>
             </a:fld>
             <a:endParaRPr lang="en-US"/>
           </a:p>
@@ -1454,7 +1455,7 @@
           <a:p>
             <a:fld id="{875CF0EB-321F-0749-B37A-89BBA859503C}" type="datetimeFigureOut">
               <a:rPr lang="en-US" smtClean="0"/>
-              <a:t>09/09/16</a:t>
+              <a:t>07/07/17</a:t>
             </a:fld>
             <a:endParaRPr lang="en-US"/>
           </a:p>
@@ -1766,7 +1767,7 @@
           <a:p>
             <a:fld id="{875CF0EB-321F-0749-B37A-89BBA859503C}" type="datetimeFigureOut">
               <a:rPr lang="en-US" smtClean="0"/>
-              <a:t>09/09/16</a:t>
+              <a:t>07/07/17</a:t>
             </a:fld>
             <a:endParaRPr lang="en-US"/>
           </a:p>
@@ -2212,7 +2213,7 @@
           <a:p>
             <a:fld id="{875CF0EB-321F-0749-B37A-89BBA859503C}" type="datetimeFigureOut">
               <a:rPr lang="en-US" smtClean="0"/>
-              <a:t>09/09/16</a:t>
+              <a:t>07/07/17</a:t>
             </a:fld>
             <a:endParaRPr lang="en-US"/>
           </a:p>
@@ -2354,7 +2355,7 @@
           <a:p>
             <a:fld id="{875CF0EB-321F-0749-B37A-89BBA859503C}" type="datetimeFigureOut">
               <a:rPr lang="en-US" smtClean="0"/>
-              <a:t>09/09/16</a:t>
+              <a:t>07/07/17</a:t>
             </a:fld>
             <a:endParaRPr lang="en-US"/>
           </a:p>
@@ -2473,7 +2474,7 @@
           <a:p>
             <a:fld id="{875CF0EB-321F-0749-B37A-89BBA859503C}" type="datetimeFigureOut">
               <a:rPr lang="en-US" smtClean="0"/>
-              <a:t>09/09/16</a:t>
+              <a:t>07/07/17</a:t>
             </a:fld>
             <a:endParaRPr lang="en-US"/>
           </a:p>
@@ -2774,7 +2775,7 @@
           <a:p>
             <a:fld id="{875CF0EB-321F-0749-B37A-89BBA859503C}" type="datetimeFigureOut">
               <a:rPr lang="en-US" smtClean="0"/>
-              <a:t>09/09/16</a:t>
+              <a:t>07/07/17</a:t>
             </a:fld>
             <a:endParaRPr lang="en-US"/>
           </a:p>
@@ -3051,7 +3052,7 @@
           <a:p>
             <a:fld id="{875CF0EB-321F-0749-B37A-89BBA859503C}" type="datetimeFigureOut">
               <a:rPr lang="en-US" smtClean="0"/>
-              <a:t>09/09/16</a:t>
+              <a:t>07/07/17</a:t>
             </a:fld>
             <a:endParaRPr lang="en-US"/>
           </a:p>
@@ -4566,100 +4567,129 @@
         </p:nvSpPr>
         <p:spPr/>
         <p:txBody>
-          <a:bodyPr/>
-          <a:lstStyle/>
-          <a:p>
-            <a:r>
-              <a:rPr lang="en-US" dirty="0" smtClean="0"/>
-              <a:t>In Memory Databases	</a:t>
-            </a:r>
+          <a:bodyPr>
+            <a:normAutofit fontScale="90000"/>
+          </a:bodyPr>
+          <a:lstStyle/>
+          <a:p>
+            <a:r>
+              <a:rPr lang="en-US" dirty="0" err="1" smtClean="0"/>
+              <a:t>Vitess</a:t>
+            </a:r>
+            <a:r>
+              <a:rPr lang="en-US" dirty="0"/>
+              <a:t/>
+            </a:r>
+            <a:br>
+              <a:rPr lang="en-US" dirty="0"/>
+            </a:br>
+            <a:r>
+              <a:rPr lang="en-US" sz="1800" dirty="0">
+                <a:hlinkClick r:id="rId2"/>
+              </a:rPr>
+              <a:t>https://github.com/youtube/</a:t>
+            </a:r>
+            <a:r>
+              <a:rPr lang="en-US" sz="1800" dirty="0" smtClean="0">
+                <a:hlinkClick r:id="rId2"/>
+              </a:rPr>
+              <a:t>vitess</a:t>
+            </a:r>
+            <a:r>
+              <a:rPr lang="en-US" sz="1800" dirty="0" smtClean="0"/>
+              <a:t> </a:t>
+            </a:r>
+            <a:br>
+              <a:rPr lang="en-US" sz="1800" dirty="0" smtClean="0"/>
+            </a:br>
             <a:endParaRPr lang="en-US" dirty="0"/>
           </a:p>
         </p:txBody>
       </p:sp>
-      <p:sp>
-        <p:nvSpPr>
-          <p:cNvPr id="3" name="Content Placeholder 2"/>
-          <p:cNvSpPr>
-            <a:spLocks noGrp="1"/>
-          </p:cNvSpPr>
-          <p:nvPr>
-            <p:ph idx="1"/>
-          </p:nvPr>
-        </p:nvSpPr>
-        <p:spPr/>
-        <p:txBody>
-          <a:bodyPr>
-            <a:normAutofit fontScale="92500" lnSpcReduction="10000"/>
+      <p:pic>
+        <p:nvPicPr>
+          <p:cNvPr id="5" name="Picture 4"/>
+          <p:cNvPicPr>
+            <a:picLocks noChangeAspect="1"/>
+          </p:cNvPicPr>
+          <p:nvPr/>
+        </p:nvPicPr>
+        <p:blipFill>
+          <a:blip r:embed="rId3"/>
+          <a:stretch>
+            <a:fillRect/>
+          </a:stretch>
+        </p:blipFill>
+        <p:spPr>
+          <a:xfrm>
+            <a:off x="457200" y="1109792"/>
+            <a:ext cx="5752940" cy="2858149"/>
+          </a:xfrm>
+          <a:prstGeom prst="rect">
+            <a:avLst/>
+          </a:prstGeom>
+        </p:spPr>
+      </p:pic>
+      <p:pic>
+        <p:nvPicPr>
+          <p:cNvPr id="6" name="Picture 5"/>
+          <p:cNvPicPr>
+            <a:picLocks noChangeAspect="1"/>
+          </p:cNvPicPr>
+          <p:nvPr/>
+        </p:nvPicPr>
+        <p:blipFill>
+          <a:blip r:embed="rId4"/>
+          <a:stretch>
+            <a:fillRect/>
+          </a:stretch>
+        </p:blipFill>
+        <p:spPr>
+          <a:xfrm>
+            <a:off x="0" y="4140816"/>
+            <a:ext cx="9144000" cy="2717184"/>
+          </a:xfrm>
+          <a:prstGeom prst="rect">
+            <a:avLst/>
+          </a:prstGeom>
+        </p:spPr>
+      </p:pic>
+      <p:sp>
+        <p:nvSpPr>
+          <p:cNvPr id="7" name="Rectangle 6"/>
+          <p:cNvSpPr/>
+          <p:nvPr/>
+        </p:nvSpPr>
+        <p:spPr>
+          <a:xfrm>
+            <a:off x="6394529" y="1653264"/>
+            <a:ext cx="2749471" cy="369332"/>
+          </a:xfrm>
+          <a:prstGeom prst="rect">
+            <a:avLst/>
+          </a:prstGeom>
+        </p:spPr>
+        <p:txBody>
+          <a:bodyPr wrap="none">
+            <a:spAutoFit/>
           </a:bodyPr>
           <a:lstStyle/>
           <a:p>
             <a:r>
-              <a:rPr lang="en-US" dirty="0" smtClean="0"/>
-              <a:t>Memory is relatively much cheaper than it used to be</a:t>
-            </a:r>
-          </a:p>
-          <a:p>
-            <a:r>
-              <a:rPr lang="en-US" dirty="0" smtClean="0"/>
-              <a:t>Uses snapshots or transaction logs to ensure durability</a:t>
-            </a:r>
-          </a:p>
-          <a:p>
-            <a:r>
-              <a:rPr lang="en-US" i="1" dirty="0" smtClean="0"/>
-              <a:t>Some </a:t>
-            </a:r>
-            <a:r>
-              <a:rPr lang="en-US" i="1" dirty="0" err="1" smtClean="0"/>
-              <a:t>NoSQL</a:t>
-            </a:r>
-            <a:r>
-              <a:rPr lang="en-US" i="1" dirty="0" smtClean="0"/>
-              <a:t>, some </a:t>
-            </a:r>
-            <a:r>
-              <a:rPr lang="en-US" i="1" dirty="0" err="1" smtClean="0"/>
-              <a:t>NewSQL</a:t>
-            </a:r>
-            <a:endParaRPr lang="en-US" i="1" dirty="0" smtClean="0"/>
-          </a:p>
-          <a:p>
-            <a:pPr lvl="1"/>
-            <a:r>
-              <a:rPr lang="en-US" dirty="0" smtClean="0"/>
-              <a:t>SAP Hana</a:t>
-            </a:r>
-          </a:p>
-          <a:p>
-            <a:pPr lvl="1"/>
-            <a:r>
-              <a:rPr lang="en-US" dirty="0" err="1" smtClean="0"/>
-              <a:t>Redis</a:t>
-            </a:r>
-            <a:endParaRPr lang="en-US" dirty="0" smtClean="0"/>
-          </a:p>
-          <a:p>
-            <a:pPr lvl="1"/>
-            <a:r>
-              <a:rPr lang="en-US" dirty="0" err="1" smtClean="0"/>
-              <a:t>VoltDB</a:t>
-            </a:r>
-            <a:endParaRPr lang="en-US" dirty="0" smtClean="0"/>
-          </a:p>
-          <a:p>
-            <a:pPr lvl="1"/>
-            <a:r>
-              <a:rPr lang="en-US" dirty="0" err="1" smtClean="0"/>
-              <a:t>MemSQL</a:t>
-            </a:r>
-            <a:endParaRPr lang="en-US" dirty="0" smtClean="0"/>
-          </a:p>
-          <a:p>
-            <a:pPr lvl="1"/>
-            <a:r>
-              <a:rPr lang="en-US" dirty="0" smtClean="0"/>
-              <a:t>Apache Geode</a:t>
+              <a:rPr lang="en-US" dirty="0">
+                <a:hlinkClick r:id="rId5"/>
+              </a:rPr>
+              <a:t>https://freo.me/vitess-</a:t>
+            </a:r>
+            <a:r>
+              <a:rPr lang="en-US" dirty="0" smtClean="0">
+                <a:hlinkClick r:id="rId5"/>
+              </a:rPr>
+              <a:t>pres</a:t>
+            </a:r>
+            <a:r>
+              <a:rPr lang="en-US" dirty="0" smtClean="0"/>
+              <a:t> </a:t>
             </a:r>
             <a:endParaRPr lang="en-US" dirty="0"/>
           </a:p>
@@ -4668,7 +4698,7 @@
     </p:spTree>
     <p:extLst>
       <p:ext uri="{BB962C8B-B14F-4D97-AF65-F5344CB8AC3E}">
-        <p14:creationId xmlns:p14="http://schemas.microsoft.com/office/powerpoint/2010/main" val="751049891"/>
+        <p14:creationId xmlns:p14="http://schemas.microsoft.com/office/powerpoint/2010/main" val="1998935765"/>
       </p:ext>
     </p:extLst>
   </p:cSld>
@@ -4712,72 +4742,95 @@
           <a:p>
             <a:r>
               <a:rPr lang="en-US" dirty="0" smtClean="0"/>
-              <a:t>Top ten databases	</a:t>
+              <a:t>In Memory Databases	</a:t>
             </a:r>
             <a:endParaRPr lang="en-US" dirty="0"/>
           </a:p>
         </p:txBody>
       </p:sp>
-      <p:pic>
-        <p:nvPicPr>
-          <p:cNvPr id="4" name="Picture 3"/>
-          <p:cNvPicPr>
-            <a:picLocks noChangeAspect="1"/>
-          </p:cNvPicPr>
-          <p:nvPr/>
-        </p:nvPicPr>
-        <p:blipFill>
-          <a:blip r:embed="rId2"/>
-          <a:stretch>
-            <a:fillRect/>
-          </a:stretch>
-        </p:blipFill>
-        <p:spPr>
-          <a:xfrm>
-            <a:off x="0" y="1536700"/>
-            <a:ext cx="9144000" cy="3778594"/>
-          </a:xfrm>
-          <a:prstGeom prst="rect">
-            <a:avLst/>
-          </a:prstGeom>
-        </p:spPr>
-      </p:pic>
-      <p:sp>
-        <p:nvSpPr>
-          <p:cNvPr id="5" name="Rectangle 4"/>
-          <p:cNvSpPr/>
-          <p:nvPr/>
-        </p:nvSpPr>
-        <p:spPr>
-          <a:xfrm>
-            <a:off x="5412617" y="5513093"/>
-            <a:ext cx="3427704" cy="369332"/>
-          </a:xfrm>
-          <a:prstGeom prst="rect">
-            <a:avLst/>
-          </a:prstGeom>
-        </p:spPr>
-        <p:txBody>
-          <a:bodyPr wrap="none">
-            <a:spAutoFit/>
+      <p:sp>
+        <p:nvSpPr>
+          <p:cNvPr id="3" name="Content Placeholder 2"/>
+          <p:cNvSpPr>
+            <a:spLocks noGrp="1"/>
+          </p:cNvSpPr>
+          <p:nvPr>
+            <p:ph idx="1"/>
+          </p:nvPr>
+        </p:nvSpPr>
+        <p:spPr/>
+        <p:txBody>
+          <a:bodyPr>
+            <a:normAutofit fontScale="92500" lnSpcReduction="10000"/>
           </a:bodyPr>
           <a:lstStyle/>
           <a:p>
             <a:r>
-              <a:rPr lang="en-US" dirty="0">
-                <a:hlinkClick r:id="rId3"/>
-              </a:rPr>
-              <a:t>http://db-engines.com/en/</a:t>
-            </a:r>
-            <a:r>
-              <a:rPr lang="en-US" dirty="0" smtClean="0">
-                <a:hlinkClick r:id="rId3"/>
-              </a:rPr>
-              <a:t>ranking</a:t>
-            </a:r>
-            <a:r>
-              <a:rPr lang="en-US" dirty="0" smtClean="0"/>
-              <a:t> </a:t>
+              <a:rPr lang="en-US" dirty="0" smtClean="0"/>
+              <a:t>Memory is relatively much cheaper than it used to be</a:t>
+            </a:r>
+          </a:p>
+          <a:p>
+            <a:r>
+              <a:rPr lang="en-US" dirty="0" smtClean="0"/>
+              <a:t>Uses snapshots or transaction logs to ensure durability</a:t>
+            </a:r>
+          </a:p>
+          <a:p>
+            <a:r>
+              <a:rPr lang="en-US" i="1" dirty="0" smtClean="0"/>
+              <a:t>Some </a:t>
+            </a:r>
+            <a:r>
+              <a:rPr lang="en-US" i="1" dirty="0" err="1" smtClean="0"/>
+              <a:t>NoSQL</a:t>
+            </a:r>
+            <a:r>
+              <a:rPr lang="en-US" i="1" dirty="0" smtClean="0"/>
+              <a:t>, some </a:t>
+            </a:r>
+            <a:r>
+              <a:rPr lang="en-US" i="1" dirty="0" err="1" smtClean="0"/>
+              <a:t>NewSQL</a:t>
+            </a:r>
+            <a:endParaRPr lang="en-US" i="1" dirty="0" smtClean="0"/>
+          </a:p>
+          <a:p>
+            <a:pPr lvl="1"/>
+            <a:r>
+              <a:rPr lang="en-US" dirty="0" smtClean="0"/>
+              <a:t>SAP Hana</a:t>
+            </a:r>
+          </a:p>
+          <a:p>
+            <a:pPr lvl="1"/>
+            <a:r>
+              <a:rPr lang="en-US" dirty="0" err="1" smtClean="0"/>
+              <a:t>Redis</a:t>
+            </a:r>
+            <a:endParaRPr lang="en-US" dirty="0" smtClean="0"/>
+          </a:p>
+          <a:p>
+            <a:pPr lvl="1"/>
+            <a:r>
+              <a:rPr lang="en-US" dirty="0" err="1" smtClean="0"/>
+              <a:t>VoltDB</a:t>
+            </a:r>
+            <a:endParaRPr lang="en-US" dirty="0" smtClean="0"/>
+          </a:p>
+          <a:p>
+            <a:pPr lvl="1"/>
+            <a:r>
+              <a:rPr lang="en-US" dirty="0" err="1" smtClean="0"/>
+              <a:t>MemSQL</a:t>
+            </a:r>
+            <a:endParaRPr lang="en-US" dirty="0" smtClean="0"/>
+          </a:p>
+          <a:p>
+            <a:pPr lvl="1"/>
+            <a:r>
+              <a:rPr lang="en-US" dirty="0" smtClean="0"/>
+              <a:t>Apache Geode</a:t>
             </a:r>
             <a:endParaRPr lang="en-US" dirty="0"/>
           </a:p>
@@ -4786,7 +4839,7 @@
     </p:spTree>
     <p:extLst>
       <p:ext uri="{BB962C8B-B14F-4D97-AF65-F5344CB8AC3E}">
-        <p14:creationId xmlns:p14="http://schemas.microsoft.com/office/powerpoint/2010/main" val="2024489417"/>
+        <p14:creationId xmlns:p14="http://schemas.microsoft.com/office/powerpoint/2010/main" val="751049891"/>
       </p:ext>
     </p:extLst>
   </p:cSld>
@@ -4830,7 +4883,7 @@
           <a:p>
             <a:r>
               <a:rPr lang="en-US" dirty="0" smtClean="0"/>
-              <a:t>Next 20</a:t>
+              <a:t>Top ten databases	</a:t>
             </a:r>
             <a:endParaRPr lang="en-US" dirty="0"/>
           </a:p>
@@ -4852,18 +4905,59 @@
         </p:blipFill>
         <p:spPr>
           <a:xfrm>
-            <a:off x="0" y="1405802"/>
-            <a:ext cx="9144000" cy="5452198"/>
+            <a:off x="0" y="1536700"/>
+            <a:ext cx="9144000" cy="3778594"/>
           </a:xfrm>
           <a:prstGeom prst="rect">
             <a:avLst/>
           </a:prstGeom>
         </p:spPr>
       </p:pic>
+      <p:sp>
+        <p:nvSpPr>
+          <p:cNvPr id="5" name="Rectangle 4"/>
+          <p:cNvSpPr/>
+          <p:nvPr/>
+        </p:nvSpPr>
+        <p:spPr>
+          <a:xfrm>
+            <a:off x="5412617" y="5513093"/>
+            <a:ext cx="3427704" cy="369332"/>
+          </a:xfrm>
+          <a:prstGeom prst="rect">
+            <a:avLst/>
+          </a:prstGeom>
+        </p:spPr>
+        <p:txBody>
+          <a:bodyPr wrap="none">
+            <a:spAutoFit/>
+          </a:bodyPr>
+          <a:lstStyle/>
+          <a:p>
+            <a:r>
+              <a:rPr lang="en-US" dirty="0">
+                <a:hlinkClick r:id="rId3"/>
+              </a:rPr>
+              <a:t>http://db-engines.com/en/</a:t>
+            </a:r>
+            <a:r>
+              <a:rPr lang="en-US" dirty="0" smtClean="0">
+                <a:hlinkClick r:id="rId3"/>
+              </a:rPr>
+              <a:t>ranking</a:t>
+            </a:r>
+            <a:r>
+              <a:rPr lang="en-US" dirty="0" smtClean="0"/>
+              <a:t> </a:t>
+            </a:r>
+            <a:endParaRPr lang="en-US" dirty="0"/>
+          </a:p>
+        </p:txBody>
+      </p:sp>
     </p:spTree>
     <p:extLst>
       <p:ext uri="{BB962C8B-B14F-4D97-AF65-F5344CB8AC3E}">
-        <p14:creationId xmlns:p14="http://schemas.microsoft.com/office/powerpoint/2010/main" val="1648306223"/>
+        <p14:creationId xmlns:p14="http://schemas.microsoft.com/office/powerpoint/2010/main" val="2024489417"/>
       </p:ext>
     </p:extLst>
   </p:cSld>
@@ -4902,25 +4996,13 @@
         </p:nvSpPr>
         <p:spPr/>
         <p:txBody>
-          <a:bodyPr>
-            <a:normAutofit fontScale="90000"/>
-          </a:bodyPr>
-          <a:lstStyle/>
-          <a:p>
-            <a:r>
-              <a:rPr lang="en-US" dirty="0" smtClean="0"/>
-              <a:t>Performance (2012) </a:t>
-            </a:r>
-            <a:br>
-              <a:rPr lang="en-US" dirty="0" smtClean="0"/>
-            </a:br>
-            <a:r>
-              <a:rPr lang="en-US" sz="2700" dirty="0" smtClean="0"/>
-              <a:t>50%/50% reads/writes</a:t>
-            </a:r>
-            <a:br>
-              <a:rPr lang="en-US" sz="2700" dirty="0" smtClean="0"/>
-            </a:br>
+          <a:bodyPr/>
+          <a:lstStyle/>
+          <a:p>
+            <a:r>
+              <a:rPr lang="en-US" dirty="0" smtClean="0"/>
+              <a:t>Next 20</a:t>
+            </a:r>
             <a:endParaRPr lang="en-US" dirty="0"/>
           </a:p>
         </p:txBody>
@@ -4941,61 +5023,18 @@
         </p:blipFill>
         <p:spPr>
           <a:xfrm>
-            <a:off x="0" y="1226747"/>
-            <a:ext cx="9144000" cy="4984595"/>
+            <a:off x="0" y="1405802"/>
+            <a:ext cx="9144000" cy="5452198"/>
           </a:xfrm>
           <a:prstGeom prst="rect">
             <a:avLst/>
           </a:prstGeom>
         </p:spPr>
       </p:pic>
-      <p:sp>
-        <p:nvSpPr>
-          <p:cNvPr id="5" name="Rectangle 4"/>
-          <p:cNvSpPr/>
-          <p:nvPr/>
-        </p:nvSpPr>
-        <p:spPr>
-          <a:xfrm>
-            <a:off x="1215692" y="6119336"/>
-            <a:ext cx="7318232" cy="523220"/>
-          </a:xfrm>
-          <a:prstGeom prst="rect">
-            <a:avLst/>
-          </a:prstGeom>
-          <a:solidFill>
-            <a:schemeClr val="bg1"/>
-          </a:solidFill>
-        </p:spPr>
-        <p:txBody>
-          <a:bodyPr wrap="square">
-            <a:spAutoFit/>
-          </a:bodyPr>
-          <a:lstStyle/>
-          <a:p>
-            <a:r>
-              <a:rPr lang="en-US" sz="1400" dirty="0" err="1"/>
-              <a:t>Rabl</a:t>
-            </a:r>
-            <a:r>
-              <a:rPr lang="en-US" sz="1400" dirty="0"/>
-              <a:t>, </a:t>
-            </a:r>
-            <a:r>
-              <a:rPr lang="en-US" sz="1400" dirty="0" err="1"/>
-              <a:t>Tilmann</a:t>
-            </a:r>
-            <a:r>
-              <a:rPr lang="en-US" sz="1400" dirty="0"/>
-              <a:t>, et al. "Solving big data challenges for enterprise application performance management." Proceedings of the VLDB Endowment 5.12 (2012): 1724-1735.</a:t>
-            </a:r>
-          </a:p>
-        </p:txBody>
-      </p:sp>
     </p:spTree>
     <p:extLst>
       <p:ext uri="{BB962C8B-B14F-4D97-AF65-F5344CB8AC3E}">
-        <p14:creationId xmlns:p14="http://schemas.microsoft.com/office/powerpoint/2010/main" val="2291509243"/>
+        <p14:creationId xmlns:p14="http://schemas.microsoft.com/office/powerpoint/2010/main" val="1648306223"/>
       </p:ext>
     </p:extLst>
   </p:cSld>
@@ -5041,17 +5080,17 @@
           <a:p>
             <a:r>
               <a:rPr lang="en-US" dirty="0" smtClean="0"/>
-              <a:t>More performance (2012) </a:t>
+              <a:t>Performance (2012) </a:t>
             </a:r>
             <a:br>
               <a:rPr lang="en-US" dirty="0" smtClean="0"/>
             </a:br>
             <a:r>
-              <a:rPr lang="en-US" sz="2200" dirty="0" smtClean="0"/>
-              <a:t>Read/Scan/Write workload</a:t>
+              <a:rPr lang="en-US" sz="2700" dirty="0" smtClean="0"/>
+              <a:t>50%/50% reads/writes</a:t>
             </a:r>
             <a:br>
-              <a:rPr lang="en-US" sz="2200" dirty="0" smtClean="0"/>
+              <a:rPr lang="en-US" sz="2700" dirty="0" smtClean="0"/>
             </a:br>
             <a:endParaRPr lang="en-US" dirty="0"/>
           </a:p>
@@ -5059,7 +5098,7 @@
       </p:sp>
       <p:pic>
         <p:nvPicPr>
-          <p:cNvPr id="6" name="Picture 5"/>
+          <p:cNvPr id="4" name="Picture 3"/>
           <p:cNvPicPr>
             <a:picLocks noChangeAspect="1"/>
           </p:cNvPicPr>
@@ -5073,156 +5112,61 @@
         </p:blipFill>
         <p:spPr>
           <a:xfrm>
-            <a:off x="1983638" y="1267852"/>
-            <a:ext cx="5023313" cy="2711289"/>
+            <a:off x="0" y="1226747"/>
+            <a:ext cx="9144000" cy="4984595"/>
           </a:xfrm>
           <a:prstGeom prst="rect">
             <a:avLst/>
           </a:prstGeom>
         </p:spPr>
       </p:pic>
-      <p:pic>
-        <p:nvPicPr>
-          <p:cNvPr id="7" name="Picture 6"/>
-          <p:cNvPicPr>
-            <a:picLocks noChangeAspect="1"/>
-          </p:cNvPicPr>
+      <p:sp>
+        <p:nvSpPr>
+          <p:cNvPr id="5" name="Rectangle 4"/>
+          <p:cNvSpPr/>
           <p:nvPr/>
-        </p:nvPicPr>
-        <p:blipFill>
-          <a:blip r:embed="rId3"/>
-          <a:stretch>
-            <a:fillRect/>
-          </a:stretch>
-        </p:blipFill>
-        <p:spPr>
-          <a:xfrm>
-            <a:off x="0" y="3979141"/>
-            <a:ext cx="4724352" cy="2570297"/>
+        </p:nvSpPr>
+        <p:spPr>
+          <a:xfrm>
+            <a:off x="1215692" y="6119336"/>
+            <a:ext cx="7318232" cy="523220"/>
           </a:xfrm>
           <a:prstGeom prst="rect">
             <a:avLst/>
           </a:prstGeom>
-        </p:spPr>
-      </p:pic>
-      <p:pic>
-        <p:nvPicPr>
-          <p:cNvPr id="8" name="Picture 7"/>
-          <p:cNvPicPr>
-            <a:picLocks noChangeAspect="1"/>
-          </p:cNvPicPr>
-          <p:nvPr/>
-        </p:nvPicPr>
-        <p:blipFill>
-          <a:blip r:embed="rId4"/>
-          <a:stretch>
-            <a:fillRect/>
-          </a:stretch>
-        </p:blipFill>
-        <p:spPr>
-          <a:xfrm>
-            <a:off x="4393496" y="3979141"/>
-            <a:ext cx="4864233" cy="2719204"/>
-          </a:xfrm>
-          <a:prstGeom prst="rect">
-            <a:avLst/>
-          </a:prstGeom>
-        </p:spPr>
-      </p:pic>
-      <p:sp>
-        <p:nvSpPr>
-          <p:cNvPr id="9" name="TextBox 8"/>
-          <p:cNvSpPr txBox="1"/>
-          <p:nvPr/>
-        </p:nvSpPr>
-        <p:spPr>
-          <a:xfrm>
-            <a:off x="3747638" y="1103300"/>
-            <a:ext cx="1291715" cy="369332"/>
-          </a:xfrm>
-          <a:prstGeom prst="rect">
-            <a:avLst/>
-          </a:prstGeom>
-          <a:noFill/>
-        </p:spPr>
-        <p:txBody>
-          <a:bodyPr wrap="none" rtlCol="0">
+          <a:solidFill>
+            <a:schemeClr val="bg1"/>
+          </a:solidFill>
+        </p:spPr>
+        <p:txBody>
+          <a:bodyPr wrap="square">
             <a:spAutoFit/>
           </a:bodyPr>
           <a:lstStyle/>
           <a:p>
             <a:r>
-              <a:rPr lang="en-US" dirty="0" smtClean="0"/>
-              <a:t>Throughput</a:t>
-            </a:r>
-            <a:endParaRPr lang="en-US" dirty="0"/>
-          </a:p>
-        </p:txBody>
-      </p:sp>
-      <p:sp>
-        <p:nvSpPr>
-          <p:cNvPr id="10" name="TextBox 9"/>
-          <p:cNvSpPr txBox="1"/>
-          <p:nvPr/>
-        </p:nvSpPr>
-        <p:spPr>
-          <a:xfrm>
-            <a:off x="1816504" y="3794475"/>
-            <a:ext cx="1432040" cy="369332"/>
-          </a:xfrm>
-          <a:prstGeom prst="rect">
-            <a:avLst/>
-          </a:prstGeom>
-          <a:noFill/>
-        </p:spPr>
-        <p:txBody>
-          <a:bodyPr wrap="none" rtlCol="0">
-            <a:spAutoFit/>
-          </a:bodyPr>
-          <a:lstStyle/>
-          <a:p>
-            <a:r>
-              <a:rPr lang="en-US" dirty="0" smtClean="0"/>
-              <a:t>Read Latency</a:t>
-            </a:r>
-            <a:endParaRPr lang="en-US" dirty="0"/>
-          </a:p>
-        </p:txBody>
-      </p:sp>
-      <p:sp>
-        <p:nvSpPr>
-          <p:cNvPr id="11" name="TextBox 10"/>
-          <p:cNvSpPr txBox="1"/>
-          <p:nvPr/>
-        </p:nvSpPr>
-        <p:spPr>
-          <a:xfrm>
-            <a:off x="6290931" y="3794475"/>
-            <a:ext cx="1492716" cy="369332"/>
-          </a:xfrm>
-          <a:prstGeom prst="rect">
-            <a:avLst/>
-          </a:prstGeom>
-          <a:noFill/>
-        </p:spPr>
-        <p:txBody>
-          <a:bodyPr wrap="none" rtlCol="0">
-            <a:spAutoFit/>
-          </a:bodyPr>
-          <a:lstStyle/>
-          <a:p>
-            <a:r>
-              <a:rPr lang="en-US" dirty="0" smtClean="0"/>
-              <a:t>Write Latency</a:t>
-            </a:r>
-            <a:endParaRPr lang="en-US" dirty="0"/>
+              <a:rPr lang="en-US" sz="1400" dirty="0" err="1"/>
+              <a:t>Rabl</a:t>
+            </a:r>
+            <a:r>
+              <a:rPr lang="en-US" sz="1400" dirty="0"/>
+              <a:t>, </a:t>
+            </a:r>
+            <a:r>
+              <a:rPr lang="en-US" sz="1400" dirty="0" err="1"/>
+              <a:t>Tilmann</a:t>
+            </a:r>
+            <a:r>
+              <a:rPr lang="en-US" sz="1400" dirty="0"/>
+              <a:t>, et al. "Solving big data challenges for enterprise application performance management." Proceedings of the VLDB Endowment 5.12 (2012): 1724-1735.</a:t>
+            </a:r>
           </a:p>
         </p:txBody>
       </p:sp>
     </p:spTree>
     <p:extLst>
       <p:ext uri="{BB962C8B-B14F-4D97-AF65-F5344CB8AC3E}">
-        <p14:creationId xmlns:p14="http://schemas.microsoft.com/office/powerpoint/2010/main" val="3785015560"/>
+        <p14:creationId xmlns:p14="http://schemas.microsoft.com/office/powerpoint/2010/main" val="2291509243"/>
       </p:ext>
     </p:extLst>
   </p:cSld>
@@ -5268,90 +5212,188 @@
           <a:p>
             <a:r>
               <a:rPr lang="en-US" dirty="0" smtClean="0"/>
-              <a:t>Summary of Performance benchmark (2012)</a:t>
-            </a:r>
+              <a:t>More performance (2012) </a:t>
+            </a:r>
+            <a:br>
+              <a:rPr lang="en-US" dirty="0" smtClean="0"/>
+            </a:br>
+            <a:r>
+              <a:rPr lang="en-US" sz="2200" dirty="0" smtClean="0"/>
+              <a:t>Read/Scan/Write workload</a:t>
+            </a:r>
+            <a:br>
+              <a:rPr lang="en-US" sz="2200" dirty="0" smtClean="0"/>
+            </a:br>
             <a:endParaRPr lang="en-US" dirty="0"/>
           </a:p>
         </p:txBody>
       </p:sp>
-      <p:sp>
-        <p:nvSpPr>
-          <p:cNvPr id="3" name="Content Placeholder 2"/>
-          <p:cNvSpPr>
-            <a:spLocks noGrp="1"/>
-          </p:cNvSpPr>
-          <p:nvPr>
-            <p:ph idx="1"/>
-          </p:nvPr>
-        </p:nvSpPr>
-        <p:spPr/>
-        <p:txBody>
-          <a:bodyPr>
-            <a:normAutofit/>
+      <p:pic>
+        <p:nvPicPr>
+          <p:cNvPr id="6" name="Picture 5"/>
+          <p:cNvPicPr>
+            <a:picLocks noChangeAspect="1"/>
+          </p:cNvPicPr>
+          <p:nvPr/>
+        </p:nvPicPr>
+        <p:blipFill>
+          <a:blip r:embed="rId2"/>
+          <a:stretch>
+            <a:fillRect/>
+          </a:stretch>
+        </p:blipFill>
+        <p:spPr>
+          <a:xfrm>
+            <a:off x="1983638" y="1267852"/>
+            <a:ext cx="5023313" cy="2711289"/>
+          </a:xfrm>
+          <a:prstGeom prst="rect">
+            <a:avLst/>
+          </a:prstGeom>
+        </p:spPr>
+      </p:pic>
+      <p:pic>
+        <p:nvPicPr>
+          <p:cNvPr id="7" name="Picture 6"/>
+          <p:cNvPicPr>
+            <a:picLocks noChangeAspect="1"/>
+          </p:cNvPicPr>
+          <p:nvPr/>
+        </p:nvPicPr>
+        <p:blipFill>
+          <a:blip r:embed="rId3"/>
+          <a:stretch>
+            <a:fillRect/>
+          </a:stretch>
+        </p:blipFill>
+        <p:spPr>
+          <a:xfrm>
+            <a:off x="0" y="3979141"/>
+            <a:ext cx="4724352" cy="2570297"/>
+          </a:xfrm>
+          <a:prstGeom prst="rect">
+            <a:avLst/>
+          </a:prstGeom>
+        </p:spPr>
+      </p:pic>
+      <p:pic>
+        <p:nvPicPr>
+          <p:cNvPr id="8" name="Picture 7"/>
+          <p:cNvPicPr>
+            <a:picLocks noChangeAspect="1"/>
+          </p:cNvPicPr>
+          <p:nvPr/>
+        </p:nvPicPr>
+        <p:blipFill>
+          <a:blip r:embed="rId4"/>
+          <a:stretch>
+            <a:fillRect/>
+          </a:stretch>
+        </p:blipFill>
+        <p:spPr>
+          <a:xfrm>
+            <a:off x="4393496" y="3979141"/>
+            <a:ext cx="4864233" cy="2719204"/>
+          </a:xfrm>
+          <a:prstGeom prst="rect">
+            <a:avLst/>
+          </a:prstGeom>
+        </p:spPr>
+      </p:pic>
+      <p:sp>
+        <p:nvSpPr>
+          <p:cNvPr id="9" name="TextBox 8"/>
+          <p:cNvSpPr txBox="1"/>
+          <p:nvPr/>
+        </p:nvSpPr>
+        <p:spPr>
+          <a:xfrm>
+            <a:off x="3747638" y="1103300"/>
+            <a:ext cx="1291715" cy="369332"/>
+          </a:xfrm>
+          <a:prstGeom prst="rect">
+            <a:avLst/>
+          </a:prstGeom>
+          <a:noFill/>
+        </p:spPr>
+        <p:txBody>
+          <a:bodyPr wrap="none" rtlCol="0">
+            <a:spAutoFit/>
           </a:bodyPr>
           <a:lstStyle/>
           <a:p>
             <a:r>
-              <a:rPr lang="en-US" sz="2400" b="1" dirty="0" smtClean="0"/>
-              <a:t>Cassandra</a:t>
-            </a:r>
-            <a:r>
-              <a:rPr lang="en-US" sz="2400" dirty="0" smtClean="0"/>
-              <a:t> had the best throughput but high latency</a:t>
-            </a:r>
-          </a:p>
-          <a:p>
-            <a:r>
-              <a:rPr lang="en-US" sz="2400" b="1" dirty="0" err="1" smtClean="0"/>
-              <a:t>Voldemort</a:t>
-            </a:r>
-            <a:r>
-              <a:rPr lang="en-US" sz="2400" dirty="0" smtClean="0"/>
-              <a:t> had the best and most stable latency but lower throughput</a:t>
-            </a:r>
-          </a:p>
-          <a:p>
-            <a:r>
-              <a:rPr lang="en-US" sz="2400" b="1" dirty="0" smtClean="0"/>
-              <a:t>HBase</a:t>
-            </a:r>
-            <a:r>
-              <a:rPr lang="en-US" sz="2400" dirty="0" smtClean="0"/>
-              <a:t> had low performance per node but scaled well</a:t>
-            </a:r>
-          </a:p>
-          <a:p>
-            <a:pPr lvl="1"/>
-            <a:r>
-              <a:rPr lang="en-US" sz="2000" dirty="0" smtClean="0"/>
-              <a:t>Low write latency </a:t>
-            </a:r>
-          </a:p>
-          <a:p>
-            <a:r>
-              <a:rPr lang="en-US" sz="2400" b="1" dirty="0" err="1" smtClean="0"/>
-              <a:t>Redis</a:t>
-            </a:r>
-            <a:r>
-              <a:rPr lang="en-US" sz="2400" b="1" dirty="0" smtClean="0"/>
-              <a:t>, MySQL and </a:t>
-            </a:r>
-            <a:r>
-              <a:rPr lang="en-US" sz="2400" b="1" dirty="0" err="1" smtClean="0"/>
-              <a:t>VoltDB</a:t>
-            </a:r>
-            <a:r>
-              <a:rPr lang="en-US" sz="2400" dirty="0" smtClean="0"/>
-              <a:t> did not scale as well in multi-node setups</a:t>
-            </a:r>
-            <a:endParaRPr lang="en-US" sz="2400" dirty="0"/>
+              <a:rPr lang="en-US" dirty="0" smtClean="0"/>
+              <a:t>Throughput</a:t>
+            </a:r>
+            <a:endParaRPr lang="en-US" dirty="0"/>
+          </a:p>
+        </p:txBody>
+      </p:sp>
+      <p:sp>
+        <p:nvSpPr>
+          <p:cNvPr id="10" name="TextBox 9"/>
+          <p:cNvSpPr txBox="1"/>
+          <p:nvPr/>
+        </p:nvSpPr>
+        <p:spPr>
+          <a:xfrm>
+            <a:off x="1816504" y="3794475"/>
+            <a:ext cx="1432040" cy="369332"/>
+          </a:xfrm>
+          <a:prstGeom prst="rect">
+            <a:avLst/>
+          </a:prstGeom>
+          <a:noFill/>
+        </p:spPr>
+        <p:txBody>
+          <a:bodyPr wrap="none" rtlCol="0">
+            <a:spAutoFit/>
+          </a:bodyPr>
+          <a:lstStyle/>
+          <a:p>
+            <a:r>
+              <a:rPr lang="en-US" dirty="0" smtClean="0"/>
+              <a:t>Read Latency</a:t>
+            </a:r>
+            <a:endParaRPr lang="en-US" dirty="0"/>
+          </a:p>
+        </p:txBody>
+      </p:sp>
+      <p:sp>
+        <p:nvSpPr>
+          <p:cNvPr id="11" name="TextBox 10"/>
+          <p:cNvSpPr txBox="1"/>
+          <p:nvPr/>
+        </p:nvSpPr>
+        <p:spPr>
+          <a:xfrm>
+            <a:off x="6290931" y="3794475"/>
+            <a:ext cx="1492716" cy="369332"/>
+          </a:xfrm>
+          <a:prstGeom prst="rect">
+            <a:avLst/>
+          </a:prstGeom>
+          <a:noFill/>
+        </p:spPr>
+        <p:txBody>
+          <a:bodyPr wrap="none" rtlCol="0">
+            <a:spAutoFit/>
+          </a:bodyPr>
+          <a:lstStyle/>
+          <a:p>
+            <a:r>
+              <a:rPr lang="en-US" dirty="0" smtClean="0"/>
+              <a:t>Write Latency</a:t>
+            </a:r>
+            <a:endParaRPr lang="en-US" dirty="0"/>
           </a:p>
         </p:txBody>
       </p:sp>
     </p:spTree>
     <p:extLst>
       <p:ext uri="{BB962C8B-B14F-4D97-AF65-F5344CB8AC3E}">
-        <p14:creationId xmlns:p14="http://schemas.microsoft.com/office/powerpoint/2010/main" val="2362432227"/>
+        <p14:creationId xmlns:p14="http://schemas.microsoft.com/office/powerpoint/2010/main" val="3785015560"/>
       </p:ext>
     </p:extLst>
   </p:cSld>
@@ -5528,12 +5570,14 @@
         </p:nvSpPr>
         <p:spPr/>
         <p:txBody>
-          <a:bodyPr/>
-          <a:lstStyle/>
-          <a:p>
-            <a:r>
-              <a:rPr lang="en-US" dirty="0" smtClean="0"/>
-              <a:t>Key Value databases</a:t>
+          <a:bodyPr>
+            <a:normAutofit fontScale="90000"/>
+          </a:bodyPr>
+          <a:lstStyle/>
+          <a:p>
+            <a:r>
+              <a:rPr lang="en-US" dirty="0" smtClean="0"/>
+              <a:t>Summary of Performance benchmark (2012)</a:t>
             </a:r>
             <a:endParaRPr lang="en-US" dirty="0"/>
           </a:p>
@@ -5551,38 +5595,72 @@
         </p:nvSpPr>
         <p:spPr/>
         <p:txBody>
-          <a:bodyPr/>
-          <a:lstStyle/>
-          <a:p>
-            <a:r>
-              <a:rPr lang="en-US" dirty="0" smtClean="0"/>
-              <a:t>A persistent associative array or dictionary</a:t>
-            </a:r>
-          </a:p>
-          <a:p>
-            <a:r>
-              <a:rPr lang="en-US" dirty="0" smtClean="0"/>
-              <a:t>Simple access and fits well with programming models (especially MR)</a:t>
-            </a:r>
-          </a:p>
-          <a:p>
-            <a:r>
-              <a:rPr lang="en-US" dirty="0" smtClean="0"/>
-              <a:t>Indexing on other data is not often possible and can be slow</a:t>
-            </a:r>
-          </a:p>
-          <a:p>
-            <a:pPr marL="0" indent="0">
-              <a:buNone/>
-            </a:pPr>
-            <a:endParaRPr lang="en-US" dirty="0"/>
+          <a:bodyPr>
+            <a:normAutofit/>
+          </a:bodyPr>
+          <a:lstStyle/>
+          <a:p>
+            <a:r>
+              <a:rPr lang="en-US" sz="2400" b="1" dirty="0" smtClean="0"/>
+              <a:t>Cassandra</a:t>
+            </a:r>
+            <a:r>
+              <a:rPr lang="en-US" sz="2400" dirty="0" smtClean="0"/>
+              <a:t> had the best throughput but high latency</a:t>
+            </a:r>
+          </a:p>
+          <a:p>
+            <a:r>
+              <a:rPr lang="en-US" sz="2400" b="1" dirty="0" err="1" smtClean="0"/>
+              <a:t>Voldemort</a:t>
+            </a:r>
+            <a:r>
+              <a:rPr lang="en-US" sz="2400" dirty="0" smtClean="0"/>
+              <a:t> had the best and most stable latency but lower throughput</a:t>
+            </a:r>
+          </a:p>
+          <a:p>
+            <a:r>
+              <a:rPr lang="en-US" sz="2400" b="1" dirty="0" smtClean="0"/>
+              <a:t>HBase</a:t>
+            </a:r>
+            <a:r>
+              <a:rPr lang="en-US" sz="2400" dirty="0" smtClean="0"/>
+              <a:t> had low performance per node but scaled well</a:t>
+            </a:r>
+          </a:p>
+          <a:p>
+            <a:pPr lvl="1"/>
+            <a:r>
+              <a:rPr lang="en-US" sz="2000" dirty="0" smtClean="0"/>
+              <a:t>Low write latency </a:t>
+            </a:r>
+          </a:p>
+          <a:p>
+            <a:r>
+              <a:rPr lang="en-US" sz="2400" b="1" dirty="0" err="1" smtClean="0"/>
+              <a:t>Redis</a:t>
+            </a:r>
+            <a:r>
+              <a:rPr lang="en-US" sz="2400" b="1" dirty="0" smtClean="0"/>
+              <a:t>, MySQL and </a:t>
+            </a:r>
+            <a:r>
+              <a:rPr lang="en-US" sz="2400" b="1" dirty="0" err="1" smtClean="0"/>
+              <a:t>VoltDB</a:t>
+            </a:r>
+            <a:r>
+              <a:rPr lang="en-US" sz="2400" dirty="0" smtClean="0"/>
+              <a:t> did not scale as well in multi-node setups</a:t>
+            </a:r>
+            <a:endParaRPr lang="en-US" sz="2400" dirty="0"/>
           </a:p>
         </p:txBody>
       </p:sp>
     </p:spTree>
     <p:extLst>
       <p:ext uri="{BB962C8B-B14F-4D97-AF65-F5344CB8AC3E}">
-        <p14:creationId xmlns:p14="http://schemas.microsoft.com/office/powerpoint/2010/main" val="2646992993"/>
+        <p14:creationId xmlns:p14="http://schemas.microsoft.com/office/powerpoint/2010/main" val="2362432227"/>
       </p:ext>
     </p:extLst>
   </p:cSld>
@@ -5626,62 +5704,48 @@
           <a:p>
             <a:r>
               <a:rPr lang="en-US" dirty="0" smtClean="0"/>
-              <a:t>Graph Databases</a:t>
+              <a:t>Key Value databases</a:t>
             </a:r>
             <a:endParaRPr lang="en-US" dirty="0"/>
           </a:p>
         </p:txBody>
       </p:sp>
-      <p:pic>
-        <p:nvPicPr>
-          <p:cNvPr id="5" name="Picture 4"/>
-          <p:cNvPicPr>
-            <a:picLocks noChangeAspect="1"/>
-          </p:cNvPicPr>
-          <p:nvPr/>
-        </p:nvPicPr>
-        <p:blipFill>
-          <a:blip r:embed="rId2"/>
-          <a:stretch>
-            <a:fillRect/>
-          </a:stretch>
-        </p:blipFill>
-        <p:spPr>
-          <a:xfrm>
-            <a:off x="1812389" y="1417638"/>
-            <a:ext cx="5272734" cy="5295527"/>
-          </a:xfrm>
-          <a:prstGeom prst="rect">
-            <a:avLst/>
-          </a:prstGeom>
-        </p:spPr>
-      </p:pic>
-      <p:sp>
-        <p:nvSpPr>
-          <p:cNvPr id="6" name="TextBox 5"/>
-          <p:cNvSpPr txBox="1"/>
-          <p:nvPr/>
-        </p:nvSpPr>
-        <p:spPr>
-          <a:xfrm>
-            <a:off x="7216100" y="6447892"/>
-            <a:ext cx="1470700" cy="369332"/>
-          </a:xfrm>
-          <a:prstGeom prst="rect">
-            <a:avLst/>
-          </a:prstGeom>
-          <a:noFill/>
-        </p:spPr>
-        <p:txBody>
-          <a:bodyPr wrap="none" rtlCol="0">
-            <a:spAutoFit/>
-          </a:bodyPr>
-          <a:lstStyle/>
-          <a:p>
-            <a:r>
-              <a:rPr lang="en-US" dirty="0" smtClean="0"/>
-              <a:t>Source: neo4j</a:t>
-            </a:r>
+      <p:sp>
+        <p:nvSpPr>
+          <p:cNvPr id="3" name="Content Placeholder 2"/>
+          <p:cNvSpPr>
+            <a:spLocks noGrp="1"/>
+          </p:cNvSpPr>
+          <p:nvPr>
+            <p:ph idx="1"/>
+          </p:nvPr>
+        </p:nvSpPr>
+        <p:spPr/>
+        <p:txBody>
+          <a:bodyPr/>
+          <a:lstStyle/>
+          <a:p>
+            <a:r>
+              <a:rPr lang="en-US" dirty="0" smtClean="0"/>
+              <a:t>A persistent associative array or dictionary</a:t>
+            </a:r>
+          </a:p>
+          <a:p>
+            <a:r>
+              <a:rPr lang="en-US" dirty="0" smtClean="0"/>
+              <a:t>Simple access and fits well with programming models (especially MR)</a:t>
+            </a:r>
+          </a:p>
+          <a:p>
+            <a:r>
+              <a:rPr lang="en-US" dirty="0" smtClean="0"/>
+              <a:t>Indexing on other data is not often possible and can be slow</a:t>
+            </a:r>
+          </a:p>
+          <a:p>
+            <a:pPr marL="0" indent="0">
+              <a:buNone/>
+            </a:pPr>
             <a:endParaRPr lang="en-US" dirty="0"/>
           </a:p>
         </p:txBody>
@@ -5689,7 +5753,7 @@
     </p:spTree>
     <p:extLst>
       <p:ext uri="{BB962C8B-B14F-4D97-AF65-F5344CB8AC3E}">
-        <p14:creationId xmlns:p14="http://schemas.microsoft.com/office/powerpoint/2010/main" val="2960561043"/>
+        <p14:creationId xmlns:p14="http://schemas.microsoft.com/office/powerpoint/2010/main" val="2646992993"/>
       </p:ext>
     </p:extLst>
   </p:cSld>
@@ -5733,6 +5797,113 @@
           <a:p>
             <a:r>
               <a:rPr lang="en-US" dirty="0" smtClean="0"/>
+              <a:t>Graph Databases</a:t>
+            </a:r>
+            <a:endParaRPr lang="en-US" dirty="0"/>
+          </a:p>
+        </p:txBody>
+      </p:sp>
+      <p:pic>
+        <p:nvPicPr>
+          <p:cNvPr id="5" name="Picture 4"/>
+          <p:cNvPicPr>
+            <a:picLocks noChangeAspect="1"/>
+          </p:cNvPicPr>
+          <p:nvPr/>
+        </p:nvPicPr>
+        <p:blipFill>
+          <a:blip r:embed="rId2"/>
+          <a:stretch>
+            <a:fillRect/>
+          </a:stretch>
+        </p:blipFill>
+        <p:spPr>
+          <a:xfrm>
+            <a:off x="1812389" y="1417638"/>
+            <a:ext cx="5272734" cy="5295527"/>
+          </a:xfrm>
+          <a:prstGeom prst="rect">
+            <a:avLst/>
+          </a:prstGeom>
+        </p:spPr>
+      </p:pic>
+      <p:sp>
+        <p:nvSpPr>
+          <p:cNvPr id="6" name="TextBox 5"/>
+          <p:cNvSpPr txBox="1"/>
+          <p:nvPr/>
+        </p:nvSpPr>
+        <p:spPr>
+          <a:xfrm>
+            <a:off x="7216100" y="6447892"/>
+            <a:ext cx="1470700" cy="369332"/>
+          </a:xfrm>
+          <a:prstGeom prst="rect">
+            <a:avLst/>
+          </a:prstGeom>
+          <a:noFill/>
+        </p:spPr>
+        <p:txBody>
+          <a:bodyPr wrap="none" rtlCol="0">
+            <a:spAutoFit/>
+          </a:bodyPr>
+          <a:lstStyle/>
+          <a:p>
+            <a:r>
+              <a:rPr lang="en-US" dirty="0" smtClean="0"/>
+              <a:t>Source: neo4j</a:t>
+            </a:r>
+            <a:endParaRPr lang="en-US" dirty="0"/>
+          </a:p>
+        </p:txBody>
+      </p:sp>
+    </p:spTree>
+    <p:extLst>
+      <p:ext uri="{BB962C8B-B14F-4D97-AF65-F5344CB8AC3E}">
+        <p14:creationId xmlns:p14="http://schemas.microsoft.com/office/powerpoint/2010/main" val="2960561043"/>
+      </p:ext>
+    </p:extLst>
+  </p:cSld>
+  <p:clrMapOvr>
+    <a:masterClrMapping/>
+  </p:clrMapOvr>
+</p:sld>
+</file>
+
+<file path=ppt/slides/slide23.xml><?xml version="1.0" encoding="utf-8"?>
+<p:sld xmlns:a="http://schemas.openxmlformats.org/drawingml/2006/main" xmlns:r="http://schemas.openxmlformats.org/officeDocument/2006/relationships" xmlns:p="http://schemas.openxmlformats.org/presentationml/2006/main">
+  <p:cSld>
+    <p:spTree>
+      <p:nvGrpSpPr>
+        <p:cNvPr id="1" name=""/>
+        <p:cNvGrpSpPr/>
+        <p:nvPr/>
+      </p:nvGrpSpPr>
+      <p:grpSpPr>
+        <a:xfrm>
+          <a:off x="0" y="0"/>
+          <a:ext cx="0" cy="0"/>
+          <a:chOff x="0" y="0"/>
+          <a:chExt cx="0" cy="0"/>
+        </a:xfrm>
+      </p:grpSpPr>
+      <p:sp>
+        <p:nvSpPr>
+          <p:cNvPr id="2" name="Title 1"/>
+          <p:cNvSpPr>
+            <a:spLocks noGrp="1"/>
+          </p:cNvSpPr>
+          <p:nvPr>
+            <p:ph type="title"/>
+          </p:nvPr>
+        </p:nvSpPr>
+        <p:spPr/>
+        <p:txBody>
+          <a:bodyPr/>
+          <a:lstStyle/>
+          <a:p>
+            <a:r>
+              <a:rPr lang="en-US" dirty="0" smtClean="0"/>
               <a:t>Graph Database mapping</a:t>
             </a:r>
             <a:endParaRPr lang="en-US" dirty="0"/>
@@ -5806,7 +5977,7 @@
 </p:sld>
 </file>
 
-<file path=ppt/slides/slide23.xml><?xml version="1.0" encoding="utf-8"?>
+<file path=ppt/slides/slide24.xml><?xml version="1.0" encoding="utf-8"?>
 <p:sld xmlns:a="http://schemas.openxmlformats.org/drawingml/2006/main" xmlns:r="http://schemas.openxmlformats.org/officeDocument/2006/relationships" xmlns:p="http://schemas.openxmlformats.org/presentationml/2006/main">
   <p:cSld>
     <p:spTree>

--- a/pres-source/08-NoSQL-databases.pptx
+++ b/pres-source/08-NoSQL-databases.pptx
@@ -220,7 +220,7 @@
             <a:fld id="{7307762F-A706-E543-A832-3C298AA3103F}" type="datetimeFigureOut">
               <a:rPr lang="en-US" smtClean="0"/>
               <a:pPr/>
-              <a:t>07/07/17</a:t>
+              <a:t>09/07/17</a:t>
             </a:fld>
             <a:endParaRPr lang="en-US" dirty="0"/>
           </a:p>
@@ -787,7 +787,7 @@
           <a:p>
             <a:fld id="{875CF0EB-321F-0749-B37A-89BBA859503C}" type="datetimeFigureOut">
               <a:rPr lang="en-US" smtClean="0"/>
-              <a:t>07/07/17</a:t>
+              <a:t>09/07/17</a:t>
             </a:fld>
             <a:endParaRPr lang="en-US"/>
           </a:p>
@@ -991,7 +991,7 @@
           <a:p>
             <a:fld id="{875CF0EB-321F-0749-B37A-89BBA859503C}" type="datetimeFigureOut">
               <a:rPr lang="en-US" smtClean="0"/>
-              <a:t>07/07/17</a:t>
+              <a:t>09/07/17</a:t>
             </a:fld>
             <a:endParaRPr lang="en-US"/>
           </a:p>
@@ -1185,7 +1185,7 @@
           <a:p>
             <a:fld id="{875CF0EB-321F-0749-B37A-89BBA859503C}" type="datetimeFigureOut">
               <a:rPr lang="en-US" smtClean="0"/>
-              <a:t>07/07/17</a:t>
+              <a:t>09/07/17</a:t>
             </a:fld>
             <a:endParaRPr lang="en-US"/>
           </a:p>
@@ -1455,7 +1455,7 @@
           <a:p>
             <a:fld id="{875CF0EB-321F-0749-B37A-89BBA859503C}" type="datetimeFigureOut">
               <a:rPr lang="en-US" smtClean="0"/>
-              <a:t>07/07/17</a:t>
+              <a:t>09/07/17</a:t>
             </a:fld>
             <a:endParaRPr lang="en-US"/>
           </a:p>
@@ -1767,7 +1767,7 @@
           <a:p>
             <a:fld id="{875CF0EB-321F-0749-B37A-89BBA859503C}" type="datetimeFigureOut">
               <a:rPr lang="en-US" smtClean="0"/>
-              <a:t>07/07/17</a:t>
+              <a:t>09/07/17</a:t>
             </a:fld>
             <a:endParaRPr lang="en-US"/>
           </a:p>
@@ -2213,7 +2213,7 @@
           <a:p>
             <a:fld id="{875CF0EB-321F-0749-B37A-89BBA859503C}" type="datetimeFigureOut">
               <a:rPr lang="en-US" smtClean="0"/>
-              <a:t>07/07/17</a:t>
+              <a:t>09/07/17</a:t>
             </a:fld>
             <a:endParaRPr lang="en-US"/>
           </a:p>
@@ -2355,7 +2355,7 @@
           <a:p>
             <a:fld id="{875CF0EB-321F-0749-B37A-89BBA859503C}" type="datetimeFigureOut">
               <a:rPr lang="en-US" smtClean="0"/>
-              <a:t>07/07/17</a:t>
+              <a:t>09/07/17</a:t>
             </a:fld>
             <a:endParaRPr lang="en-US"/>
           </a:p>
@@ -2474,7 +2474,7 @@
           <a:p>
             <a:fld id="{875CF0EB-321F-0749-B37A-89BBA859503C}" type="datetimeFigureOut">
               <a:rPr lang="en-US" smtClean="0"/>
-              <a:t>07/07/17</a:t>
+              <a:t>09/07/17</a:t>
             </a:fld>
             <a:endParaRPr lang="en-US"/>
           </a:p>
@@ -2775,7 +2775,7 @@
           <a:p>
             <a:fld id="{875CF0EB-321F-0749-B37A-89BBA859503C}" type="datetimeFigureOut">
               <a:rPr lang="en-US" smtClean="0"/>
-              <a:t>07/07/17</a:t>
+              <a:t>09/07/17</a:t>
             </a:fld>
             <a:endParaRPr lang="en-US"/>
           </a:p>
@@ -3052,7 +3052,7 @@
           <a:p>
             <a:fld id="{875CF0EB-321F-0749-B37A-89BBA859503C}" type="datetimeFigureOut">
               <a:rPr lang="en-US" smtClean="0"/>
-              <a:t>07/07/17</a:t>
+              <a:t>09/07/17</a:t>
             </a:fld>
             <a:endParaRPr lang="en-US"/>
           </a:p>

--- a/pres-source/08-NoSQL-databases.pptx
+++ b/pres-source/08-NoSQL-databases.pptx
@@ -3979,7 +3979,7 @@
                 <a:ea typeface="ヒラギノ角ゴ ProN W3" charset="0"/>
                 <a:cs typeface="ヒラギノ角ゴ ProN W3" charset="0"/>
               </a:rPr>
-              <a:t>Sep 2016</a:t>
+              <a:t>July 2017</a:t>
             </a:r>
             <a:endParaRPr lang="en-US" dirty="0">
               <a:ea typeface="ヒラギノ角ゴ ProN W3" charset="0"/>

--- a/pres-source/08-NoSQL-databases.pptx
+++ b/pres-source/08-NoSQL-databases.pptx
@@ -220,7 +220,7 @@
             <a:fld id="{7307762F-A706-E543-A832-3C298AA3103F}" type="datetimeFigureOut">
               <a:rPr lang="en-US" smtClean="0"/>
               <a:pPr/>
-              <a:t>09/07/17</a:t>
+              <a:t>19/07/17</a:t>
             </a:fld>
             <a:endParaRPr lang="en-US" dirty="0"/>
           </a:p>
@@ -787,7 +787,7 @@
           <a:p>
             <a:fld id="{875CF0EB-321F-0749-B37A-89BBA859503C}" type="datetimeFigureOut">
               <a:rPr lang="en-US" smtClean="0"/>
-              <a:t>09/07/17</a:t>
+              <a:t>19/07/17</a:t>
             </a:fld>
             <a:endParaRPr lang="en-US"/>
           </a:p>
@@ -991,7 +991,7 @@
           <a:p>
             <a:fld id="{875CF0EB-321F-0749-B37A-89BBA859503C}" type="datetimeFigureOut">
               <a:rPr lang="en-US" smtClean="0"/>
-              <a:t>09/07/17</a:t>
+              <a:t>19/07/17</a:t>
             </a:fld>
             <a:endParaRPr lang="en-US"/>
           </a:p>
@@ -1185,7 +1185,7 @@
           <a:p>
             <a:fld id="{875CF0EB-321F-0749-B37A-89BBA859503C}" type="datetimeFigureOut">
               <a:rPr lang="en-US" smtClean="0"/>
-              <a:t>09/07/17</a:t>
+              <a:t>19/07/17</a:t>
             </a:fld>
             <a:endParaRPr lang="en-US"/>
           </a:p>
@@ -1455,7 +1455,7 @@
           <a:p>
             <a:fld id="{875CF0EB-321F-0749-B37A-89BBA859503C}" type="datetimeFigureOut">
               <a:rPr lang="en-US" smtClean="0"/>
-              <a:t>09/07/17</a:t>
+              <a:t>19/07/17</a:t>
             </a:fld>
             <a:endParaRPr lang="en-US"/>
           </a:p>
@@ -1767,7 +1767,7 @@
           <a:p>
             <a:fld id="{875CF0EB-321F-0749-B37A-89BBA859503C}" type="datetimeFigureOut">
               <a:rPr lang="en-US" smtClean="0"/>
-              <a:t>09/07/17</a:t>
+              <a:t>19/07/17</a:t>
             </a:fld>
             <a:endParaRPr lang="en-US"/>
           </a:p>
@@ -2213,7 +2213,7 @@
           <a:p>
             <a:fld id="{875CF0EB-321F-0749-B37A-89BBA859503C}" type="datetimeFigureOut">
               <a:rPr lang="en-US" smtClean="0"/>
-              <a:t>09/07/17</a:t>
+              <a:t>19/07/17</a:t>
             </a:fld>
             <a:endParaRPr lang="en-US"/>
           </a:p>
@@ -2355,7 +2355,7 @@
           <a:p>
             <a:fld id="{875CF0EB-321F-0749-B37A-89BBA859503C}" type="datetimeFigureOut">
               <a:rPr lang="en-US" smtClean="0"/>
-              <a:t>09/07/17</a:t>
+              <a:t>19/07/17</a:t>
             </a:fld>
             <a:endParaRPr lang="en-US"/>
           </a:p>
@@ -2474,7 +2474,7 @@
           <a:p>
             <a:fld id="{875CF0EB-321F-0749-B37A-89BBA859503C}" type="datetimeFigureOut">
               <a:rPr lang="en-US" smtClean="0"/>
-              <a:t>09/07/17</a:t>
+              <a:t>19/07/17</a:t>
             </a:fld>
             <a:endParaRPr lang="en-US"/>
           </a:p>
@@ -2775,7 +2775,7 @@
           <a:p>
             <a:fld id="{875CF0EB-321F-0749-B37A-89BBA859503C}" type="datetimeFigureOut">
               <a:rPr lang="en-US" smtClean="0"/>
-              <a:t>09/07/17</a:t>
+              <a:t>19/07/17</a:t>
             </a:fld>
             <a:endParaRPr lang="en-US"/>
           </a:p>
@@ -3052,7 +3052,7 @@
           <a:p>
             <a:fld id="{875CF0EB-321F-0749-B37A-89BBA859503C}" type="datetimeFigureOut">
               <a:rPr lang="en-US" smtClean="0"/>
-              <a:t>09/07/17</a:t>
+              <a:t>19/07/17</a:t>
             </a:fld>
             <a:endParaRPr lang="en-US"/>
           </a:p>
@@ -4085,6 +4085,13 @@
   <p:clrMapOvr>
     <a:masterClrMapping/>
   </p:clrMapOvr>
+  <p:timing>
+    <p:tnLst>
+      <p:par>
+        <p:cTn xmlns:p14="http://schemas.microsoft.com/office/powerpoint/2010/main" id="1" dur="indefinite" restart="never" nodeType="tmRoot"/>
+      </p:par>
+    </p:tnLst>
+  </p:timing>
 </p:sld>
 </file>
 
@@ -4211,6 +4218,13 @@
   <p:clrMapOvr>
     <a:masterClrMapping/>
   </p:clrMapOvr>
+  <p:timing>
+    <p:tnLst>
+      <p:par>
+        <p:cTn xmlns:p14="http://schemas.microsoft.com/office/powerpoint/2010/main" id="1" dur="indefinite" restart="never" nodeType="tmRoot"/>
+      </p:par>
+    </p:tnLst>
+  </p:timing>
 </p:sld>
 </file>
 
@@ -4383,6 +4397,13 @@
   <p:clrMapOvr>
     <a:masterClrMapping/>
   </p:clrMapOvr>
+  <p:timing>
+    <p:tnLst>
+      <p:par>
+        <p:cTn xmlns:p14="http://schemas.microsoft.com/office/powerpoint/2010/main" id="1" dur="indefinite" restart="never" nodeType="tmRoot"/>
+      </p:par>
+    </p:tnLst>
+  </p:timing>
 </p:sld>
 </file>
 
@@ -4535,6 +4556,13 @@
   <p:clrMapOvr>
     <a:masterClrMapping/>
   </p:clrMapOvr>
+  <p:timing>
+    <p:tnLst>
+      <p:par>
+        <p:cTn xmlns:p14="http://schemas.microsoft.com/office/powerpoint/2010/main" id="1" dur="indefinite" restart="never" nodeType="tmRoot"/>
+      </p:par>
+    </p:tnLst>
+  </p:timing>
 </p:sld>
 </file>
 
@@ -4705,6 +4733,13 @@
   <p:clrMapOvr>
     <a:masterClrMapping/>
   </p:clrMapOvr>
+  <p:timing>
+    <p:tnLst>
+      <p:par>
+        <p:cTn xmlns:p14="http://schemas.microsoft.com/office/powerpoint/2010/main" id="1" dur="indefinite" restart="never" nodeType="tmRoot"/>
+      </p:par>
+    </p:tnLst>
+  </p:timing>
 </p:sld>
 </file>
 
@@ -4846,6 +4881,13 @@
   <p:clrMapOvr>
     <a:masterClrMapping/>
   </p:clrMapOvr>
+  <p:timing>
+    <p:tnLst>
+      <p:par>
+        <p:cTn xmlns:p14="http://schemas.microsoft.com/office/powerpoint/2010/main" id="1" dur="indefinite" restart="never" nodeType="tmRoot"/>
+      </p:par>
+    </p:tnLst>
+  </p:timing>
 </p:sld>
 </file>
 
@@ -4964,6 +5006,13 @@
   <p:clrMapOvr>
     <a:masterClrMapping/>
   </p:clrMapOvr>
+  <p:timing>
+    <p:tnLst>
+      <p:par>
+        <p:cTn xmlns:p14="http://schemas.microsoft.com/office/powerpoint/2010/main" id="1" dur="indefinite" restart="never" nodeType="tmRoot"/>
+      </p:par>
+    </p:tnLst>
+  </p:timing>
 </p:sld>
 </file>
 
@@ -5041,6 +5090,13 @@
   <p:clrMapOvr>
     <a:masterClrMapping/>
   </p:clrMapOvr>
+  <p:timing>
+    <p:tnLst>
+      <p:par>
+        <p:cTn xmlns:p14="http://schemas.microsoft.com/office/powerpoint/2010/main" id="1" dur="indefinite" restart="never" nodeType="tmRoot"/>
+      </p:par>
+    </p:tnLst>
+  </p:timing>
 </p:sld>
 </file>
 
@@ -5173,6 +5229,13 @@
   <p:clrMapOvr>
     <a:masterClrMapping/>
   </p:clrMapOvr>
+  <p:timing>
+    <p:tnLst>
+      <p:par>
+        <p:cTn xmlns:p14="http://schemas.microsoft.com/office/powerpoint/2010/main" id="1" dur="indefinite" restart="never" nodeType="tmRoot"/>
+      </p:par>
+    </p:tnLst>
+  </p:timing>
 </p:sld>
 </file>
 
@@ -5400,6 +5463,13 @@
   <p:clrMapOvr>
     <a:masterClrMapping/>
   </p:clrMapOvr>
+  <p:timing>
+    <p:tnLst>
+      <p:par>
+        <p:cTn xmlns:p14="http://schemas.microsoft.com/office/powerpoint/2010/main" id="1" dur="indefinite" restart="never" nodeType="tmRoot"/>
+      </p:par>
+    </p:tnLst>
+  </p:timing>
 </p:sld>
 </file>
 
@@ -5538,6 +5608,13 @@
   <p:clrMapOvr>
     <a:masterClrMapping/>
   </p:clrMapOvr>
+  <p:timing>
+    <p:tnLst>
+      <p:par>
+        <p:cTn xmlns:p14="http://schemas.microsoft.com/office/powerpoint/2010/main" id="1" dur="indefinite" restart="never" nodeType="tmRoot"/>
+      </p:par>
+    </p:tnLst>
+  </p:timing>
 </p:sld>
 </file>
 
@@ -5667,6 +5744,13 @@
   <p:clrMapOvr>
     <a:masterClrMapping/>
   </p:clrMapOvr>
+  <p:timing>
+    <p:tnLst>
+      <p:par>
+        <p:cTn xmlns:p14="http://schemas.microsoft.com/office/powerpoint/2010/main" id="1" dur="indefinite" restart="never" nodeType="tmRoot"/>
+      </p:par>
+    </p:tnLst>
+  </p:timing>
 </p:sld>
 </file>
 
@@ -5760,6 +5844,13 @@
   <p:clrMapOvr>
     <a:masterClrMapping/>
   </p:clrMapOvr>
+  <p:timing>
+    <p:tnLst>
+      <p:par>
+        <p:cTn xmlns:p14="http://schemas.microsoft.com/office/powerpoint/2010/main" id="1" dur="indefinite" restart="never" nodeType="tmRoot"/>
+      </p:par>
+    </p:tnLst>
+  </p:timing>
 </p:sld>
 </file>
 
@@ -5867,6 +5958,13 @@
   <p:clrMapOvr>
     <a:masterClrMapping/>
   </p:clrMapOvr>
+  <p:timing>
+    <p:tnLst>
+      <p:par>
+        <p:cTn xmlns:p14="http://schemas.microsoft.com/office/powerpoint/2010/main" id="1" dur="indefinite" restart="never" nodeType="tmRoot"/>
+      </p:par>
+    </p:tnLst>
+  </p:timing>
 </p:sld>
 </file>
 
@@ -5974,6 +6072,13 @@
   <p:clrMapOvr>
     <a:masterClrMapping/>
   </p:clrMapOvr>
+  <p:timing>
+    <p:tnLst>
+      <p:par>
+        <p:cTn xmlns:p14="http://schemas.microsoft.com/office/powerpoint/2010/main" id="1" dur="indefinite" restart="never" nodeType="tmRoot"/>
+      </p:par>
+    </p:tnLst>
+  </p:timing>
 </p:sld>
 </file>
 
@@ -6046,6 +6151,13 @@
   <p:clrMapOvr>
     <a:masterClrMapping/>
   </p:clrMapOvr>
+  <p:timing>
+    <p:tnLst>
+      <p:par>
+        <p:cTn xmlns:p14="http://schemas.microsoft.com/office/powerpoint/2010/main" id="1" dur="indefinite" restart="never" nodeType="tmRoot"/>
+      </p:par>
+    </p:tnLst>
+  </p:timing>
 </p:sld>
 </file>
 
@@ -6175,6 +6287,13 @@
   <p:clrMapOvr>
     <a:masterClrMapping/>
   </p:clrMapOvr>
+  <p:timing>
+    <p:tnLst>
+      <p:par>
+        <p:cTn xmlns:p14="http://schemas.microsoft.com/office/powerpoint/2010/main" id="1" dur="indefinite" restart="never" nodeType="tmRoot"/>
+      </p:par>
+    </p:tnLst>
+  </p:timing>
 </p:sld>
 </file>
 
@@ -6307,6 +6426,13 @@
   <p:clrMapOvr>
     <a:masterClrMapping/>
   </p:clrMapOvr>
+  <p:timing>
+    <p:tnLst>
+      <p:par>
+        <p:cTn xmlns:p14="http://schemas.microsoft.com/office/powerpoint/2010/main" id="1" dur="indefinite" restart="never" nodeType="tmRoot"/>
+      </p:par>
+    </p:tnLst>
+  </p:timing>
 </p:sld>
 </file>
 
@@ -6508,6 +6634,13 @@
   <p:clrMapOvr>
     <a:masterClrMapping/>
   </p:clrMapOvr>
+  <p:timing>
+    <p:tnLst>
+      <p:par>
+        <p:cTn xmlns:p14="http://schemas.microsoft.com/office/powerpoint/2010/main" id="1" dur="indefinite" restart="never" nodeType="tmRoot"/>
+      </p:par>
+    </p:tnLst>
+  </p:timing>
 </p:sld>
 </file>
 
@@ -6638,6 +6771,13 @@
   <p:clrMapOvr>
     <a:masterClrMapping/>
   </p:clrMapOvr>
+  <p:timing>
+    <p:tnLst>
+      <p:par>
+        <p:cTn xmlns:p14="http://schemas.microsoft.com/office/powerpoint/2010/main" id="1" dur="indefinite" restart="never" nodeType="tmRoot"/>
+      </p:par>
+    </p:tnLst>
+  </p:timing>
 </p:sld>
 </file>
 
@@ -6720,6 +6860,13 @@
   <p:clrMapOvr>
     <a:masterClrMapping/>
   </p:clrMapOvr>
+  <p:timing>
+    <p:tnLst>
+      <p:par>
+        <p:cTn xmlns:p14="http://schemas.microsoft.com/office/powerpoint/2010/main" id="1" dur="indefinite" restart="never" nodeType="tmRoot"/>
+      </p:par>
+    </p:tnLst>
+  </p:timing>
 </p:sld>
 </file>
 
@@ -6838,6 +6985,13 @@
   <p:clrMapOvr>
     <a:masterClrMapping/>
   </p:clrMapOvr>
+  <p:timing>
+    <p:tnLst>
+      <p:par>
+        <p:cTn xmlns:p14="http://schemas.microsoft.com/office/powerpoint/2010/main" id="1" dur="indefinite" restart="never" nodeType="tmRoot"/>
+      </p:par>
+    </p:tnLst>
+  </p:timing>
 </p:sld>
 </file>
 
@@ -6961,6 +7115,13 @@
   <p:clrMapOvr>
     <a:masterClrMapping/>
   </p:clrMapOvr>
+  <p:timing>
+    <p:tnLst>
+      <p:par>
+        <p:cTn xmlns:p14="http://schemas.microsoft.com/office/powerpoint/2010/main" id="1" dur="indefinite" restart="never" nodeType="tmRoot"/>
+      </p:par>
+    </p:tnLst>
+  </p:timing>
 </p:sld>
 </file>
 

--- a/pres-source/08-NoSQL-databases.pptx
+++ b/pres-source/08-NoSQL-databases.pptx
@@ -1,6 +1,6 @@
 
 <file path=ppt/presentation.xml><?xml version="1.0" encoding="utf-8"?>
-<p:presentation xmlns:a="http://schemas.openxmlformats.org/drawingml/2006/main" xmlns:r="http://schemas.openxmlformats.org/officeDocument/2006/relationships" xmlns:mc="http://schemas.openxmlformats.org/markup-compatibility/2006" xmlns:mv="urn:schemas-microsoft-com:mac:vml" xmlns:p="http://schemas.openxmlformats.org/presentationml/2006/main" xmlns:c="http://schemas.openxmlformats.org/drawingml/2006/chart" xmlns:dgm="http://schemas.openxmlformats.org/drawingml/2006/diagram" xmlns:o="urn:schemas-microsoft-com:office:office" xmlns:v="urn:schemas-microsoft-com:vml" xmlns:pvml="urn:schemas-microsoft-com:office:powerpoint" xmlns:com="http://schemas.openxmlformats.org/drawingml/2006/compatibility" xmlns:p14="http://schemas.microsoft.com/office/powerpoint/2010/main" xmlns:p15="http://schemas.microsoft.com/office/powerpoint/2012/main" autoCompressPictures="0" embedTrueTypeFonts="1" strictFirstAndLastChars="0" saveSubsetFonts="1">
+<p:presentation xmlns:a="http://schemas.openxmlformats.org/drawingml/2006/main" xmlns:r="http://schemas.openxmlformats.org/officeDocument/2006/relationships" xmlns:mc="http://schemas.openxmlformats.org/markup-compatibility/2006" xmlns:mv="urn:schemas-microsoft-com:mac:vml" xmlns:p="http://schemas.openxmlformats.org/presentationml/2006/main" xmlns:c="http://schemas.openxmlformats.org/drawingml/2006/chart" xmlns:dgm="http://schemas.openxmlformats.org/drawingml/2006/diagram" xmlns:o="urn:schemas-microsoft-com:office:office" xmlns:v="urn:schemas-microsoft-com:vml" xmlns:pvml="urn:schemas-microsoft-com:office:powerpoint" xmlns:com="http://schemas.openxmlformats.org/drawingml/2006/compatibility" xmlns:p14="http://schemas.microsoft.com/office/powerpoint/2010/main" xmlns:p15="http://schemas.microsoft.com/office/powerpoint/2012/main" xmlns:ahyp="http://schemas.microsoft.com/office/drawing/2018/hyperlinkcolor" autoCompressPictures="0" embedTrueTypeFonts="1" strictFirstAndLastChars="0" saveSubsetFonts="1">
   <p:sldMasterIdLst>
     <p:sldMasterId id="2147483659" r:id="rId4"/>
   </p:sldMasterIdLst>
@@ -296,7 +296,7 @@
 </file>
 
 <file path=ppt/notesMasters/notesMaster1.xml><?xml version="1.0" encoding="utf-8"?>
-<p:notesMaster xmlns:a="http://schemas.openxmlformats.org/drawingml/2006/main" xmlns:r="http://schemas.openxmlformats.org/officeDocument/2006/relationships" xmlns:mc="http://schemas.openxmlformats.org/markup-compatibility/2006" xmlns:mv="urn:schemas-microsoft-com:mac:vml" xmlns:p="http://schemas.openxmlformats.org/presentationml/2006/main" xmlns:c="http://schemas.openxmlformats.org/drawingml/2006/chart" xmlns:dgm="http://schemas.openxmlformats.org/drawingml/2006/diagram" xmlns:o="urn:schemas-microsoft-com:office:office" xmlns:v="urn:schemas-microsoft-com:vml" xmlns:pvml="urn:schemas-microsoft-com:office:powerpoint" xmlns:com="http://schemas.openxmlformats.org/drawingml/2006/compatibility" xmlns:p14="http://schemas.microsoft.com/office/powerpoint/2010/main" xmlns:p15="http://schemas.microsoft.com/office/powerpoint/2012/main">
+<p:notesMaster xmlns:a="http://schemas.openxmlformats.org/drawingml/2006/main" xmlns:r="http://schemas.openxmlformats.org/officeDocument/2006/relationships" xmlns:mc="http://schemas.openxmlformats.org/markup-compatibility/2006" xmlns:mv="urn:schemas-microsoft-com:mac:vml" xmlns:p="http://schemas.openxmlformats.org/presentationml/2006/main" xmlns:c="http://schemas.openxmlformats.org/drawingml/2006/chart" xmlns:dgm="http://schemas.openxmlformats.org/drawingml/2006/diagram" xmlns:o="urn:schemas-microsoft-com:office:office" xmlns:v="urn:schemas-microsoft-com:vml" xmlns:pvml="urn:schemas-microsoft-com:office:powerpoint" xmlns:com="http://schemas.openxmlformats.org/drawingml/2006/compatibility" xmlns:p14="http://schemas.microsoft.com/office/powerpoint/2010/main" xmlns:p15="http://schemas.microsoft.com/office/powerpoint/2012/main" xmlns:ahyp="http://schemas.microsoft.com/office/drawing/2018/hyperlinkcolor">
   <p:cSld>
     <p:bg>
       <p:bgPr>
@@ -1464,7 +1464,7 @@
 </file>
 
 <file path=ppt/notesSlides/notesSlide1.xml><?xml version="1.0" encoding="utf-8"?>
-<p:notes xmlns:a="http://schemas.openxmlformats.org/drawingml/2006/main" xmlns:r="http://schemas.openxmlformats.org/officeDocument/2006/relationships" xmlns:mc="http://schemas.openxmlformats.org/markup-compatibility/2006" xmlns:mv="urn:schemas-microsoft-com:mac:vml" xmlns:p="http://schemas.openxmlformats.org/presentationml/2006/main" xmlns:c="http://schemas.openxmlformats.org/drawingml/2006/chart" xmlns:dgm="http://schemas.openxmlformats.org/drawingml/2006/diagram" xmlns:o="urn:schemas-microsoft-com:office:office" xmlns:v="urn:schemas-microsoft-com:vml" xmlns:pvml="urn:schemas-microsoft-com:office:powerpoint" xmlns:com="http://schemas.openxmlformats.org/drawingml/2006/compatibility" xmlns:p14="http://schemas.microsoft.com/office/powerpoint/2010/main" xmlns:p15="http://schemas.microsoft.com/office/powerpoint/2012/main" showMasterPhAnim="0" showMasterSp="0">
+<p:notes xmlns:a="http://schemas.openxmlformats.org/drawingml/2006/main" xmlns:r="http://schemas.openxmlformats.org/officeDocument/2006/relationships" xmlns:mc="http://schemas.openxmlformats.org/markup-compatibility/2006" xmlns:mv="urn:schemas-microsoft-com:mac:vml" xmlns:p="http://schemas.openxmlformats.org/presentationml/2006/main" xmlns:c="http://schemas.openxmlformats.org/drawingml/2006/chart" xmlns:dgm="http://schemas.openxmlformats.org/drawingml/2006/diagram" xmlns:o="urn:schemas-microsoft-com:office:office" xmlns:v="urn:schemas-microsoft-com:vml" xmlns:pvml="urn:schemas-microsoft-com:office:powerpoint" xmlns:com="http://schemas.openxmlformats.org/drawingml/2006/compatibility" xmlns:p14="http://schemas.microsoft.com/office/powerpoint/2010/main" xmlns:p15="http://schemas.microsoft.com/office/powerpoint/2012/main" xmlns:ahyp="http://schemas.microsoft.com/office/drawing/2018/hyperlinkcolor" showMasterPhAnim="0" showMasterSp="0">
   <p:cSld>
     <p:spTree>
       <p:nvGrpSpPr>
@@ -1563,7 +1563,7 @@
 </file>
 
 <file path=ppt/notesSlides/notesSlide10.xml><?xml version="1.0" encoding="utf-8"?>
-<p:notes xmlns:a="http://schemas.openxmlformats.org/drawingml/2006/main" xmlns:r="http://schemas.openxmlformats.org/officeDocument/2006/relationships" xmlns:mc="http://schemas.openxmlformats.org/markup-compatibility/2006" xmlns:mv="urn:schemas-microsoft-com:mac:vml" xmlns:p="http://schemas.openxmlformats.org/presentationml/2006/main" xmlns:c="http://schemas.openxmlformats.org/drawingml/2006/chart" xmlns:dgm="http://schemas.openxmlformats.org/drawingml/2006/diagram" xmlns:o="urn:schemas-microsoft-com:office:office" xmlns:v="urn:schemas-microsoft-com:vml" xmlns:pvml="urn:schemas-microsoft-com:office:powerpoint" xmlns:com="http://schemas.openxmlformats.org/drawingml/2006/compatibility" xmlns:p14="http://schemas.microsoft.com/office/powerpoint/2010/main" xmlns:p15="http://schemas.microsoft.com/office/powerpoint/2012/main" showMasterPhAnim="0" showMasterSp="0">
+<p:notes xmlns:a="http://schemas.openxmlformats.org/drawingml/2006/main" xmlns:r="http://schemas.openxmlformats.org/officeDocument/2006/relationships" xmlns:mc="http://schemas.openxmlformats.org/markup-compatibility/2006" xmlns:mv="urn:schemas-microsoft-com:mac:vml" xmlns:p="http://schemas.openxmlformats.org/presentationml/2006/main" xmlns:c="http://schemas.openxmlformats.org/drawingml/2006/chart" xmlns:dgm="http://schemas.openxmlformats.org/drawingml/2006/diagram" xmlns:o="urn:schemas-microsoft-com:office:office" xmlns:v="urn:schemas-microsoft-com:vml" xmlns:pvml="urn:schemas-microsoft-com:office:powerpoint" xmlns:com="http://schemas.openxmlformats.org/drawingml/2006/compatibility" xmlns:p14="http://schemas.microsoft.com/office/powerpoint/2010/main" xmlns:p15="http://schemas.microsoft.com/office/powerpoint/2012/main" xmlns:ahyp="http://schemas.microsoft.com/office/drawing/2018/hyperlinkcolor" showMasterPhAnim="0" showMasterSp="0">
   <p:cSld>
     <p:spTree>
       <p:nvGrpSpPr>
@@ -1662,7 +1662,7 @@
 </file>
 
 <file path=ppt/notesSlides/notesSlide11.xml><?xml version="1.0" encoding="utf-8"?>
-<p:notes xmlns:a="http://schemas.openxmlformats.org/drawingml/2006/main" xmlns:r="http://schemas.openxmlformats.org/officeDocument/2006/relationships" xmlns:mc="http://schemas.openxmlformats.org/markup-compatibility/2006" xmlns:mv="urn:schemas-microsoft-com:mac:vml" xmlns:p="http://schemas.openxmlformats.org/presentationml/2006/main" xmlns:c="http://schemas.openxmlformats.org/drawingml/2006/chart" xmlns:dgm="http://schemas.openxmlformats.org/drawingml/2006/diagram" xmlns:o="urn:schemas-microsoft-com:office:office" xmlns:v="urn:schemas-microsoft-com:vml" xmlns:pvml="urn:schemas-microsoft-com:office:powerpoint" xmlns:com="http://schemas.openxmlformats.org/drawingml/2006/compatibility" xmlns:p14="http://schemas.microsoft.com/office/powerpoint/2010/main" xmlns:p15="http://schemas.microsoft.com/office/powerpoint/2012/main" showMasterPhAnim="0" showMasterSp="0">
+<p:notes xmlns:a="http://schemas.openxmlformats.org/drawingml/2006/main" xmlns:r="http://schemas.openxmlformats.org/officeDocument/2006/relationships" xmlns:mc="http://schemas.openxmlformats.org/markup-compatibility/2006" xmlns:mv="urn:schemas-microsoft-com:mac:vml" xmlns:p="http://schemas.openxmlformats.org/presentationml/2006/main" xmlns:c="http://schemas.openxmlformats.org/drawingml/2006/chart" xmlns:dgm="http://schemas.openxmlformats.org/drawingml/2006/diagram" xmlns:o="urn:schemas-microsoft-com:office:office" xmlns:v="urn:schemas-microsoft-com:vml" xmlns:pvml="urn:schemas-microsoft-com:office:powerpoint" xmlns:com="http://schemas.openxmlformats.org/drawingml/2006/compatibility" xmlns:p14="http://schemas.microsoft.com/office/powerpoint/2010/main" xmlns:p15="http://schemas.microsoft.com/office/powerpoint/2012/main" xmlns:ahyp="http://schemas.microsoft.com/office/drawing/2018/hyperlinkcolor" showMasterPhAnim="0" showMasterSp="0">
   <p:cSld>
     <p:spTree>
       <p:nvGrpSpPr>
@@ -1761,7 +1761,7 @@
 </file>
 
 <file path=ppt/notesSlides/notesSlide12.xml><?xml version="1.0" encoding="utf-8"?>
-<p:notes xmlns:a="http://schemas.openxmlformats.org/drawingml/2006/main" xmlns:r="http://schemas.openxmlformats.org/officeDocument/2006/relationships" xmlns:mc="http://schemas.openxmlformats.org/markup-compatibility/2006" xmlns:mv="urn:schemas-microsoft-com:mac:vml" xmlns:p="http://schemas.openxmlformats.org/presentationml/2006/main" xmlns:c="http://schemas.openxmlformats.org/drawingml/2006/chart" xmlns:dgm="http://schemas.openxmlformats.org/drawingml/2006/diagram" xmlns:o="urn:schemas-microsoft-com:office:office" xmlns:v="urn:schemas-microsoft-com:vml" xmlns:pvml="urn:schemas-microsoft-com:office:powerpoint" xmlns:com="http://schemas.openxmlformats.org/drawingml/2006/compatibility" xmlns:p14="http://schemas.microsoft.com/office/powerpoint/2010/main" xmlns:p15="http://schemas.microsoft.com/office/powerpoint/2012/main" showMasterPhAnim="0" showMasterSp="0">
+<p:notes xmlns:a="http://schemas.openxmlformats.org/drawingml/2006/main" xmlns:r="http://schemas.openxmlformats.org/officeDocument/2006/relationships" xmlns:mc="http://schemas.openxmlformats.org/markup-compatibility/2006" xmlns:mv="urn:schemas-microsoft-com:mac:vml" xmlns:p="http://schemas.openxmlformats.org/presentationml/2006/main" xmlns:c="http://schemas.openxmlformats.org/drawingml/2006/chart" xmlns:dgm="http://schemas.openxmlformats.org/drawingml/2006/diagram" xmlns:o="urn:schemas-microsoft-com:office:office" xmlns:v="urn:schemas-microsoft-com:vml" xmlns:pvml="urn:schemas-microsoft-com:office:powerpoint" xmlns:com="http://schemas.openxmlformats.org/drawingml/2006/compatibility" xmlns:p14="http://schemas.microsoft.com/office/powerpoint/2010/main" xmlns:p15="http://schemas.microsoft.com/office/powerpoint/2012/main" xmlns:ahyp="http://schemas.microsoft.com/office/drawing/2018/hyperlinkcolor" showMasterPhAnim="0" showMasterSp="0">
   <p:cSld>
     <p:spTree>
       <p:nvGrpSpPr>
@@ -1860,7 +1860,7 @@
 </file>
 
 <file path=ppt/notesSlides/notesSlide13.xml><?xml version="1.0" encoding="utf-8"?>
-<p:notes xmlns:a="http://schemas.openxmlformats.org/drawingml/2006/main" xmlns:r="http://schemas.openxmlformats.org/officeDocument/2006/relationships" xmlns:mc="http://schemas.openxmlformats.org/markup-compatibility/2006" xmlns:mv="urn:schemas-microsoft-com:mac:vml" xmlns:p="http://schemas.openxmlformats.org/presentationml/2006/main" xmlns:c="http://schemas.openxmlformats.org/drawingml/2006/chart" xmlns:dgm="http://schemas.openxmlformats.org/drawingml/2006/diagram" xmlns:o="urn:schemas-microsoft-com:office:office" xmlns:v="urn:schemas-microsoft-com:vml" xmlns:pvml="urn:schemas-microsoft-com:office:powerpoint" xmlns:com="http://schemas.openxmlformats.org/drawingml/2006/compatibility" xmlns:p14="http://schemas.microsoft.com/office/powerpoint/2010/main" xmlns:p15="http://schemas.microsoft.com/office/powerpoint/2012/main" showMasterPhAnim="0" showMasterSp="0">
+<p:notes xmlns:a="http://schemas.openxmlformats.org/drawingml/2006/main" xmlns:r="http://schemas.openxmlformats.org/officeDocument/2006/relationships" xmlns:mc="http://schemas.openxmlformats.org/markup-compatibility/2006" xmlns:mv="urn:schemas-microsoft-com:mac:vml" xmlns:p="http://schemas.openxmlformats.org/presentationml/2006/main" xmlns:c="http://schemas.openxmlformats.org/drawingml/2006/chart" xmlns:dgm="http://schemas.openxmlformats.org/drawingml/2006/diagram" xmlns:o="urn:schemas-microsoft-com:office:office" xmlns:v="urn:schemas-microsoft-com:vml" xmlns:pvml="urn:schemas-microsoft-com:office:powerpoint" xmlns:com="http://schemas.openxmlformats.org/drawingml/2006/compatibility" xmlns:p14="http://schemas.microsoft.com/office/powerpoint/2010/main" xmlns:p15="http://schemas.microsoft.com/office/powerpoint/2012/main" xmlns:ahyp="http://schemas.microsoft.com/office/drawing/2018/hyperlinkcolor" showMasterPhAnim="0" showMasterSp="0">
   <p:cSld>
     <p:spTree>
       <p:nvGrpSpPr>
@@ -1959,7 +1959,7 @@
 </file>
 
 <file path=ppt/notesSlides/notesSlide14.xml><?xml version="1.0" encoding="utf-8"?>
-<p:notes xmlns:a="http://schemas.openxmlformats.org/drawingml/2006/main" xmlns:r="http://schemas.openxmlformats.org/officeDocument/2006/relationships" xmlns:mc="http://schemas.openxmlformats.org/markup-compatibility/2006" xmlns:mv="urn:schemas-microsoft-com:mac:vml" xmlns:p="http://schemas.openxmlformats.org/presentationml/2006/main" xmlns:c="http://schemas.openxmlformats.org/drawingml/2006/chart" xmlns:dgm="http://schemas.openxmlformats.org/drawingml/2006/diagram" xmlns:o="urn:schemas-microsoft-com:office:office" xmlns:v="urn:schemas-microsoft-com:vml" xmlns:pvml="urn:schemas-microsoft-com:office:powerpoint" xmlns:com="http://schemas.openxmlformats.org/drawingml/2006/compatibility" xmlns:p14="http://schemas.microsoft.com/office/powerpoint/2010/main" xmlns:p15="http://schemas.microsoft.com/office/powerpoint/2012/main" showMasterPhAnim="0" showMasterSp="0">
+<p:notes xmlns:a="http://schemas.openxmlformats.org/drawingml/2006/main" xmlns:r="http://schemas.openxmlformats.org/officeDocument/2006/relationships" xmlns:mc="http://schemas.openxmlformats.org/markup-compatibility/2006" xmlns:mv="urn:schemas-microsoft-com:mac:vml" xmlns:p="http://schemas.openxmlformats.org/presentationml/2006/main" xmlns:c="http://schemas.openxmlformats.org/drawingml/2006/chart" xmlns:dgm="http://schemas.openxmlformats.org/drawingml/2006/diagram" xmlns:o="urn:schemas-microsoft-com:office:office" xmlns:v="urn:schemas-microsoft-com:vml" xmlns:pvml="urn:schemas-microsoft-com:office:powerpoint" xmlns:com="http://schemas.openxmlformats.org/drawingml/2006/compatibility" xmlns:p14="http://schemas.microsoft.com/office/powerpoint/2010/main" xmlns:p15="http://schemas.microsoft.com/office/powerpoint/2012/main" xmlns:ahyp="http://schemas.microsoft.com/office/drawing/2018/hyperlinkcolor" showMasterPhAnim="0" showMasterSp="0">
   <p:cSld>
     <p:spTree>
       <p:nvGrpSpPr>
@@ -2058,7 +2058,7 @@
 </file>
 
 <file path=ppt/notesSlides/notesSlide15.xml><?xml version="1.0" encoding="utf-8"?>
-<p:notes xmlns:a="http://schemas.openxmlformats.org/drawingml/2006/main" xmlns:r="http://schemas.openxmlformats.org/officeDocument/2006/relationships" xmlns:mc="http://schemas.openxmlformats.org/markup-compatibility/2006" xmlns:mv="urn:schemas-microsoft-com:mac:vml" xmlns:p="http://schemas.openxmlformats.org/presentationml/2006/main" xmlns:c="http://schemas.openxmlformats.org/drawingml/2006/chart" xmlns:dgm="http://schemas.openxmlformats.org/drawingml/2006/diagram" xmlns:o="urn:schemas-microsoft-com:office:office" xmlns:v="urn:schemas-microsoft-com:vml" xmlns:pvml="urn:schemas-microsoft-com:office:powerpoint" xmlns:com="http://schemas.openxmlformats.org/drawingml/2006/compatibility" xmlns:p14="http://schemas.microsoft.com/office/powerpoint/2010/main" xmlns:p15="http://schemas.microsoft.com/office/powerpoint/2012/main" showMasterPhAnim="0" showMasterSp="0">
+<p:notes xmlns:a="http://schemas.openxmlformats.org/drawingml/2006/main" xmlns:r="http://schemas.openxmlformats.org/officeDocument/2006/relationships" xmlns:mc="http://schemas.openxmlformats.org/markup-compatibility/2006" xmlns:mv="urn:schemas-microsoft-com:mac:vml" xmlns:p="http://schemas.openxmlformats.org/presentationml/2006/main" xmlns:c="http://schemas.openxmlformats.org/drawingml/2006/chart" xmlns:dgm="http://schemas.openxmlformats.org/drawingml/2006/diagram" xmlns:o="urn:schemas-microsoft-com:office:office" xmlns:v="urn:schemas-microsoft-com:vml" xmlns:pvml="urn:schemas-microsoft-com:office:powerpoint" xmlns:com="http://schemas.openxmlformats.org/drawingml/2006/compatibility" xmlns:p14="http://schemas.microsoft.com/office/powerpoint/2010/main" xmlns:p15="http://schemas.microsoft.com/office/powerpoint/2012/main" xmlns:ahyp="http://schemas.microsoft.com/office/drawing/2018/hyperlinkcolor" showMasterPhAnim="0" showMasterSp="0">
   <p:cSld>
     <p:spTree>
       <p:nvGrpSpPr>
@@ -2157,7 +2157,7 @@
 </file>
 
 <file path=ppt/notesSlides/notesSlide16.xml><?xml version="1.0" encoding="utf-8"?>
-<p:notes xmlns:a="http://schemas.openxmlformats.org/drawingml/2006/main" xmlns:r="http://schemas.openxmlformats.org/officeDocument/2006/relationships" xmlns:mc="http://schemas.openxmlformats.org/markup-compatibility/2006" xmlns:mv="urn:schemas-microsoft-com:mac:vml" xmlns:p="http://schemas.openxmlformats.org/presentationml/2006/main" xmlns:c="http://schemas.openxmlformats.org/drawingml/2006/chart" xmlns:dgm="http://schemas.openxmlformats.org/drawingml/2006/diagram" xmlns:o="urn:schemas-microsoft-com:office:office" xmlns:v="urn:schemas-microsoft-com:vml" xmlns:pvml="urn:schemas-microsoft-com:office:powerpoint" xmlns:com="http://schemas.openxmlformats.org/drawingml/2006/compatibility" xmlns:p14="http://schemas.microsoft.com/office/powerpoint/2010/main" xmlns:p15="http://schemas.microsoft.com/office/powerpoint/2012/main" showMasterPhAnim="0" showMasterSp="0">
+<p:notes xmlns:a="http://schemas.openxmlformats.org/drawingml/2006/main" xmlns:r="http://schemas.openxmlformats.org/officeDocument/2006/relationships" xmlns:mc="http://schemas.openxmlformats.org/markup-compatibility/2006" xmlns:mv="urn:schemas-microsoft-com:mac:vml" xmlns:p="http://schemas.openxmlformats.org/presentationml/2006/main" xmlns:c="http://schemas.openxmlformats.org/drawingml/2006/chart" xmlns:dgm="http://schemas.openxmlformats.org/drawingml/2006/diagram" xmlns:o="urn:schemas-microsoft-com:office:office" xmlns:v="urn:schemas-microsoft-com:vml" xmlns:pvml="urn:schemas-microsoft-com:office:powerpoint" xmlns:com="http://schemas.openxmlformats.org/drawingml/2006/compatibility" xmlns:p14="http://schemas.microsoft.com/office/powerpoint/2010/main" xmlns:p15="http://schemas.microsoft.com/office/powerpoint/2012/main" xmlns:ahyp="http://schemas.microsoft.com/office/drawing/2018/hyperlinkcolor" showMasterPhAnim="0" showMasterSp="0">
   <p:cSld>
     <p:spTree>
       <p:nvGrpSpPr>
@@ -2256,7 +2256,7 @@
 </file>
 
 <file path=ppt/notesSlides/notesSlide17.xml><?xml version="1.0" encoding="utf-8"?>
-<p:notes xmlns:a="http://schemas.openxmlformats.org/drawingml/2006/main" xmlns:r="http://schemas.openxmlformats.org/officeDocument/2006/relationships" xmlns:mc="http://schemas.openxmlformats.org/markup-compatibility/2006" xmlns:mv="urn:schemas-microsoft-com:mac:vml" xmlns:p="http://schemas.openxmlformats.org/presentationml/2006/main" xmlns:c="http://schemas.openxmlformats.org/drawingml/2006/chart" xmlns:dgm="http://schemas.openxmlformats.org/drawingml/2006/diagram" xmlns:o="urn:schemas-microsoft-com:office:office" xmlns:v="urn:schemas-microsoft-com:vml" xmlns:pvml="urn:schemas-microsoft-com:office:powerpoint" xmlns:com="http://schemas.openxmlformats.org/drawingml/2006/compatibility" xmlns:p14="http://schemas.microsoft.com/office/powerpoint/2010/main" xmlns:p15="http://schemas.microsoft.com/office/powerpoint/2012/main" showMasterPhAnim="0" showMasterSp="0">
+<p:notes xmlns:a="http://schemas.openxmlformats.org/drawingml/2006/main" xmlns:r="http://schemas.openxmlformats.org/officeDocument/2006/relationships" xmlns:mc="http://schemas.openxmlformats.org/markup-compatibility/2006" xmlns:mv="urn:schemas-microsoft-com:mac:vml" xmlns:p="http://schemas.openxmlformats.org/presentationml/2006/main" xmlns:c="http://schemas.openxmlformats.org/drawingml/2006/chart" xmlns:dgm="http://schemas.openxmlformats.org/drawingml/2006/diagram" xmlns:o="urn:schemas-microsoft-com:office:office" xmlns:v="urn:schemas-microsoft-com:vml" xmlns:pvml="urn:schemas-microsoft-com:office:powerpoint" xmlns:com="http://schemas.openxmlformats.org/drawingml/2006/compatibility" xmlns:p14="http://schemas.microsoft.com/office/powerpoint/2010/main" xmlns:p15="http://schemas.microsoft.com/office/powerpoint/2012/main" xmlns:ahyp="http://schemas.microsoft.com/office/drawing/2018/hyperlinkcolor" showMasterPhAnim="0" showMasterSp="0">
   <p:cSld>
     <p:spTree>
       <p:nvGrpSpPr>
@@ -2355,7 +2355,7 @@
 </file>
 
 <file path=ppt/notesSlides/notesSlide18.xml><?xml version="1.0" encoding="utf-8"?>
-<p:notes xmlns:a="http://schemas.openxmlformats.org/drawingml/2006/main" xmlns:r="http://schemas.openxmlformats.org/officeDocument/2006/relationships" xmlns:mc="http://schemas.openxmlformats.org/markup-compatibility/2006" xmlns:mv="urn:schemas-microsoft-com:mac:vml" xmlns:p="http://schemas.openxmlformats.org/presentationml/2006/main" xmlns:c="http://schemas.openxmlformats.org/drawingml/2006/chart" xmlns:dgm="http://schemas.openxmlformats.org/drawingml/2006/diagram" xmlns:o="urn:schemas-microsoft-com:office:office" xmlns:v="urn:schemas-microsoft-com:vml" xmlns:pvml="urn:schemas-microsoft-com:office:powerpoint" xmlns:com="http://schemas.openxmlformats.org/drawingml/2006/compatibility" xmlns:p14="http://schemas.microsoft.com/office/powerpoint/2010/main" xmlns:p15="http://schemas.microsoft.com/office/powerpoint/2012/main" showMasterPhAnim="0" showMasterSp="0">
+<p:notes xmlns:a="http://schemas.openxmlformats.org/drawingml/2006/main" xmlns:r="http://schemas.openxmlformats.org/officeDocument/2006/relationships" xmlns:mc="http://schemas.openxmlformats.org/markup-compatibility/2006" xmlns:mv="urn:schemas-microsoft-com:mac:vml" xmlns:p="http://schemas.openxmlformats.org/presentationml/2006/main" xmlns:c="http://schemas.openxmlformats.org/drawingml/2006/chart" xmlns:dgm="http://schemas.openxmlformats.org/drawingml/2006/diagram" xmlns:o="urn:schemas-microsoft-com:office:office" xmlns:v="urn:schemas-microsoft-com:vml" xmlns:pvml="urn:schemas-microsoft-com:office:powerpoint" xmlns:com="http://schemas.openxmlformats.org/drawingml/2006/compatibility" xmlns:p14="http://schemas.microsoft.com/office/powerpoint/2010/main" xmlns:p15="http://schemas.microsoft.com/office/powerpoint/2012/main" xmlns:ahyp="http://schemas.microsoft.com/office/drawing/2018/hyperlinkcolor" showMasterPhAnim="0" showMasterSp="0">
   <p:cSld>
     <p:spTree>
       <p:nvGrpSpPr>
@@ -2454,7 +2454,7 @@
 </file>
 
 <file path=ppt/notesSlides/notesSlide19.xml><?xml version="1.0" encoding="utf-8"?>
-<p:notes xmlns:a="http://schemas.openxmlformats.org/drawingml/2006/main" xmlns:r="http://schemas.openxmlformats.org/officeDocument/2006/relationships" xmlns:mc="http://schemas.openxmlformats.org/markup-compatibility/2006" xmlns:mv="urn:schemas-microsoft-com:mac:vml" xmlns:p="http://schemas.openxmlformats.org/presentationml/2006/main" xmlns:c="http://schemas.openxmlformats.org/drawingml/2006/chart" xmlns:dgm="http://schemas.openxmlformats.org/drawingml/2006/diagram" xmlns:o="urn:schemas-microsoft-com:office:office" xmlns:v="urn:schemas-microsoft-com:vml" xmlns:pvml="urn:schemas-microsoft-com:office:powerpoint" xmlns:com="http://schemas.openxmlformats.org/drawingml/2006/compatibility" xmlns:p14="http://schemas.microsoft.com/office/powerpoint/2010/main" xmlns:p15="http://schemas.microsoft.com/office/powerpoint/2012/main" showMasterPhAnim="0" showMasterSp="0">
+<p:notes xmlns:a="http://schemas.openxmlformats.org/drawingml/2006/main" xmlns:r="http://schemas.openxmlformats.org/officeDocument/2006/relationships" xmlns:mc="http://schemas.openxmlformats.org/markup-compatibility/2006" xmlns:mv="urn:schemas-microsoft-com:mac:vml" xmlns:p="http://schemas.openxmlformats.org/presentationml/2006/main" xmlns:c="http://schemas.openxmlformats.org/drawingml/2006/chart" xmlns:dgm="http://schemas.openxmlformats.org/drawingml/2006/diagram" xmlns:o="urn:schemas-microsoft-com:office:office" xmlns:v="urn:schemas-microsoft-com:vml" xmlns:pvml="urn:schemas-microsoft-com:office:powerpoint" xmlns:com="http://schemas.openxmlformats.org/drawingml/2006/compatibility" xmlns:p14="http://schemas.microsoft.com/office/powerpoint/2010/main" xmlns:p15="http://schemas.microsoft.com/office/powerpoint/2012/main" xmlns:ahyp="http://schemas.microsoft.com/office/drawing/2018/hyperlinkcolor" showMasterPhAnim="0" showMasterSp="0">
   <p:cSld>
     <p:spTree>
       <p:nvGrpSpPr>
@@ -2597,7 +2597,7 @@
 </file>
 
 <file path=ppt/notesSlides/notesSlide2.xml><?xml version="1.0" encoding="utf-8"?>
-<p:notes xmlns:a="http://schemas.openxmlformats.org/drawingml/2006/main" xmlns:r="http://schemas.openxmlformats.org/officeDocument/2006/relationships" xmlns:mc="http://schemas.openxmlformats.org/markup-compatibility/2006" xmlns:mv="urn:schemas-microsoft-com:mac:vml" xmlns:p="http://schemas.openxmlformats.org/presentationml/2006/main" xmlns:c="http://schemas.openxmlformats.org/drawingml/2006/chart" xmlns:dgm="http://schemas.openxmlformats.org/drawingml/2006/diagram" xmlns:o="urn:schemas-microsoft-com:office:office" xmlns:v="urn:schemas-microsoft-com:vml" xmlns:pvml="urn:schemas-microsoft-com:office:powerpoint" xmlns:com="http://schemas.openxmlformats.org/drawingml/2006/compatibility" xmlns:p14="http://schemas.microsoft.com/office/powerpoint/2010/main" xmlns:p15="http://schemas.microsoft.com/office/powerpoint/2012/main" showMasterPhAnim="0" showMasterSp="0">
+<p:notes xmlns:a="http://schemas.openxmlformats.org/drawingml/2006/main" xmlns:r="http://schemas.openxmlformats.org/officeDocument/2006/relationships" xmlns:mc="http://schemas.openxmlformats.org/markup-compatibility/2006" xmlns:mv="urn:schemas-microsoft-com:mac:vml" xmlns:p="http://schemas.openxmlformats.org/presentationml/2006/main" xmlns:c="http://schemas.openxmlformats.org/drawingml/2006/chart" xmlns:dgm="http://schemas.openxmlformats.org/drawingml/2006/diagram" xmlns:o="urn:schemas-microsoft-com:office:office" xmlns:v="urn:schemas-microsoft-com:vml" xmlns:pvml="urn:schemas-microsoft-com:office:powerpoint" xmlns:com="http://schemas.openxmlformats.org/drawingml/2006/compatibility" xmlns:p14="http://schemas.microsoft.com/office/powerpoint/2010/main" xmlns:p15="http://schemas.microsoft.com/office/powerpoint/2012/main" xmlns:ahyp="http://schemas.microsoft.com/office/drawing/2018/hyperlinkcolor" showMasterPhAnim="0" showMasterSp="0">
   <p:cSld>
     <p:spTree>
       <p:nvGrpSpPr>
@@ -2696,7 +2696,7 @@
 </file>
 
 <file path=ppt/notesSlides/notesSlide20.xml><?xml version="1.0" encoding="utf-8"?>
-<p:notes xmlns:a="http://schemas.openxmlformats.org/drawingml/2006/main" xmlns:r="http://schemas.openxmlformats.org/officeDocument/2006/relationships" xmlns:mc="http://schemas.openxmlformats.org/markup-compatibility/2006" xmlns:mv="urn:schemas-microsoft-com:mac:vml" xmlns:p="http://schemas.openxmlformats.org/presentationml/2006/main" xmlns:c="http://schemas.openxmlformats.org/drawingml/2006/chart" xmlns:dgm="http://schemas.openxmlformats.org/drawingml/2006/diagram" xmlns:o="urn:schemas-microsoft-com:office:office" xmlns:v="urn:schemas-microsoft-com:vml" xmlns:pvml="urn:schemas-microsoft-com:office:powerpoint" xmlns:com="http://schemas.openxmlformats.org/drawingml/2006/compatibility" xmlns:p14="http://schemas.microsoft.com/office/powerpoint/2010/main" xmlns:p15="http://schemas.microsoft.com/office/powerpoint/2012/main" showMasterPhAnim="0" showMasterSp="0">
+<p:notes xmlns:a="http://schemas.openxmlformats.org/drawingml/2006/main" xmlns:r="http://schemas.openxmlformats.org/officeDocument/2006/relationships" xmlns:mc="http://schemas.openxmlformats.org/markup-compatibility/2006" xmlns:mv="urn:schemas-microsoft-com:mac:vml" xmlns:p="http://schemas.openxmlformats.org/presentationml/2006/main" xmlns:c="http://schemas.openxmlformats.org/drawingml/2006/chart" xmlns:dgm="http://schemas.openxmlformats.org/drawingml/2006/diagram" xmlns:o="urn:schemas-microsoft-com:office:office" xmlns:v="urn:schemas-microsoft-com:vml" xmlns:pvml="urn:schemas-microsoft-com:office:powerpoint" xmlns:com="http://schemas.openxmlformats.org/drawingml/2006/compatibility" xmlns:p14="http://schemas.microsoft.com/office/powerpoint/2010/main" xmlns:p15="http://schemas.microsoft.com/office/powerpoint/2012/main" xmlns:ahyp="http://schemas.microsoft.com/office/drawing/2018/hyperlinkcolor" showMasterPhAnim="0" showMasterSp="0">
   <p:cSld>
     <p:spTree>
       <p:nvGrpSpPr>
@@ -2839,7 +2839,7 @@
 </file>
 
 <file path=ppt/notesSlides/notesSlide21.xml><?xml version="1.0" encoding="utf-8"?>
-<p:notes xmlns:a="http://schemas.openxmlformats.org/drawingml/2006/main" xmlns:r="http://schemas.openxmlformats.org/officeDocument/2006/relationships" xmlns:mc="http://schemas.openxmlformats.org/markup-compatibility/2006" xmlns:mv="urn:schemas-microsoft-com:mac:vml" xmlns:p="http://schemas.openxmlformats.org/presentationml/2006/main" xmlns:c="http://schemas.openxmlformats.org/drawingml/2006/chart" xmlns:dgm="http://schemas.openxmlformats.org/drawingml/2006/diagram" xmlns:o="urn:schemas-microsoft-com:office:office" xmlns:v="urn:schemas-microsoft-com:vml" xmlns:pvml="urn:schemas-microsoft-com:office:powerpoint" xmlns:com="http://schemas.openxmlformats.org/drawingml/2006/compatibility" xmlns:p14="http://schemas.microsoft.com/office/powerpoint/2010/main" xmlns:p15="http://schemas.microsoft.com/office/powerpoint/2012/main" showMasterPhAnim="0" showMasterSp="0">
+<p:notes xmlns:a="http://schemas.openxmlformats.org/drawingml/2006/main" xmlns:r="http://schemas.openxmlformats.org/officeDocument/2006/relationships" xmlns:mc="http://schemas.openxmlformats.org/markup-compatibility/2006" xmlns:mv="urn:schemas-microsoft-com:mac:vml" xmlns:p="http://schemas.openxmlformats.org/presentationml/2006/main" xmlns:c="http://schemas.openxmlformats.org/drawingml/2006/chart" xmlns:dgm="http://schemas.openxmlformats.org/drawingml/2006/diagram" xmlns:o="urn:schemas-microsoft-com:office:office" xmlns:v="urn:schemas-microsoft-com:vml" xmlns:pvml="urn:schemas-microsoft-com:office:powerpoint" xmlns:com="http://schemas.openxmlformats.org/drawingml/2006/compatibility" xmlns:p14="http://schemas.microsoft.com/office/powerpoint/2010/main" xmlns:p15="http://schemas.microsoft.com/office/powerpoint/2012/main" xmlns:ahyp="http://schemas.microsoft.com/office/drawing/2018/hyperlinkcolor" showMasterPhAnim="0" showMasterSp="0">
   <p:cSld>
     <p:spTree>
       <p:nvGrpSpPr>
@@ -2938,7 +2938,7 @@
 </file>
 
 <file path=ppt/notesSlides/notesSlide22.xml><?xml version="1.0" encoding="utf-8"?>
-<p:notes xmlns:a="http://schemas.openxmlformats.org/drawingml/2006/main" xmlns:r="http://schemas.openxmlformats.org/officeDocument/2006/relationships" xmlns:mc="http://schemas.openxmlformats.org/markup-compatibility/2006" xmlns:mv="urn:schemas-microsoft-com:mac:vml" xmlns:p="http://schemas.openxmlformats.org/presentationml/2006/main" xmlns:c="http://schemas.openxmlformats.org/drawingml/2006/chart" xmlns:dgm="http://schemas.openxmlformats.org/drawingml/2006/diagram" xmlns:o="urn:schemas-microsoft-com:office:office" xmlns:v="urn:schemas-microsoft-com:vml" xmlns:pvml="urn:schemas-microsoft-com:office:powerpoint" xmlns:com="http://schemas.openxmlformats.org/drawingml/2006/compatibility" xmlns:p14="http://schemas.microsoft.com/office/powerpoint/2010/main" xmlns:p15="http://schemas.microsoft.com/office/powerpoint/2012/main" showMasterPhAnim="0" showMasterSp="0">
+<p:notes xmlns:a="http://schemas.openxmlformats.org/drawingml/2006/main" xmlns:r="http://schemas.openxmlformats.org/officeDocument/2006/relationships" xmlns:mc="http://schemas.openxmlformats.org/markup-compatibility/2006" xmlns:mv="urn:schemas-microsoft-com:mac:vml" xmlns:p="http://schemas.openxmlformats.org/presentationml/2006/main" xmlns:c="http://schemas.openxmlformats.org/drawingml/2006/chart" xmlns:dgm="http://schemas.openxmlformats.org/drawingml/2006/diagram" xmlns:o="urn:schemas-microsoft-com:office:office" xmlns:v="urn:schemas-microsoft-com:vml" xmlns:pvml="urn:schemas-microsoft-com:office:powerpoint" xmlns:com="http://schemas.openxmlformats.org/drawingml/2006/compatibility" xmlns:p14="http://schemas.microsoft.com/office/powerpoint/2010/main" xmlns:p15="http://schemas.microsoft.com/office/powerpoint/2012/main" xmlns:ahyp="http://schemas.microsoft.com/office/drawing/2018/hyperlinkcolor" showMasterPhAnim="0" showMasterSp="0">
   <p:cSld>
     <p:spTree>
       <p:nvGrpSpPr>
@@ -3037,7 +3037,7 @@
 </file>
 
 <file path=ppt/notesSlides/notesSlide23.xml><?xml version="1.0" encoding="utf-8"?>
-<p:notes xmlns:a="http://schemas.openxmlformats.org/drawingml/2006/main" xmlns:r="http://schemas.openxmlformats.org/officeDocument/2006/relationships" xmlns:mc="http://schemas.openxmlformats.org/markup-compatibility/2006" xmlns:mv="urn:schemas-microsoft-com:mac:vml" xmlns:p="http://schemas.openxmlformats.org/presentationml/2006/main" xmlns:c="http://schemas.openxmlformats.org/drawingml/2006/chart" xmlns:dgm="http://schemas.openxmlformats.org/drawingml/2006/diagram" xmlns:o="urn:schemas-microsoft-com:office:office" xmlns:v="urn:schemas-microsoft-com:vml" xmlns:pvml="urn:schemas-microsoft-com:office:powerpoint" xmlns:com="http://schemas.openxmlformats.org/drawingml/2006/compatibility" xmlns:p14="http://schemas.microsoft.com/office/powerpoint/2010/main" xmlns:p15="http://schemas.microsoft.com/office/powerpoint/2012/main" showMasterPhAnim="0" showMasterSp="0">
+<p:notes xmlns:a="http://schemas.openxmlformats.org/drawingml/2006/main" xmlns:r="http://schemas.openxmlformats.org/officeDocument/2006/relationships" xmlns:mc="http://schemas.openxmlformats.org/markup-compatibility/2006" xmlns:mv="urn:schemas-microsoft-com:mac:vml" xmlns:p="http://schemas.openxmlformats.org/presentationml/2006/main" xmlns:c="http://schemas.openxmlformats.org/drawingml/2006/chart" xmlns:dgm="http://schemas.openxmlformats.org/drawingml/2006/diagram" xmlns:o="urn:schemas-microsoft-com:office:office" xmlns:v="urn:schemas-microsoft-com:vml" xmlns:pvml="urn:schemas-microsoft-com:office:powerpoint" xmlns:com="http://schemas.openxmlformats.org/drawingml/2006/compatibility" xmlns:p14="http://schemas.microsoft.com/office/powerpoint/2010/main" xmlns:p15="http://schemas.microsoft.com/office/powerpoint/2012/main" xmlns:ahyp="http://schemas.microsoft.com/office/drawing/2018/hyperlinkcolor" showMasterPhAnim="0" showMasterSp="0">
   <p:cSld>
     <p:spTree>
       <p:nvGrpSpPr>
@@ -3136,7 +3136,7 @@
 </file>
 
 <file path=ppt/notesSlides/notesSlide24.xml><?xml version="1.0" encoding="utf-8"?>
-<p:notes xmlns:a="http://schemas.openxmlformats.org/drawingml/2006/main" xmlns:r="http://schemas.openxmlformats.org/officeDocument/2006/relationships" xmlns:mc="http://schemas.openxmlformats.org/markup-compatibility/2006" xmlns:mv="urn:schemas-microsoft-com:mac:vml" xmlns:p="http://schemas.openxmlformats.org/presentationml/2006/main" xmlns:c="http://schemas.openxmlformats.org/drawingml/2006/chart" xmlns:dgm="http://schemas.openxmlformats.org/drawingml/2006/diagram" xmlns:o="urn:schemas-microsoft-com:office:office" xmlns:v="urn:schemas-microsoft-com:vml" xmlns:pvml="urn:schemas-microsoft-com:office:powerpoint" xmlns:com="http://schemas.openxmlformats.org/drawingml/2006/compatibility" xmlns:p14="http://schemas.microsoft.com/office/powerpoint/2010/main" xmlns:p15="http://schemas.microsoft.com/office/powerpoint/2012/main" showMasterPhAnim="0" showMasterSp="0">
+<p:notes xmlns:a="http://schemas.openxmlformats.org/drawingml/2006/main" xmlns:r="http://schemas.openxmlformats.org/officeDocument/2006/relationships" xmlns:mc="http://schemas.openxmlformats.org/markup-compatibility/2006" xmlns:mv="urn:schemas-microsoft-com:mac:vml" xmlns:p="http://schemas.openxmlformats.org/presentationml/2006/main" xmlns:c="http://schemas.openxmlformats.org/drawingml/2006/chart" xmlns:dgm="http://schemas.openxmlformats.org/drawingml/2006/diagram" xmlns:o="urn:schemas-microsoft-com:office:office" xmlns:v="urn:schemas-microsoft-com:vml" xmlns:pvml="urn:schemas-microsoft-com:office:powerpoint" xmlns:com="http://schemas.openxmlformats.org/drawingml/2006/compatibility" xmlns:p14="http://schemas.microsoft.com/office/powerpoint/2010/main" xmlns:p15="http://schemas.microsoft.com/office/powerpoint/2012/main" xmlns:ahyp="http://schemas.microsoft.com/office/drawing/2018/hyperlinkcolor" showMasterPhAnim="0" showMasterSp="0">
   <p:cSld>
     <p:spTree>
       <p:nvGrpSpPr>
@@ -3235,7 +3235,7 @@
 </file>
 
 <file path=ppt/notesSlides/notesSlide25.xml><?xml version="1.0" encoding="utf-8"?>
-<p:notes xmlns:a="http://schemas.openxmlformats.org/drawingml/2006/main" xmlns:r="http://schemas.openxmlformats.org/officeDocument/2006/relationships" xmlns:mc="http://schemas.openxmlformats.org/markup-compatibility/2006" xmlns:mv="urn:schemas-microsoft-com:mac:vml" xmlns:p="http://schemas.openxmlformats.org/presentationml/2006/main" xmlns:c="http://schemas.openxmlformats.org/drawingml/2006/chart" xmlns:dgm="http://schemas.openxmlformats.org/drawingml/2006/diagram" xmlns:o="urn:schemas-microsoft-com:office:office" xmlns:v="urn:schemas-microsoft-com:vml" xmlns:pvml="urn:schemas-microsoft-com:office:powerpoint" xmlns:com="http://schemas.openxmlformats.org/drawingml/2006/compatibility" xmlns:p14="http://schemas.microsoft.com/office/powerpoint/2010/main" xmlns:p15="http://schemas.microsoft.com/office/powerpoint/2012/main" showMasterPhAnim="0" showMasterSp="0">
+<p:notes xmlns:a="http://schemas.openxmlformats.org/drawingml/2006/main" xmlns:r="http://schemas.openxmlformats.org/officeDocument/2006/relationships" xmlns:mc="http://schemas.openxmlformats.org/markup-compatibility/2006" xmlns:mv="urn:schemas-microsoft-com:mac:vml" xmlns:p="http://schemas.openxmlformats.org/presentationml/2006/main" xmlns:c="http://schemas.openxmlformats.org/drawingml/2006/chart" xmlns:dgm="http://schemas.openxmlformats.org/drawingml/2006/diagram" xmlns:o="urn:schemas-microsoft-com:office:office" xmlns:v="urn:schemas-microsoft-com:vml" xmlns:pvml="urn:schemas-microsoft-com:office:powerpoint" xmlns:com="http://schemas.openxmlformats.org/drawingml/2006/compatibility" xmlns:p14="http://schemas.microsoft.com/office/powerpoint/2010/main" xmlns:p15="http://schemas.microsoft.com/office/powerpoint/2012/main" xmlns:ahyp="http://schemas.microsoft.com/office/drawing/2018/hyperlinkcolor" showMasterPhAnim="0" showMasterSp="0">
   <p:cSld>
     <p:spTree>
       <p:nvGrpSpPr>
@@ -3334,7 +3334,7 @@
 </file>
 
 <file path=ppt/notesSlides/notesSlide26.xml><?xml version="1.0" encoding="utf-8"?>
-<p:notes xmlns:a="http://schemas.openxmlformats.org/drawingml/2006/main" xmlns:r="http://schemas.openxmlformats.org/officeDocument/2006/relationships" xmlns:mc="http://schemas.openxmlformats.org/markup-compatibility/2006" xmlns:mv="urn:schemas-microsoft-com:mac:vml" xmlns:p="http://schemas.openxmlformats.org/presentationml/2006/main" xmlns:c="http://schemas.openxmlformats.org/drawingml/2006/chart" xmlns:dgm="http://schemas.openxmlformats.org/drawingml/2006/diagram" xmlns:o="urn:schemas-microsoft-com:office:office" xmlns:v="urn:schemas-microsoft-com:vml" xmlns:pvml="urn:schemas-microsoft-com:office:powerpoint" xmlns:com="http://schemas.openxmlformats.org/drawingml/2006/compatibility" xmlns:p14="http://schemas.microsoft.com/office/powerpoint/2010/main" xmlns:p15="http://schemas.microsoft.com/office/powerpoint/2012/main" showMasterPhAnim="0" showMasterSp="0">
+<p:notes xmlns:a="http://schemas.openxmlformats.org/drawingml/2006/main" xmlns:r="http://schemas.openxmlformats.org/officeDocument/2006/relationships" xmlns:mc="http://schemas.openxmlformats.org/markup-compatibility/2006" xmlns:mv="urn:schemas-microsoft-com:mac:vml" xmlns:p="http://schemas.openxmlformats.org/presentationml/2006/main" xmlns:c="http://schemas.openxmlformats.org/drawingml/2006/chart" xmlns:dgm="http://schemas.openxmlformats.org/drawingml/2006/diagram" xmlns:o="urn:schemas-microsoft-com:office:office" xmlns:v="urn:schemas-microsoft-com:vml" xmlns:pvml="urn:schemas-microsoft-com:office:powerpoint" xmlns:com="http://schemas.openxmlformats.org/drawingml/2006/compatibility" xmlns:p14="http://schemas.microsoft.com/office/powerpoint/2010/main" xmlns:p15="http://schemas.microsoft.com/office/powerpoint/2012/main" xmlns:ahyp="http://schemas.microsoft.com/office/drawing/2018/hyperlinkcolor" showMasterPhAnim="0" showMasterSp="0">
   <p:cSld>
     <p:spTree>
       <p:nvGrpSpPr>
@@ -3477,7 +3477,7 @@
 </file>
 
 <file path=ppt/notesSlides/notesSlide27.xml><?xml version="1.0" encoding="utf-8"?>
-<p:notes xmlns:a="http://schemas.openxmlformats.org/drawingml/2006/main" xmlns:r="http://schemas.openxmlformats.org/officeDocument/2006/relationships" xmlns:mc="http://schemas.openxmlformats.org/markup-compatibility/2006" xmlns:mv="urn:schemas-microsoft-com:mac:vml" xmlns:p="http://schemas.openxmlformats.org/presentationml/2006/main" xmlns:c="http://schemas.openxmlformats.org/drawingml/2006/chart" xmlns:dgm="http://schemas.openxmlformats.org/drawingml/2006/diagram" xmlns:o="urn:schemas-microsoft-com:office:office" xmlns:v="urn:schemas-microsoft-com:vml" xmlns:pvml="urn:schemas-microsoft-com:office:powerpoint" xmlns:com="http://schemas.openxmlformats.org/drawingml/2006/compatibility" xmlns:p14="http://schemas.microsoft.com/office/powerpoint/2010/main" xmlns:p15="http://schemas.microsoft.com/office/powerpoint/2012/main" showMasterPhAnim="0" showMasterSp="0">
+<p:notes xmlns:a="http://schemas.openxmlformats.org/drawingml/2006/main" xmlns:r="http://schemas.openxmlformats.org/officeDocument/2006/relationships" xmlns:mc="http://schemas.openxmlformats.org/markup-compatibility/2006" xmlns:mv="urn:schemas-microsoft-com:mac:vml" xmlns:p="http://schemas.openxmlformats.org/presentationml/2006/main" xmlns:c="http://schemas.openxmlformats.org/drawingml/2006/chart" xmlns:dgm="http://schemas.openxmlformats.org/drawingml/2006/diagram" xmlns:o="urn:schemas-microsoft-com:office:office" xmlns:v="urn:schemas-microsoft-com:vml" xmlns:pvml="urn:schemas-microsoft-com:office:powerpoint" xmlns:com="http://schemas.openxmlformats.org/drawingml/2006/compatibility" xmlns:p14="http://schemas.microsoft.com/office/powerpoint/2010/main" xmlns:p15="http://schemas.microsoft.com/office/powerpoint/2012/main" xmlns:ahyp="http://schemas.microsoft.com/office/drawing/2018/hyperlinkcolor" showMasterPhAnim="0" showMasterSp="0">
   <p:cSld>
     <p:spTree>
       <p:nvGrpSpPr>
@@ -3576,7 +3576,7 @@
 </file>
 
 <file path=ppt/notesSlides/notesSlide3.xml><?xml version="1.0" encoding="utf-8"?>
-<p:notes xmlns:a="http://schemas.openxmlformats.org/drawingml/2006/main" xmlns:r="http://schemas.openxmlformats.org/officeDocument/2006/relationships" xmlns:mc="http://schemas.openxmlformats.org/markup-compatibility/2006" xmlns:mv="urn:schemas-microsoft-com:mac:vml" xmlns:p="http://schemas.openxmlformats.org/presentationml/2006/main" xmlns:c="http://schemas.openxmlformats.org/drawingml/2006/chart" xmlns:dgm="http://schemas.openxmlformats.org/drawingml/2006/diagram" xmlns:o="urn:schemas-microsoft-com:office:office" xmlns:v="urn:schemas-microsoft-com:vml" xmlns:pvml="urn:schemas-microsoft-com:office:powerpoint" xmlns:com="http://schemas.openxmlformats.org/drawingml/2006/compatibility" xmlns:p14="http://schemas.microsoft.com/office/powerpoint/2010/main" xmlns:p15="http://schemas.microsoft.com/office/powerpoint/2012/main" showMasterPhAnim="0" showMasterSp="0">
+<p:notes xmlns:a="http://schemas.openxmlformats.org/drawingml/2006/main" xmlns:r="http://schemas.openxmlformats.org/officeDocument/2006/relationships" xmlns:mc="http://schemas.openxmlformats.org/markup-compatibility/2006" xmlns:mv="urn:schemas-microsoft-com:mac:vml" xmlns:p="http://schemas.openxmlformats.org/presentationml/2006/main" xmlns:c="http://schemas.openxmlformats.org/drawingml/2006/chart" xmlns:dgm="http://schemas.openxmlformats.org/drawingml/2006/diagram" xmlns:o="urn:schemas-microsoft-com:office:office" xmlns:v="urn:schemas-microsoft-com:vml" xmlns:pvml="urn:schemas-microsoft-com:office:powerpoint" xmlns:com="http://schemas.openxmlformats.org/drawingml/2006/compatibility" xmlns:p14="http://schemas.microsoft.com/office/powerpoint/2010/main" xmlns:p15="http://schemas.microsoft.com/office/powerpoint/2012/main" xmlns:ahyp="http://schemas.microsoft.com/office/drawing/2018/hyperlinkcolor" showMasterPhAnim="0" showMasterSp="0">
   <p:cSld>
     <p:spTree>
       <p:nvGrpSpPr>
@@ -3675,7 +3675,7 @@
 </file>
 
 <file path=ppt/notesSlides/notesSlide4.xml><?xml version="1.0" encoding="utf-8"?>
-<p:notes xmlns:a="http://schemas.openxmlformats.org/drawingml/2006/main" xmlns:r="http://schemas.openxmlformats.org/officeDocument/2006/relationships" xmlns:mc="http://schemas.openxmlformats.org/markup-compatibility/2006" xmlns:mv="urn:schemas-microsoft-com:mac:vml" xmlns:p="http://schemas.openxmlformats.org/presentationml/2006/main" xmlns:c="http://schemas.openxmlformats.org/drawingml/2006/chart" xmlns:dgm="http://schemas.openxmlformats.org/drawingml/2006/diagram" xmlns:o="urn:schemas-microsoft-com:office:office" xmlns:v="urn:schemas-microsoft-com:vml" xmlns:pvml="urn:schemas-microsoft-com:office:powerpoint" xmlns:com="http://schemas.openxmlformats.org/drawingml/2006/compatibility" xmlns:p14="http://schemas.microsoft.com/office/powerpoint/2010/main" xmlns:p15="http://schemas.microsoft.com/office/powerpoint/2012/main" showMasterPhAnim="0" showMasterSp="0">
+<p:notes xmlns:a="http://schemas.openxmlformats.org/drawingml/2006/main" xmlns:r="http://schemas.openxmlformats.org/officeDocument/2006/relationships" xmlns:mc="http://schemas.openxmlformats.org/markup-compatibility/2006" xmlns:mv="urn:schemas-microsoft-com:mac:vml" xmlns:p="http://schemas.openxmlformats.org/presentationml/2006/main" xmlns:c="http://schemas.openxmlformats.org/drawingml/2006/chart" xmlns:dgm="http://schemas.openxmlformats.org/drawingml/2006/diagram" xmlns:o="urn:schemas-microsoft-com:office:office" xmlns:v="urn:schemas-microsoft-com:vml" xmlns:pvml="urn:schemas-microsoft-com:office:powerpoint" xmlns:com="http://schemas.openxmlformats.org/drawingml/2006/compatibility" xmlns:p14="http://schemas.microsoft.com/office/powerpoint/2010/main" xmlns:p15="http://schemas.microsoft.com/office/powerpoint/2012/main" xmlns:ahyp="http://schemas.microsoft.com/office/drawing/2018/hyperlinkcolor" showMasterPhAnim="0" showMasterSp="0">
   <p:cSld>
     <p:spTree>
       <p:nvGrpSpPr>
@@ -3774,7 +3774,7 @@
 </file>
 
 <file path=ppt/notesSlides/notesSlide5.xml><?xml version="1.0" encoding="utf-8"?>
-<p:notes xmlns:a="http://schemas.openxmlformats.org/drawingml/2006/main" xmlns:r="http://schemas.openxmlformats.org/officeDocument/2006/relationships" xmlns:mc="http://schemas.openxmlformats.org/markup-compatibility/2006" xmlns:mv="urn:schemas-microsoft-com:mac:vml" xmlns:p="http://schemas.openxmlformats.org/presentationml/2006/main" xmlns:c="http://schemas.openxmlformats.org/drawingml/2006/chart" xmlns:dgm="http://schemas.openxmlformats.org/drawingml/2006/diagram" xmlns:o="urn:schemas-microsoft-com:office:office" xmlns:v="urn:schemas-microsoft-com:vml" xmlns:pvml="urn:schemas-microsoft-com:office:powerpoint" xmlns:com="http://schemas.openxmlformats.org/drawingml/2006/compatibility" xmlns:p14="http://schemas.microsoft.com/office/powerpoint/2010/main" xmlns:p15="http://schemas.microsoft.com/office/powerpoint/2012/main" showMasterPhAnim="0" showMasterSp="0">
+<p:notes xmlns:a="http://schemas.openxmlformats.org/drawingml/2006/main" xmlns:r="http://schemas.openxmlformats.org/officeDocument/2006/relationships" xmlns:mc="http://schemas.openxmlformats.org/markup-compatibility/2006" xmlns:mv="urn:schemas-microsoft-com:mac:vml" xmlns:p="http://schemas.openxmlformats.org/presentationml/2006/main" xmlns:c="http://schemas.openxmlformats.org/drawingml/2006/chart" xmlns:dgm="http://schemas.openxmlformats.org/drawingml/2006/diagram" xmlns:o="urn:schemas-microsoft-com:office:office" xmlns:v="urn:schemas-microsoft-com:vml" xmlns:pvml="urn:schemas-microsoft-com:office:powerpoint" xmlns:com="http://schemas.openxmlformats.org/drawingml/2006/compatibility" xmlns:p14="http://schemas.microsoft.com/office/powerpoint/2010/main" xmlns:p15="http://schemas.microsoft.com/office/powerpoint/2012/main" xmlns:ahyp="http://schemas.microsoft.com/office/drawing/2018/hyperlinkcolor" showMasterPhAnim="0" showMasterSp="0">
   <p:cSld>
     <p:spTree>
       <p:nvGrpSpPr>
@@ -3873,7 +3873,7 @@
 </file>
 
 <file path=ppt/notesSlides/notesSlide6.xml><?xml version="1.0" encoding="utf-8"?>
-<p:notes xmlns:a="http://schemas.openxmlformats.org/drawingml/2006/main" xmlns:r="http://schemas.openxmlformats.org/officeDocument/2006/relationships" xmlns:mc="http://schemas.openxmlformats.org/markup-compatibility/2006" xmlns:mv="urn:schemas-microsoft-com:mac:vml" xmlns:p="http://schemas.openxmlformats.org/presentationml/2006/main" xmlns:c="http://schemas.openxmlformats.org/drawingml/2006/chart" xmlns:dgm="http://schemas.openxmlformats.org/drawingml/2006/diagram" xmlns:o="urn:schemas-microsoft-com:office:office" xmlns:v="urn:schemas-microsoft-com:vml" xmlns:pvml="urn:schemas-microsoft-com:office:powerpoint" xmlns:com="http://schemas.openxmlformats.org/drawingml/2006/compatibility" xmlns:p14="http://schemas.microsoft.com/office/powerpoint/2010/main" xmlns:p15="http://schemas.microsoft.com/office/powerpoint/2012/main" showMasterPhAnim="0" showMasterSp="0">
+<p:notes xmlns:a="http://schemas.openxmlformats.org/drawingml/2006/main" xmlns:r="http://schemas.openxmlformats.org/officeDocument/2006/relationships" xmlns:mc="http://schemas.openxmlformats.org/markup-compatibility/2006" xmlns:mv="urn:schemas-microsoft-com:mac:vml" xmlns:p="http://schemas.openxmlformats.org/presentationml/2006/main" xmlns:c="http://schemas.openxmlformats.org/drawingml/2006/chart" xmlns:dgm="http://schemas.openxmlformats.org/drawingml/2006/diagram" xmlns:o="urn:schemas-microsoft-com:office:office" xmlns:v="urn:schemas-microsoft-com:vml" xmlns:pvml="urn:schemas-microsoft-com:office:powerpoint" xmlns:com="http://schemas.openxmlformats.org/drawingml/2006/compatibility" xmlns:p14="http://schemas.microsoft.com/office/powerpoint/2010/main" xmlns:p15="http://schemas.microsoft.com/office/powerpoint/2012/main" xmlns:ahyp="http://schemas.microsoft.com/office/drawing/2018/hyperlinkcolor" showMasterPhAnim="0" showMasterSp="0">
   <p:cSld>
     <p:spTree>
       <p:nvGrpSpPr>
@@ -3972,7 +3972,7 @@
 </file>
 
 <file path=ppt/notesSlides/notesSlide7.xml><?xml version="1.0" encoding="utf-8"?>
-<p:notes xmlns:a="http://schemas.openxmlformats.org/drawingml/2006/main" xmlns:r="http://schemas.openxmlformats.org/officeDocument/2006/relationships" xmlns:mc="http://schemas.openxmlformats.org/markup-compatibility/2006" xmlns:mv="urn:schemas-microsoft-com:mac:vml" xmlns:p="http://schemas.openxmlformats.org/presentationml/2006/main" xmlns:c="http://schemas.openxmlformats.org/drawingml/2006/chart" xmlns:dgm="http://schemas.openxmlformats.org/drawingml/2006/diagram" xmlns:o="urn:schemas-microsoft-com:office:office" xmlns:v="urn:schemas-microsoft-com:vml" xmlns:pvml="urn:schemas-microsoft-com:office:powerpoint" xmlns:com="http://schemas.openxmlformats.org/drawingml/2006/compatibility" xmlns:p14="http://schemas.microsoft.com/office/powerpoint/2010/main" xmlns:p15="http://schemas.microsoft.com/office/powerpoint/2012/main" showMasterPhAnim="0" showMasterSp="0">
+<p:notes xmlns:a="http://schemas.openxmlformats.org/drawingml/2006/main" xmlns:r="http://schemas.openxmlformats.org/officeDocument/2006/relationships" xmlns:mc="http://schemas.openxmlformats.org/markup-compatibility/2006" xmlns:mv="urn:schemas-microsoft-com:mac:vml" xmlns:p="http://schemas.openxmlformats.org/presentationml/2006/main" xmlns:c="http://schemas.openxmlformats.org/drawingml/2006/chart" xmlns:dgm="http://schemas.openxmlformats.org/drawingml/2006/diagram" xmlns:o="urn:schemas-microsoft-com:office:office" xmlns:v="urn:schemas-microsoft-com:vml" xmlns:pvml="urn:schemas-microsoft-com:office:powerpoint" xmlns:com="http://schemas.openxmlformats.org/drawingml/2006/compatibility" xmlns:p14="http://schemas.microsoft.com/office/powerpoint/2010/main" xmlns:p15="http://schemas.microsoft.com/office/powerpoint/2012/main" xmlns:ahyp="http://schemas.microsoft.com/office/drawing/2018/hyperlinkcolor" showMasterPhAnim="0" showMasterSp="0">
   <p:cSld>
     <p:spTree>
       <p:nvGrpSpPr>
@@ -4071,7 +4071,7 @@
 </file>
 
 <file path=ppt/notesSlides/notesSlide8.xml><?xml version="1.0" encoding="utf-8"?>
-<p:notes xmlns:a="http://schemas.openxmlformats.org/drawingml/2006/main" xmlns:r="http://schemas.openxmlformats.org/officeDocument/2006/relationships" xmlns:mc="http://schemas.openxmlformats.org/markup-compatibility/2006" xmlns:mv="urn:schemas-microsoft-com:mac:vml" xmlns:p="http://schemas.openxmlformats.org/presentationml/2006/main" xmlns:c="http://schemas.openxmlformats.org/drawingml/2006/chart" xmlns:dgm="http://schemas.openxmlformats.org/drawingml/2006/diagram" xmlns:o="urn:schemas-microsoft-com:office:office" xmlns:v="urn:schemas-microsoft-com:vml" xmlns:pvml="urn:schemas-microsoft-com:office:powerpoint" xmlns:com="http://schemas.openxmlformats.org/drawingml/2006/compatibility" xmlns:p14="http://schemas.microsoft.com/office/powerpoint/2010/main" xmlns:p15="http://schemas.microsoft.com/office/powerpoint/2012/main" showMasterPhAnim="0" showMasterSp="0">
+<p:notes xmlns:a="http://schemas.openxmlformats.org/drawingml/2006/main" xmlns:r="http://schemas.openxmlformats.org/officeDocument/2006/relationships" xmlns:mc="http://schemas.openxmlformats.org/markup-compatibility/2006" xmlns:mv="urn:schemas-microsoft-com:mac:vml" xmlns:p="http://schemas.openxmlformats.org/presentationml/2006/main" xmlns:c="http://schemas.openxmlformats.org/drawingml/2006/chart" xmlns:dgm="http://schemas.openxmlformats.org/drawingml/2006/diagram" xmlns:o="urn:schemas-microsoft-com:office:office" xmlns:v="urn:schemas-microsoft-com:vml" xmlns:pvml="urn:schemas-microsoft-com:office:powerpoint" xmlns:com="http://schemas.openxmlformats.org/drawingml/2006/compatibility" xmlns:p14="http://schemas.microsoft.com/office/powerpoint/2010/main" xmlns:p15="http://schemas.microsoft.com/office/powerpoint/2012/main" xmlns:ahyp="http://schemas.microsoft.com/office/drawing/2018/hyperlinkcolor" showMasterPhAnim="0" showMasterSp="0">
   <p:cSld>
     <p:spTree>
       <p:nvGrpSpPr>
@@ -4170,7 +4170,7 @@
 </file>
 
 <file path=ppt/notesSlides/notesSlide9.xml><?xml version="1.0" encoding="utf-8"?>
-<p:notes xmlns:a="http://schemas.openxmlformats.org/drawingml/2006/main" xmlns:r="http://schemas.openxmlformats.org/officeDocument/2006/relationships" xmlns:mc="http://schemas.openxmlformats.org/markup-compatibility/2006" xmlns:mv="urn:schemas-microsoft-com:mac:vml" xmlns:p="http://schemas.openxmlformats.org/presentationml/2006/main" xmlns:c="http://schemas.openxmlformats.org/drawingml/2006/chart" xmlns:dgm="http://schemas.openxmlformats.org/drawingml/2006/diagram" xmlns:o="urn:schemas-microsoft-com:office:office" xmlns:v="urn:schemas-microsoft-com:vml" xmlns:pvml="urn:schemas-microsoft-com:office:powerpoint" xmlns:com="http://schemas.openxmlformats.org/drawingml/2006/compatibility" xmlns:p14="http://schemas.microsoft.com/office/powerpoint/2010/main" xmlns:p15="http://schemas.microsoft.com/office/powerpoint/2012/main" showMasterPhAnim="0" showMasterSp="0">
+<p:notes xmlns:a="http://schemas.openxmlformats.org/drawingml/2006/main" xmlns:r="http://schemas.openxmlformats.org/officeDocument/2006/relationships" xmlns:mc="http://schemas.openxmlformats.org/markup-compatibility/2006" xmlns:mv="urn:schemas-microsoft-com:mac:vml" xmlns:p="http://schemas.openxmlformats.org/presentationml/2006/main" xmlns:c="http://schemas.openxmlformats.org/drawingml/2006/chart" xmlns:dgm="http://schemas.openxmlformats.org/drawingml/2006/diagram" xmlns:o="urn:schemas-microsoft-com:office:office" xmlns:v="urn:schemas-microsoft-com:vml" xmlns:pvml="urn:schemas-microsoft-com:office:powerpoint" xmlns:com="http://schemas.openxmlformats.org/drawingml/2006/compatibility" xmlns:p14="http://schemas.microsoft.com/office/powerpoint/2010/main" xmlns:p15="http://schemas.microsoft.com/office/powerpoint/2012/main" xmlns:ahyp="http://schemas.microsoft.com/office/drawing/2018/hyperlinkcolor" showMasterPhAnim="0" showMasterSp="0">
   <p:cSld>
     <p:spTree>
       <p:nvGrpSpPr>
@@ -4269,7 +4269,7 @@
 </file>
 
 <file path=ppt/slideLayouts/slideLayout1.xml><?xml version="1.0" encoding="utf-8"?>
-<p:sldLayout xmlns:a="http://schemas.openxmlformats.org/drawingml/2006/main" xmlns:r="http://schemas.openxmlformats.org/officeDocument/2006/relationships" xmlns:mc="http://schemas.openxmlformats.org/markup-compatibility/2006" xmlns:mv="urn:schemas-microsoft-com:mac:vml" xmlns:p="http://schemas.openxmlformats.org/presentationml/2006/main" xmlns:c="http://schemas.openxmlformats.org/drawingml/2006/chart" xmlns:dgm="http://schemas.openxmlformats.org/drawingml/2006/diagram" xmlns:o="urn:schemas-microsoft-com:office:office" xmlns:v="urn:schemas-microsoft-com:vml" xmlns:pvml="urn:schemas-microsoft-com:office:powerpoint" xmlns:com="http://schemas.openxmlformats.org/drawingml/2006/compatibility" xmlns:p14="http://schemas.microsoft.com/office/powerpoint/2010/main" xmlns:p15="http://schemas.microsoft.com/office/powerpoint/2012/main" matchingName="Title Slide" type="title">
+<p:sldLayout xmlns:a="http://schemas.openxmlformats.org/drawingml/2006/main" xmlns:r="http://schemas.openxmlformats.org/officeDocument/2006/relationships" xmlns:mc="http://schemas.openxmlformats.org/markup-compatibility/2006" xmlns:mv="urn:schemas-microsoft-com:mac:vml" xmlns:p="http://schemas.openxmlformats.org/presentationml/2006/main" xmlns:c="http://schemas.openxmlformats.org/drawingml/2006/chart" xmlns:dgm="http://schemas.openxmlformats.org/drawingml/2006/diagram" xmlns:o="urn:schemas-microsoft-com:office:office" xmlns:v="urn:schemas-microsoft-com:vml" xmlns:pvml="urn:schemas-microsoft-com:office:powerpoint" xmlns:com="http://schemas.openxmlformats.org/drawingml/2006/compatibility" xmlns:p14="http://schemas.microsoft.com/office/powerpoint/2010/main" xmlns:p15="http://schemas.microsoft.com/office/powerpoint/2012/main" xmlns:ahyp="http://schemas.microsoft.com/office/drawing/2018/hyperlinkcolor" matchingName="Title Slide" type="title">
   <p:cSld name="TITLE">
     <p:spTree>
       <p:nvGrpSpPr>
@@ -4618,7 +4618,7 @@
 </file>
 
 <file path=ppt/slideLayouts/slideLayout10.xml><?xml version="1.0" encoding="utf-8"?>
-<p:sldLayout xmlns:a="http://schemas.openxmlformats.org/drawingml/2006/main" xmlns:r="http://schemas.openxmlformats.org/officeDocument/2006/relationships" xmlns:mc="http://schemas.openxmlformats.org/markup-compatibility/2006" xmlns:mv="urn:schemas-microsoft-com:mac:vml" xmlns:p="http://schemas.openxmlformats.org/presentationml/2006/main" xmlns:c="http://schemas.openxmlformats.org/drawingml/2006/chart" xmlns:dgm="http://schemas.openxmlformats.org/drawingml/2006/diagram" xmlns:o="urn:schemas-microsoft-com:office:office" xmlns:v="urn:schemas-microsoft-com:vml" xmlns:pvml="urn:schemas-microsoft-com:office:powerpoint" xmlns:com="http://schemas.openxmlformats.org/drawingml/2006/compatibility" xmlns:p14="http://schemas.microsoft.com/office/powerpoint/2010/main" xmlns:p15="http://schemas.microsoft.com/office/powerpoint/2012/main" matchingName="Title and Vertical Text" type="vertTx">
+<p:sldLayout xmlns:a="http://schemas.openxmlformats.org/drawingml/2006/main" xmlns:r="http://schemas.openxmlformats.org/officeDocument/2006/relationships" xmlns:mc="http://schemas.openxmlformats.org/markup-compatibility/2006" xmlns:mv="urn:schemas-microsoft-com:mac:vml" xmlns:p="http://schemas.openxmlformats.org/presentationml/2006/main" xmlns:c="http://schemas.openxmlformats.org/drawingml/2006/chart" xmlns:dgm="http://schemas.openxmlformats.org/drawingml/2006/diagram" xmlns:o="urn:schemas-microsoft-com:office:office" xmlns:v="urn:schemas-microsoft-com:vml" xmlns:pvml="urn:schemas-microsoft-com:office:powerpoint" xmlns:com="http://schemas.openxmlformats.org/drawingml/2006/compatibility" xmlns:p14="http://schemas.microsoft.com/office/powerpoint/2010/main" xmlns:p15="http://schemas.microsoft.com/office/powerpoint/2012/main" xmlns:ahyp="http://schemas.microsoft.com/office/drawing/2018/hyperlinkcolor" matchingName="Title and Vertical Text" type="vertTx">
   <p:cSld name="VERTICAL_TEXT">
     <p:spTree>
       <p:nvGrpSpPr>
@@ -5513,7 +5513,7 @@
 </file>
 
 <file path=ppt/slideLayouts/slideLayout11.xml><?xml version="1.0" encoding="utf-8"?>
-<p:sldLayout xmlns:a="http://schemas.openxmlformats.org/drawingml/2006/main" xmlns:r="http://schemas.openxmlformats.org/officeDocument/2006/relationships" xmlns:mc="http://schemas.openxmlformats.org/markup-compatibility/2006" xmlns:mv="urn:schemas-microsoft-com:mac:vml" xmlns:p="http://schemas.openxmlformats.org/presentationml/2006/main" xmlns:c="http://schemas.openxmlformats.org/drawingml/2006/chart" xmlns:dgm="http://schemas.openxmlformats.org/drawingml/2006/diagram" xmlns:o="urn:schemas-microsoft-com:office:office" xmlns:v="urn:schemas-microsoft-com:vml" xmlns:pvml="urn:schemas-microsoft-com:office:powerpoint" xmlns:com="http://schemas.openxmlformats.org/drawingml/2006/compatibility" xmlns:p14="http://schemas.microsoft.com/office/powerpoint/2010/main" xmlns:p15="http://schemas.microsoft.com/office/powerpoint/2012/main" matchingName="Vertical Title and Text" type="vertTitleAndTx">
+<p:sldLayout xmlns:a="http://schemas.openxmlformats.org/drawingml/2006/main" xmlns:r="http://schemas.openxmlformats.org/officeDocument/2006/relationships" xmlns:mc="http://schemas.openxmlformats.org/markup-compatibility/2006" xmlns:mv="urn:schemas-microsoft-com:mac:vml" xmlns:p="http://schemas.openxmlformats.org/presentationml/2006/main" xmlns:c="http://schemas.openxmlformats.org/drawingml/2006/chart" xmlns:dgm="http://schemas.openxmlformats.org/drawingml/2006/diagram" xmlns:o="urn:schemas-microsoft-com:office:office" xmlns:v="urn:schemas-microsoft-com:vml" xmlns:pvml="urn:schemas-microsoft-com:office:powerpoint" xmlns:com="http://schemas.openxmlformats.org/drawingml/2006/compatibility" xmlns:p14="http://schemas.microsoft.com/office/powerpoint/2010/main" xmlns:p15="http://schemas.microsoft.com/office/powerpoint/2012/main" xmlns:ahyp="http://schemas.microsoft.com/office/drawing/2018/hyperlinkcolor" matchingName="Vertical Title and Text" type="vertTitleAndTx">
   <p:cSld name="VERTICAL_TITLE_AND_VERTICAL_TEXT">
     <p:spTree>
       <p:nvGrpSpPr>
@@ -6408,7 +6408,7 @@
 </file>
 
 <file path=ppt/slideLayouts/slideLayout2.xml><?xml version="1.0" encoding="utf-8"?>
-<p:sldLayout xmlns:a="http://schemas.openxmlformats.org/drawingml/2006/main" xmlns:r="http://schemas.openxmlformats.org/officeDocument/2006/relationships" xmlns:mc="http://schemas.openxmlformats.org/markup-compatibility/2006" xmlns:mv="urn:schemas-microsoft-com:mac:vml" xmlns:p="http://schemas.openxmlformats.org/presentationml/2006/main" xmlns:c="http://schemas.openxmlformats.org/drawingml/2006/chart" xmlns:dgm="http://schemas.openxmlformats.org/drawingml/2006/diagram" xmlns:o="urn:schemas-microsoft-com:office:office" xmlns:v="urn:schemas-microsoft-com:vml" xmlns:pvml="urn:schemas-microsoft-com:office:powerpoint" xmlns:com="http://schemas.openxmlformats.org/drawingml/2006/compatibility" xmlns:p14="http://schemas.microsoft.com/office/powerpoint/2010/main" xmlns:p15="http://schemas.microsoft.com/office/powerpoint/2012/main" matchingName="Title and Content" type="obj">
+<p:sldLayout xmlns:a="http://schemas.openxmlformats.org/drawingml/2006/main" xmlns:r="http://schemas.openxmlformats.org/officeDocument/2006/relationships" xmlns:mc="http://schemas.openxmlformats.org/markup-compatibility/2006" xmlns:mv="urn:schemas-microsoft-com:mac:vml" xmlns:p="http://schemas.openxmlformats.org/presentationml/2006/main" xmlns:c="http://schemas.openxmlformats.org/drawingml/2006/chart" xmlns:dgm="http://schemas.openxmlformats.org/drawingml/2006/diagram" xmlns:o="urn:schemas-microsoft-com:office:office" xmlns:v="urn:schemas-microsoft-com:vml" xmlns:pvml="urn:schemas-microsoft-com:office:powerpoint" xmlns:com="http://schemas.openxmlformats.org/drawingml/2006/compatibility" xmlns:p14="http://schemas.microsoft.com/office/powerpoint/2010/main" xmlns:p15="http://schemas.microsoft.com/office/powerpoint/2012/main" xmlns:ahyp="http://schemas.microsoft.com/office/drawing/2018/hyperlinkcolor" matchingName="Title and Content" type="obj">
   <p:cSld name="OBJECT">
     <p:spTree>
       <p:nvGrpSpPr>
@@ -7303,7 +7303,7 @@
 </file>
 
 <file path=ppt/slideLayouts/slideLayout3.xml><?xml version="1.0" encoding="utf-8"?>
-<p:sldLayout xmlns:a="http://schemas.openxmlformats.org/drawingml/2006/main" xmlns:r="http://schemas.openxmlformats.org/officeDocument/2006/relationships" xmlns:mc="http://schemas.openxmlformats.org/markup-compatibility/2006" xmlns:mv="urn:schemas-microsoft-com:mac:vml" xmlns:p="http://schemas.openxmlformats.org/presentationml/2006/main" xmlns:c="http://schemas.openxmlformats.org/drawingml/2006/chart" xmlns:dgm="http://schemas.openxmlformats.org/drawingml/2006/diagram" xmlns:o="urn:schemas-microsoft-com:office:office" xmlns:v="urn:schemas-microsoft-com:vml" xmlns:pvml="urn:schemas-microsoft-com:office:powerpoint" xmlns:com="http://schemas.openxmlformats.org/drawingml/2006/compatibility" xmlns:p14="http://schemas.microsoft.com/office/powerpoint/2010/main" xmlns:p15="http://schemas.microsoft.com/office/powerpoint/2012/main" matchingName="Section Header" type="secHead">
+<p:sldLayout xmlns:a="http://schemas.openxmlformats.org/drawingml/2006/main" xmlns:r="http://schemas.openxmlformats.org/officeDocument/2006/relationships" xmlns:mc="http://schemas.openxmlformats.org/markup-compatibility/2006" xmlns:mv="urn:schemas-microsoft-com:mac:vml" xmlns:p="http://schemas.openxmlformats.org/presentationml/2006/main" xmlns:c="http://schemas.openxmlformats.org/drawingml/2006/chart" xmlns:dgm="http://schemas.openxmlformats.org/drawingml/2006/diagram" xmlns:o="urn:schemas-microsoft-com:office:office" xmlns:v="urn:schemas-microsoft-com:vml" xmlns:pvml="urn:schemas-microsoft-com:office:powerpoint" xmlns:com="http://schemas.openxmlformats.org/drawingml/2006/compatibility" xmlns:p14="http://schemas.microsoft.com/office/powerpoint/2010/main" xmlns:p15="http://schemas.microsoft.com/office/powerpoint/2012/main" xmlns:ahyp="http://schemas.microsoft.com/office/drawing/2018/hyperlinkcolor" matchingName="Section Header" type="secHead">
   <p:cSld name="SECTION_HEADER">
     <p:spTree>
       <p:nvGrpSpPr>
@@ -8235,7 +8235,7 @@
 </file>
 
 <file path=ppt/slideLayouts/slideLayout4.xml><?xml version="1.0" encoding="utf-8"?>
-<p:sldLayout xmlns:a="http://schemas.openxmlformats.org/drawingml/2006/main" xmlns:r="http://schemas.openxmlformats.org/officeDocument/2006/relationships" xmlns:mc="http://schemas.openxmlformats.org/markup-compatibility/2006" xmlns:mv="urn:schemas-microsoft-com:mac:vml" xmlns:p="http://schemas.openxmlformats.org/presentationml/2006/main" xmlns:c="http://schemas.openxmlformats.org/drawingml/2006/chart" xmlns:dgm="http://schemas.openxmlformats.org/drawingml/2006/diagram" xmlns:o="urn:schemas-microsoft-com:office:office" xmlns:v="urn:schemas-microsoft-com:vml" xmlns:pvml="urn:schemas-microsoft-com:office:powerpoint" xmlns:com="http://schemas.openxmlformats.org/drawingml/2006/compatibility" xmlns:p14="http://schemas.microsoft.com/office/powerpoint/2010/main" xmlns:p15="http://schemas.microsoft.com/office/powerpoint/2012/main" matchingName="Two Content" type="twoObj">
+<p:sldLayout xmlns:a="http://schemas.openxmlformats.org/drawingml/2006/main" xmlns:r="http://schemas.openxmlformats.org/officeDocument/2006/relationships" xmlns:mc="http://schemas.openxmlformats.org/markup-compatibility/2006" xmlns:mv="urn:schemas-microsoft-com:mac:vml" xmlns:p="http://schemas.openxmlformats.org/presentationml/2006/main" xmlns:c="http://schemas.openxmlformats.org/drawingml/2006/chart" xmlns:dgm="http://schemas.openxmlformats.org/drawingml/2006/diagram" xmlns:o="urn:schemas-microsoft-com:office:office" xmlns:v="urn:schemas-microsoft-com:vml" xmlns:pvml="urn:schemas-microsoft-com:office:powerpoint" xmlns:com="http://schemas.openxmlformats.org/drawingml/2006/compatibility" xmlns:p14="http://schemas.microsoft.com/office/powerpoint/2010/main" xmlns:p15="http://schemas.microsoft.com/office/powerpoint/2012/main" xmlns:ahyp="http://schemas.microsoft.com/office/drawing/2018/hyperlinkcolor" matchingName="Two Content" type="twoObj">
   <p:cSld name="TWO_OBJECTS">
     <p:spTree>
       <p:nvGrpSpPr>
@@ -9286,7 +9286,7 @@
 </file>
 
 <file path=ppt/slideLayouts/slideLayout5.xml><?xml version="1.0" encoding="utf-8"?>
-<p:sldLayout xmlns:a="http://schemas.openxmlformats.org/drawingml/2006/main" xmlns:r="http://schemas.openxmlformats.org/officeDocument/2006/relationships" xmlns:mc="http://schemas.openxmlformats.org/markup-compatibility/2006" xmlns:mv="urn:schemas-microsoft-com:mac:vml" xmlns:p="http://schemas.openxmlformats.org/presentationml/2006/main" xmlns:c="http://schemas.openxmlformats.org/drawingml/2006/chart" xmlns:dgm="http://schemas.openxmlformats.org/drawingml/2006/diagram" xmlns:o="urn:schemas-microsoft-com:office:office" xmlns:v="urn:schemas-microsoft-com:vml" xmlns:pvml="urn:schemas-microsoft-com:office:powerpoint" xmlns:com="http://schemas.openxmlformats.org/drawingml/2006/compatibility" xmlns:p14="http://schemas.microsoft.com/office/powerpoint/2010/main" xmlns:p15="http://schemas.microsoft.com/office/powerpoint/2012/main" matchingName="Comparison" type="twoTxTwoObj">
+<p:sldLayout xmlns:a="http://schemas.openxmlformats.org/drawingml/2006/main" xmlns:r="http://schemas.openxmlformats.org/officeDocument/2006/relationships" xmlns:mc="http://schemas.openxmlformats.org/markup-compatibility/2006" xmlns:mv="urn:schemas-microsoft-com:mac:vml" xmlns:p="http://schemas.openxmlformats.org/presentationml/2006/main" xmlns:c="http://schemas.openxmlformats.org/drawingml/2006/chart" xmlns:dgm="http://schemas.openxmlformats.org/drawingml/2006/diagram" xmlns:o="urn:schemas-microsoft-com:office:office" xmlns:v="urn:schemas-microsoft-com:vml" xmlns:pvml="urn:schemas-microsoft-com:office:powerpoint" xmlns:com="http://schemas.openxmlformats.org/drawingml/2006/compatibility" xmlns:p14="http://schemas.microsoft.com/office/powerpoint/2010/main" xmlns:p15="http://schemas.microsoft.com/office/powerpoint/2012/main" xmlns:ahyp="http://schemas.microsoft.com/office/drawing/2018/hyperlinkcolor" matchingName="Comparison" type="twoTxTwoObj">
   <p:cSld name="TWO_OBJECTS_WITH_TEXT">
     <p:spTree>
       <p:nvGrpSpPr>
@@ -10650,7 +10650,7 @@
 </file>
 
 <file path=ppt/slideLayouts/slideLayout6.xml><?xml version="1.0" encoding="utf-8"?>
-<p:sldLayout xmlns:a="http://schemas.openxmlformats.org/drawingml/2006/main" xmlns:r="http://schemas.openxmlformats.org/officeDocument/2006/relationships" xmlns:mc="http://schemas.openxmlformats.org/markup-compatibility/2006" xmlns:mv="urn:schemas-microsoft-com:mac:vml" xmlns:p="http://schemas.openxmlformats.org/presentationml/2006/main" xmlns:c="http://schemas.openxmlformats.org/drawingml/2006/chart" xmlns:dgm="http://schemas.openxmlformats.org/drawingml/2006/diagram" xmlns:o="urn:schemas-microsoft-com:office:office" xmlns:v="urn:schemas-microsoft-com:vml" xmlns:pvml="urn:schemas-microsoft-com:office:powerpoint" xmlns:com="http://schemas.openxmlformats.org/drawingml/2006/compatibility" xmlns:p14="http://schemas.microsoft.com/office/powerpoint/2010/main" xmlns:p15="http://schemas.microsoft.com/office/powerpoint/2012/main" matchingName="Title Only" type="titleOnly">
+<p:sldLayout xmlns:a="http://schemas.openxmlformats.org/drawingml/2006/main" xmlns:r="http://schemas.openxmlformats.org/officeDocument/2006/relationships" xmlns:mc="http://schemas.openxmlformats.org/markup-compatibility/2006" xmlns:mv="urn:schemas-microsoft-com:mac:vml" xmlns:p="http://schemas.openxmlformats.org/presentationml/2006/main" xmlns:c="http://schemas.openxmlformats.org/drawingml/2006/chart" xmlns:dgm="http://schemas.openxmlformats.org/drawingml/2006/diagram" xmlns:o="urn:schemas-microsoft-com:office:office" xmlns:v="urn:schemas-microsoft-com:vml" xmlns:pvml="urn:schemas-microsoft-com:office:powerpoint" xmlns:com="http://schemas.openxmlformats.org/drawingml/2006/compatibility" xmlns:p14="http://schemas.microsoft.com/office/powerpoint/2010/main" xmlns:p15="http://schemas.microsoft.com/office/powerpoint/2012/main" xmlns:ahyp="http://schemas.microsoft.com/office/drawing/2018/hyperlinkcolor" matchingName="Title Only" type="titleOnly">
   <p:cSld name="TITLE_ONLY">
     <p:spTree>
       <p:nvGrpSpPr>
@@ -11389,7 +11389,7 @@
 </file>
 
 <file path=ppt/slideLayouts/slideLayout7.xml><?xml version="1.0" encoding="utf-8"?>
-<p:sldLayout xmlns:a="http://schemas.openxmlformats.org/drawingml/2006/main" xmlns:r="http://schemas.openxmlformats.org/officeDocument/2006/relationships" xmlns:mc="http://schemas.openxmlformats.org/markup-compatibility/2006" xmlns:mv="urn:schemas-microsoft-com:mac:vml" xmlns:p="http://schemas.openxmlformats.org/presentationml/2006/main" xmlns:c="http://schemas.openxmlformats.org/drawingml/2006/chart" xmlns:dgm="http://schemas.openxmlformats.org/drawingml/2006/diagram" xmlns:o="urn:schemas-microsoft-com:office:office" xmlns:v="urn:schemas-microsoft-com:vml" xmlns:pvml="urn:schemas-microsoft-com:office:powerpoint" xmlns:com="http://schemas.openxmlformats.org/drawingml/2006/compatibility" xmlns:p14="http://schemas.microsoft.com/office/powerpoint/2010/main" xmlns:p15="http://schemas.microsoft.com/office/powerpoint/2012/main" matchingName="Blank" type="blank">
+<p:sldLayout xmlns:a="http://schemas.openxmlformats.org/drawingml/2006/main" xmlns:r="http://schemas.openxmlformats.org/officeDocument/2006/relationships" xmlns:mc="http://schemas.openxmlformats.org/markup-compatibility/2006" xmlns:mv="urn:schemas-microsoft-com:mac:vml" xmlns:p="http://schemas.openxmlformats.org/presentationml/2006/main" xmlns:c="http://schemas.openxmlformats.org/drawingml/2006/chart" xmlns:dgm="http://schemas.openxmlformats.org/drawingml/2006/diagram" xmlns:o="urn:schemas-microsoft-com:office:office" xmlns:v="urn:schemas-microsoft-com:vml" xmlns:pvml="urn:schemas-microsoft-com:office:powerpoint" xmlns:com="http://schemas.openxmlformats.org/drawingml/2006/compatibility" xmlns:p14="http://schemas.microsoft.com/office/powerpoint/2010/main" xmlns:p15="http://schemas.microsoft.com/office/powerpoint/2012/main" xmlns:ahyp="http://schemas.microsoft.com/office/drawing/2018/hyperlinkcolor" matchingName="Blank" type="blank">
   <p:cSld name="BLANK">
     <p:spTree>
       <p:nvGrpSpPr>
@@ -11996,7 +11996,7 @@
 </file>
 
 <file path=ppt/slideLayouts/slideLayout8.xml><?xml version="1.0" encoding="utf-8"?>
-<p:sldLayout xmlns:a="http://schemas.openxmlformats.org/drawingml/2006/main" xmlns:r="http://schemas.openxmlformats.org/officeDocument/2006/relationships" xmlns:mc="http://schemas.openxmlformats.org/markup-compatibility/2006" xmlns:mv="urn:schemas-microsoft-com:mac:vml" xmlns:p="http://schemas.openxmlformats.org/presentationml/2006/main" xmlns:c="http://schemas.openxmlformats.org/drawingml/2006/chart" xmlns:dgm="http://schemas.openxmlformats.org/drawingml/2006/diagram" xmlns:o="urn:schemas-microsoft-com:office:office" xmlns:v="urn:schemas-microsoft-com:vml" xmlns:pvml="urn:schemas-microsoft-com:office:powerpoint" xmlns:com="http://schemas.openxmlformats.org/drawingml/2006/compatibility" xmlns:p14="http://schemas.microsoft.com/office/powerpoint/2010/main" xmlns:p15="http://schemas.microsoft.com/office/powerpoint/2012/main" matchingName="Content with Caption" type="objTx">
+<p:sldLayout xmlns:a="http://schemas.openxmlformats.org/drawingml/2006/main" xmlns:r="http://schemas.openxmlformats.org/officeDocument/2006/relationships" xmlns:mc="http://schemas.openxmlformats.org/markup-compatibility/2006" xmlns:mv="urn:schemas-microsoft-com:mac:vml" xmlns:p="http://schemas.openxmlformats.org/presentationml/2006/main" xmlns:c="http://schemas.openxmlformats.org/drawingml/2006/chart" xmlns:dgm="http://schemas.openxmlformats.org/drawingml/2006/diagram" xmlns:o="urn:schemas-microsoft-com:office:office" xmlns:v="urn:schemas-microsoft-com:vml" xmlns:pvml="urn:schemas-microsoft-com:office:powerpoint" xmlns:com="http://schemas.openxmlformats.org/drawingml/2006/compatibility" xmlns:p14="http://schemas.microsoft.com/office/powerpoint/2010/main" xmlns:p15="http://schemas.microsoft.com/office/powerpoint/2012/main" xmlns:ahyp="http://schemas.microsoft.com/office/drawing/2018/hyperlinkcolor" matchingName="Content with Caption" type="objTx">
   <p:cSld name="OBJECT_WITH_CAPTION_TEXT">
     <p:spTree>
       <p:nvGrpSpPr>
@@ -13048,7 +13048,7 @@
 </file>
 
 <file path=ppt/slideLayouts/slideLayout9.xml><?xml version="1.0" encoding="utf-8"?>
-<p:sldLayout xmlns:a="http://schemas.openxmlformats.org/drawingml/2006/main" xmlns:r="http://schemas.openxmlformats.org/officeDocument/2006/relationships" xmlns:mc="http://schemas.openxmlformats.org/markup-compatibility/2006" xmlns:mv="urn:schemas-microsoft-com:mac:vml" xmlns:p="http://schemas.openxmlformats.org/presentationml/2006/main" xmlns:c="http://schemas.openxmlformats.org/drawingml/2006/chart" xmlns:dgm="http://schemas.openxmlformats.org/drawingml/2006/diagram" xmlns:o="urn:schemas-microsoft-com:office:office" xmlns:v="urn:schemas-microsoft-com:vml" xmlns:pvml="urn:schemas-microsoft-com:office:powerpoint" xmlns:com="http://schemas.openxmlformats.org/drawingml/2006/compatibility" xmlns:p14="http://schemas.microsoft.com/office/powerpoint/2010/main" xmlns:p15="http://schemas.microsoft.com/office/powerpoint/2012/main" matchingName="Picture with Caption" type="picTx">
+<p:sldLayout xmlns:a="http://schemas.openxmlformats.org/drawingml/2006/main" xmlns:r="http://schemas.openxmlformats.org/officeDocument/2006/relationships" xmlns:mc="http://schemas.openxmlformats.org/markup-compatibility/2006" xmlns:mv="urn:schemas-microsoft-com:mac:vml" xmlns:p="http://schemas.openxmlformats.org/presentationml/2006/main" xmlns:c="http://schemas.openxmlformats.org/drawingml/2006/chart" xmlns:dgm="http://schemas.openxmlformats.org/drawingml/2006/diagram" xmlns:o="urn:schemas-microsoft-com:office:office" xmlns:v="urn:schemas-microsoft-com:vml" xmlns:pvml="urn:schemas-microsoft-com:office:powerpoint" xmlns:com="http://schemas.openxmlformats.org/drawingml/2006/compatibility" xmlns:p14="http://schemas.microsoft.com/office/powerpoint/2010/main" xmlns:p15="http://schemas.microsoft.com/office/powerpoint/2012/main" xmlns:ahyp="http://schemas.microsoft.com/office/drawing/2018/hyperlinkcolor" matchingName="Picture with Caption" type="picTx">
   <p:cSld name="PICTURE_WITH_CAPTION_TEXT">
     <p:spTree>
       <p:nvGrpSpPr>
@@ -14181,7 +14181,7 @@
 </file>
 
 <file path=ppt/slideMasters/slideMaster1.xml><?xml version="1.0" encoding="utf-8"?>
-<p:sldMaster xmlns:a="http://schemas.openxmlformats.org/drawingml/2006/main" xmlns:r="http://schemas.openxmlformats.org/officeDocument/2006/relationships" xmlns:mc="http://schemas.openxmlformats.org/markup-compatibility/2006" xmlns:mv="urn:schemas-microsoft-com:mac:vml" xmlns:p="http://schemas.openxmlformats.org/presentationml/2006/main" xmlns:c="http://schemas.openxmlformats.org/drawingml/2006/chart" xmlns:dgm="http://schemas.openxmlformats.org/drawingml/2006/diagram" xmlns:o="urn:schemas-microsoft-com:office:office" xmlns:v="urn:schemas-microsoft-com:vml" xmlns:pvml="urn:schemas-microsoft-com:office:powerpoint" xmlns:com="http://schemas.openxmlformats.org/drawingml/2006/compatibility" xmlns:p14="http://schemas.microsoft.com/office/powerpoint/2010/main" xmlns:p15="http://schemas.microsoft.com/office/powerpoint/2012/main">
+<p:sldMaster xmlns:a="http://schemas.openxmlformats.org/drawingml/2006/main" xmlns:r="http://schemas.openxmlformats.org/officeDocument/2006/relationships" xmlns:mc="http://schemas.openxmlformats.org/markup-compatibility/2006" xmlns:mv="urn:schemas-microsoft-com:mac:vml" xmlns:p="http://schemas.openxmlformats.org/presentationml/2006/main" xmlns:c="http://schemas.openxmlformats.org/drawingml/2006/chart" xmlns:dgm="http://schemas.openxmlformats.org/drawingml/2006/diagram" xmlns:o="urn:schemas-microsoft-com:office:office" xmlns:v="urn:schemas-microsoft-com:vml" xmlns:pvml="urn:schemas-microsoft-com:office:powerpoint" xmlns:com="http://schemas.openxmlformats.org/drawingml/2006/compatibility" xmlns:p14="http://schemas.microsoft.com/office/powerpoint/2010/main" xmlns:p15="http://schemas.microsoft.com/office/powerpoint/2012/main" xmlns:ahyp="http://schemas.microsoft.com/office/drawing/2018/hyperlinkcolor">
   <p:cSld>
     <p:bg>
       <p:bgPr>
@@ -14684,7 +14684,13 @@
                 <a:ea typeface="Montserrat"/>
                 <a:cs typeface="Montserrat"/>
                 <a:sym typeface="Montserrat"/>
-                <a:hlinkClick r:id="rId1"/>
+                <a:hlinkClick r:id="rId1">
+                  <a:extLst>
+                    <a:ext uri="{A12FA001-AC4F-418D-AE19-62706E023703}">
+                      <ahyp:hlinkClr val="tx"/>
+                    </a:ext>
+                  </a:extLst>
+                </a:hlinkClick>
               </a:rPr>
               <a:t>http://creativecommons.org/licenses/by-nc-sa/4.0/</a:t>
             </a:r>
@@ -15441,7 +15447,7 @@
 </file>
 
 <file path=ppt/slides/slide1.xml><?xml version="1.0" encoding="utf-8"?>
-<p:sld xmlns:a="http://schemas.openxmlformats.org/drawingml/2006/main" xmlns:r="http://schemas.openxmlformats.org/officeDocument/2006/relationships" xmlns:mc="http://schemas.openxmlformats.org/markup-compatibility/2006" xmlns:mv="urn:schemas-microsoft-com:mac:vml" xmlns:p="http://schemas.openxmlformats.org/presentationml/2006/main" xmlns:c="http://schemas.openxmlformats.org/drawingml/2006/chart" xmlns:dgm="http://schemas.openxmlformats.org/drawingml/2006/diagram" xmlns:o="urn:schemas-microsoft-com:office:office" xmlns:v="urn:schemas-microsoft-com:vml" xmlns:pvml="urn:schemas-microsoft-com:office:powerpoint" xmlns:com="http://schemas.openxmlformats.org/drawingml/2006/compatibility" xmlns:p14="http://schemas.microsoft.com/office/powerpoint/2010/main" xmlns:p15="http://schemas.microsoft.com/office/powerpoint/2012/main">
+<p:sld xmlns:a="http://schemas.openxmlformats.org/drawingml/2006/main" xmlns:r="http://schemas.openxmlformats.org/officeDocument/2006/relationships" xmlns:mc="http://schemas.openxmlformats.org/markup-compatibility/2006" xmlns:mv="urn:schemas-microsoft-com:mac:vml" xmlns:p="http://schemas.openxmlformats.org/presentationml/2006/main" xmlns:c="http://schemas.openxmlformats.org/drawingml/2006/chart" xmlns:dgm="http://schemas.openxmlformats.org/drawingml/2006/diagram" xmlns:o="urn:schemas-microsoft-com:office:office" xmlns:v="urn:schemas-microsoft-com:vml" xmlns:pvml="urn:schemas-microsoft-com:office:powerpoint" xmlns:com="http://schemas.openxmlformats.org/drawingml/2006/compatibility" xmlns:p14="http://schemas.microsoft.com/office/powerpoint/2010/main" xmlns:p15="http://schemas.microsoft.com/office/powerpoint/2012/main" xmlns:ahyp="http://schemas.microsoft.com/office/drawing/2018/hyperlinkcolor">
   <p:cSld>
     <p:spTree>
       <p:nvGrpSpPr>
@@ -15622,7 +15628,7 @@
 </file>
 
 <file path=ppt/slides/slide10.xml><?xml version="1.0" encoding="utf-8"?>
-<p:sld xmlns:a="http://schemas.openxmlformats.org/drawingml/2006/main" xmlns:r="http://schemas.openxmlformats.org/officeDocument/2006/relationships" xmlns:mc="http://schemas.openxmlformats.org/markup-compatibility/2006" xmlns:mv="urn:schemas-microsoft-com:mac:vml" xmlns:p="http://schemas.openxmlformats.org/presentationml/2006/main" xmlns:c="http://schemas.openxmlformats.org/drawingml/2006/chart" xmlns:dgm="http://schemas.openxmlformats.org/drawingml/2006/diagram" xmlns:o="urn:schemas-microsoft-com:office:office" xmlns:v="urn:schemas-microsoft-com:vml" xmlns:pvml="urn:schemas-microsoft-com:office:powerpoint" xmlns:com="http://schemas.openxmlformats.org/drawingml/2006/compatibility" xmlns:p14="http://schemas.microsoft.com/office/powerpoint/2010/main" xmlns:p15="http://schemas.microsoft.com/office/powerpoint/2012/main">
+<p:sld xmlns:a="http://schemas.openxmlformats.org/drawingml/2006/main" xmlns:r="http://schemas.openxmlformats.org/officeDocument/2006/relationships" xmlns:mc="http://schemas.openxmlformats.org/markup-compatibility/2006" xmlns:mv="urn:schemas-microsoft-com:mac:vml" xmlns:p="http://schemas.openxmlformats.org/presentationml/2006/main" xmlns:c="http://schemas.openxmlformats.org/drawingml/2006/chart" xmlns:dgm="http://schemas.openxmlformats.org/drawingml/2006/diagram" xmlns:o="urn:schemas-microsoft-com:office:office" xmlns:v="urn:schemas-microsoft-com:vml" xmlns:pvml="urn:schemas-microsoft-com:office:powerpoint" xmlns:com="http://schemas.openxmlformats.org/drawingml/2006/compatibility" xmlns:p14="http://schemas.microsoft.com/office/powerpoint/2010/main" xmlns:p15="http://schemas.microsoft.com/office/powerpoint/2012/main" xmlns:ahyp="http://schemas.microsoft.com/office/drawing/2018/hyperlinkcolor">
   <p:cSld>
     <p:spTree>
       <p:nvGrpSpPr>
@@ -15725,7 +15731,7 @@
 </file>
 
 <file path=ppt/slides/slide11.xml><?xml version="1.0" encoding="utf-8"?>
-<p:sld xmlns:a="http://schemas.openxmlformats.org/drawingml/2006/main" xmlns:r="http://schemas.openxmlformats.org/officeDocument/2006/relationships" xmlns:mc="http://schemas.openxmlformats.org/markup-compatibility/2006" xmlns:mv="urn:schemas-microsoft-com:mac:vml" xmlns:p="http://schemas.openxmlformats.org/presentationml/2006/main" xmlns:c="http://schemas.openxmlformats.org/drawingml/2006/chart" xmlns:dgm="http://schemas.openxmlformats.org/drawingml/2006/diagram" xmlns:o="urn:schemas-microsoft-com:office:office" xmlns:v="urn:schemas-microsoft-com:vml" xmlns:pvml="urn:schemas-microsoft-com:office:powerpoint" xmlns:com="http://schemas.openxmlformats.org/drawingml/2006/compatibility" xmlns:p14="http://schemas.microsoft.com/office/powerpoint/2010/main" xmlns:p15="http://schemas.microsoft.com/office/powerpoint/2012/main">
+<p:sld xmlns:a="http://schemas.openxmlformats.org/drawingml/2006/main" xmlns:r="http://schemas.openxmlformats.org/officeDocument/2006/relationships" xmlns:mc="http://schemas.openxmlformats.org/markup-compatibility/2006" xmlns:mv="urn:schemas-microsoft-com:mac:vml" xmlns:p="http://schemas.openxmlformats.org/presentationml/2006/main" xmlns:c="http://schemas.openxmlformats.org/drawingml/2006/chart" xmlns:dgm="http://schemas.openxmlformats.org/drawingml/2006/diagram" xmlns:o="urn:schemas-microsoft-com:office:office" xmlns:v="urn:schemas-microsoft-com:vml" xmlns:pvml="urn:schemas-microsoft-com:office:powerpoint" xmlns:com="http://schemas.openxmlformats.org/drawingml/2006/compatibility" xmlns:p14="http://schemas.microsoft.com/office/powerpoint/2010/main" xmlns:p15="http://schemas.microsoft.com/office/powerpoint/2012/main" xmlns:ahyp="http://schemas.microsoft.com/office/drawing/2018/hyperlinkcolor">
   <p:cSld>
     <p:spTree>
       <p:nvGrpSpPr>
@@ -15934,7 +15940,7 @@
 </file>
 
 <file path=ppt/slides/slide12.xml><?xml version="1.0" encoding="utf-8"?>
-<p:sld xmlns:a="http://schemas.openxmlformats.org/drawingml/2006/main" xmlns:r="http://schemas.openxmlformats.org/officeDocument/2006/relationships" xmlns:mc="http://schemas.openxmlformats.org/markup-compatibility/2006" xmlns:mv="urn:schemas-microsoft-com:mac:vml" xmlns:p="http://schemas.openxmlformats.org/presentationml/2006/main" xmlns:c="http://schemas.openxmlformats.org/drawingml/2006/chart" xmlns:dgm="http://schemas.openxmlformats.org/drawingml/2006/diagram" xmlns:o="urn:schemas-microsoft-com:office:office" xmlns:v="urn:schemas-microsoft-com:vml" xmlns:pvml="urn:schemas-microsoft-com:office:powerpoint" xmlns:com="http://schemas.openxmlformats.org/drawingml/2006/compatibility" xmlns:p14="http://schemas.microsoft.com/office/powerpoint/2010/main" xmlns:p15="http://schemas.microsoft.com/office/powerpoint/2012/main">
+<p:sld xmlns:a="http://schemas.openxmlformats.org/drawingml/2006/main" xmlns:r="http://schemas.openxmlformats.org/officeDocument/2006/relationships" xmlns:mc="http://schemas.openxmlformats.org/markup-compatibility/2006" xmlns:mv="urn:schemas-microsoft-com:mac:vml" xmlns:p="http://schemas.openxmlformats.org/presentationml/2006/main" xmlns:c="http://schemas.openxmlformats.org/drawingml/2006/chart" xmlns:dgm="http://schemas.openxmlformats.org/drawingml/2006/diagram" xmlns:o="urn:schemas-microsoft-com:office:office" xmlns:v="urn:schemas-microsoft-com:vml" xmlns:pvml="urn:schemas-microsoft-com:office:powerpoint" xmlns:com="http://schemas.openxmlformats.org/drawingml/2006/compatibility" xmlns:p14="http://schemas.microsoft.com/office/powerpoint/2010/main" xmlns:p15="http://schemas.microsoft.com/office/powerpoint/2012/main" xmlns:ahyp="http://schemas.microsoft.com/office/drawing/2018/hyperlinkcolor">
   <p:cSld>
     <p:spTree>
       <p:nvGrpSpPr>
@@ -16310,7 +16316,7 @@
 </file>
 
 <file path=ppt/slides/slide13.xml><?xml version="1.0" encoding="utf-8"?>
-<p:sld xmlns:a="http://schemas.openxmlformats.org/drawingml/2006/main" xmlns:r="http://schemas.openxmlformats.org/officeDocument/2006/relationships" xmlns:mc="http://schemas.openxmlformats.org/markup-compatibility/2006" xmlns:mv="urn:schemas-microsoft-com:mac:vml" xmlns:p="http://schemas.openxmlformats.org/presentationml/2006/main" xmlns:c="http://schemas.openxmlformats.org/drawingml/2006/chart" xmlns:dgm="http://schemas.openxmlformats.org/drawingml/2006/diagram" xmlns:o="urn:schemas-microsoft-com:office:office" xmlns:v="urn:schemas-microsoft-com:vml" xmlns:pvml="urn:schemas-microsoft-com:office:powerpoint" xmlns:com="http://schemas.openxmlformats.org/drawingml/2006/compatibility" xmlns:p14="http://schemas.microsoft.com/office/powerpoint/2010/main" xmlns:p15="http://schemas.microsoft.com/office/powerpoint/2012/main">
+<p:sld xmlns:a="http://schemas.openxmlformats.org/drawingml/2006/main" xmlns:r="http://schemas.openxmlformats.org/officeDocument/2006/relationships" xmlns:mc="http://schemas.openxmlformats.org/markup-compatibility/2006" xmlns:mv="urn:schemas-microsoft-com:mac:vml" xmlns:p="http://schemas.openxmlformats.org/presentationml/2006/main" xmlns:c="http://schemas.openxmlformats.org/drawingml/2006/chart" xmlns:dgm="http://schemas.openxmlformats.org/drawingml/2006/diagram" xmlns:o="urn:schemas-microsoft-com:office:office" xmlns:v="urn:schemas-microsoft-com:vml" xmlns:pvml="urn:schemas-microsoft-com:office:powerpoint" xmlns:com="http://schemas.openxmlformats.org/drawingml/2006/compatibility" xmlns:p14="http://schemas.microsoft.com/office/powerpoint/2010/main" xmlns:p15="http://schemas.microsoft.com/office/powerpoint/2012/main" xmlns:ahyp="http://schemas.microsoft.com/office/drawing/2018/hyperlinkcolor">
   <p:cSld>
     <p:spTree>
       <p:nvGrpSpPr>
@@ -16630,7 +16636,7 @@
 </file>
 
 <file path=ppt/slides/slide14.xml><?xml version="1.0" encoding="utf-8"?>
-<p:sld xmlns:a="http://schemas.openxmlformats.org/drawingml/2006/main" xmlns:r="http://schemas.openxmlformats.org/officeDocument/2006/relationships" xmlns:mc="http://schemas.openxmlformats.org/markup-compatibility/2006" xmlns:mv="urn:schemas-microsoft-com:mac:vml" xmlns:p="http://schemas.openxmlformats.org/presentationml/2006/main" xmlns:c="http://schemas.openxmlformats.org/drawingml/2006/chart" xmlns:dgm="http://schemas.openxmlformats.org/drawingml/2006/diagram" xmlns:o="urn:schemas-microsoft-com:office:office" xmlns:v="urn:schemas-microsoft-com:vml" xmlns:pvml="urn:schemas-microsoft-com:office:powerpoint" xmlns:com="http://schemas.openxmlformats.org/drawingml/2006/compatibility" xmlns:p14="http://schemas.microsoft.com/office/powerpoint/2010/main" xmlns:p15="http://schemas.microsoft.com/office/powerpoint/2012/main">
+<p:sld xmlns:a="http://schemas.openxmlformats.org/drawingml/2006/main" xmlns:r="http://schemas.openxmlformats.org/officeDocument/2006/relationships" xmlns:mc="http://schemas.openxmlformats.org/markup-compatibility/2006" xmlns:mv="urn:schemas-microsoft-com:mac:vml" xmlns:p="http://schemas.openxmlformats.org/presentationml/2006/main" xmlns:c="http://schemas.openxmlformats.org/drawingml/2006/chart" xmlns:dgm="http://schemas.openxmlformats.org/drawingml/2006/diagram" xmlns:o="urn:schemas-microsoft-com:office:office" xmlns:v="urn:schemas-microsoft-com:vml" xmlns:pvml="urn:schemas-microsoft-com:office:powerpoint" xmlns:com="http://schemas.openxmlformats.org/drawingml/2006/compatibility" xmlns:p14="http://schemas.microsoft.com/office/powerpoint/2010/main" xmlns:p15="http://schemas.microsoft.com/office/powerpoint/2012/main" xmlns:ahyp="http://schemas.microsoft.com/office/drawing/2018/hyperlinkcolor">
   <p:cSld>
     <p:spTree>
       <p:nvGrpSpPr>
@@ -16811,7 +16817,13 @@
                 <a:ea typeface="Calibri"/>
                 <a:cs typeface="Calibri"/>
                 <a:sym typeface="Calibri"/>
-                <a:hlinkClick r:id="rId6"/>
+                <a:hlinkClick r:id="rId6">
+                  <a:extLst>
+                    <a:ext uri="{A12FA001-AC4F-418D-AE19-62706E023703}">
+                      <ahyp:hlinkClr val="tx"/>
+                    </a:ext>
+                  </a:extLst>
+                </a:hlinkClick>
               </a:rPr>
               <a:t>https://freo.me/vitess-pres</a:t>
             </a:r>
@@ -16848,7 +16860,7 @@
 </file>
 
 <file path=ppt/slides/slide15.xml><?xml version="1.0" encoding="utf-8"?>
-<p:sld xmlns:a="http://schemas.openxmlformats.org/drawingml/2006/main" xmlns:r="http://schemas.openxmlformats.org/officeDocument/2006/relationships" xmlns:mc="http://schemas.openxmlformats.org/markup-compatibility/2006" xmlns:mv="urn:schemas-microsoft-com:mac:vml" xmlns:p="http://schemas.openxmlformats.org/presentationml/2006/main" xmlns:c="http://schemas.openxmlformats.org/drawingml/2006/chart" xmlns:dgm="http://schemas.openxmlformats.org/drawingml/2006/diagram" xmlns:o="urn:schemas-microsoft-com:office:office" xmlns:v="urn:schemas-microsoft-com:vml" xmlns:pvml="urn:schemas-microsoft-com:office:powerpoint" xmlns:com="http://schemas.openxmlformats.org/drawingml/2006/compatibility" xmlns:p14="http://schemas.microsoft.com/office/powerpoint/2010/main" xmlns:p15="http://schemas.microsoft.com/office/powerpoint/2012/main">
+<p:sld xmlns:a="http://schemas.openxmlformats.org/drawingml/2006/main" xmlns:r="http://schemas.openxmlformats.org/officeDocument/2006/relationships" xmlns:mc="http://schemas.openxmlformats.org/markup-compatibility/2006" xmlns:mv="urn:schemas-microsoft-com:mac:vml" xmlns:p="http://schemas.openxmlformats.org/presentationml/2006/main" xmlns:c="http://schemas.openxmlformats.org/drawingml/2006/chart" xmlns:dgm="http://schemas.openxmlformats.org/drawingml/2006/diagram" xmlns:o="urn:schemas-microsoft-com:office:office" xmlns:v="urn:schemas-microsoft-com:vml" xmlns:pvml="urn:schemas-microsoft-com:office:powerpoint" xmlns:com="http://schemas.openxmlformats.org/drawingml/2006/compatibility" xmlns:p14="http://schemas.microsoft.com/office/powerpoint/2010/main" xmlns:p15="http://schemas.microsoft.com/office/powerpoint/2012/main" xmlns:ahyp="http://schemas.microsoft.com/office/drawing/2018/hyperlinkcolor">
   <p:cSld>
     <p:spTree>
       <p:nvGrpSpPr>
@@ -17134,7 +17146,7 @@
 </file>
 
 <file path=ppt/slides/slide16.xml><?xml version="1.0" encoding="utf-8"?>
-<p:sld xmlns:a="http://schemas.openxmlformats.org/drawingml/2006/main" xmlns:r="http://schemas.openxmlformats.org/officeDocument/2006/relationships" xmlns:mc="http://schemas.openxmlformats.org/markup-compatibility/2006" xmlns:mv="urn:schemas-microsoft-com:mac:vml" xmlns:p="http://schemas.openxmlformats.org/presentationml/2006/main" xmlns:c="http://schemas.openxmlformats.org/drawingml/2006/chart" xmlns:dgm="http://schemas.openxmlformats.org/drawingml/2006/diagram" xmlns:o="urn:schemas-microsoft-com:office:office" xmlns:v="urn:schemas-microsoft-com:vml" xmlns:pvml="urn:schemas-microsoft-com:office:powerpoint" xmlns:com="http://schemas.openxmlformats.org/drawingml/2006/compatibility" xmlns:p14="http://schemas.microsoft.com/office/powerpoint/2010/main" xmlns:p15="http://schemas.microsoft.com/office/powerpoint/2012/main">
+<p:sld xmlns:a="http://schemas.openxmlformats.org/drawingml/2006/main" xmlns:r="http://schemas.openxmlformats.org/officeDocument/2006/relationships" xmlns:mc="http://schemas.openxmlformats.org/markup-compatibility/2006" xmlns:mv="urn:schemas-microsoft-com:mac:vml" xmlns:p="http://schemas.openxmlformats.org/presentationml/2006/main" xmlns:c="http://schemas.openxmlformats.org/drawingml/2006/chart" xmlns:dgm="http://schemas.openxmlformats.org/drawingml/2006/diagram" xmlns:o="urn:schemas-microsoft-com:office:office" xmlns:v="urn:schemas-microsoft-com:vml" xmlns:pvml="urn:schemas-microsoft-com:office:powerpoint" xmlns:com="http://schemas.openxmlformats.org/drawingml/2006/compatibility" xmlns:p14="http://schemas.microsoft.com/office/powerpoint/2010/main" xmlns:p15="http://schemas.microsoft.com/office/powerpoint/2012/main" xmlns:ahyp="http://schemas.microsoft.com/office/drawing/2018/hyperlinkcolor">
   <p:cSld>
     <p:spTree>
       <p:nvGrpSpPr>
@@ -17315,7 +17327,7 @@
 </file>
 
 <file path=ppt/slides/slide17.xml><?xml version="1.0" encoding="utf-8"?>
-<p:sld xmlns:a="http://schemas.openxmlformats.org/drawingml/2006/main" xmlns:r="http://schemas.openxmlformats.org/officeDocument/2006/relationships" xmlns:mc="http://schemas.openxmlformats.org/markup-compatibility/2006" xmlns:mv="urn:schemas-microsoft-com:mac:vml" xmlns:p="http://schemas.openxmlformats.org/presentationml/2006/main" xmlns:c="http://schemas.openxmlformats.org/drawingml/2006/chart" xmlns:dgm="http://schemas.openxmlformats.org/drawingml/2006/diagram" xmlns:o="urn:schemas-microsoft-com:office:office" xmlns:v="urn:schemas-microsoft-com:vml" xmlns:pvml="urn:schemas-microsoft-com:office:powerpoint" xmlns:com="http://schemas.openxmlformats.org/drawingml/2006/compatibility" xmlns:p14="http://schemas.microsoft.com/office/powerpoint/2010/main" xmlns:p15="http://schemas.microsoft.com/office/powerpoint/2012/main">
+<p:sld xmlns:a="http://schemas.openxmlformats.org/drawingml/2006/main" xmlns:r="http://schemas.openxmlformats.org/officeDocument/2006/relationships" xmlns:mc="http://schemas.openxmlformats.org/markup-compatibility/2006" xmlns:mv="urn:schemas-microsoft-com:mac:vml" xmlns:p="http://schemas.openxmlformats.org/presentationml/2006/main" xmlns:c="http://schemas.openxmlformats.org/drawingml/2006/chart" xmlns:dgm="http://schemas.openxmlformats.org/drawingml/2006/diagram" xmlns:o="urn:schemas-microsoft-com:office:office" xmlns:v="urn:schemas-microsoft-com:vml" xmlns:pvml="urn:schemas-microsoft-com:office:powerpoint" xmlns:com="http://schemas.openxmlformats.org/drawingml/2006/compatibility" xmlns:p14="http://schemas.microsoft.com/office/powerpoint/2010/main" xmlns:p15="http://schemas.microsoft.com/office/powerpoint/2012/main" xmlns:ahyp="http://schemas.microsoft.com/office/drawing/2018/hyperlinkcolor">
   <p:cSld>
     <p:spTree>
       <p:nvGrpSpPr>
@@ -17474,7 +17486,7 @@
 </file>
 
 <file path=ppt/slides/slide18.xml><?xml version="1.0" encoding="utf-8"?>
-<p:sld xmlns:a="http://schemas.openxmlformats.org/drawingml/2006/main" xmlns:r="http://schemas.openxmlformats.org/officeDocument/2006/relationships" xmlns:mc="http://schemas.openxmlformats.org/markup-compatibility/2006" xmlns:mv="urn:schemas-microsoft-com:mac:vml" xmlns:p="http://schemas.openxmlformats.org/presentationml/2006/main" xmlns:c="http://schemas.openxmlformats.org/drawingml/2006/chart" xmlns:dgm="http://schemas.openxmlformats.org/drawingml/2006/diagram" xmlns:o="urn:schemas-microsoft-com:office:office" xmlns:v="urn:schemas-microsoft-com:vml" xmlns:pvml="urn:schemas-microsoft-com:office:powerpoint" xmlns:com="http://schemas.openxmlformats.org/drawingml/2006/compatibility" xmlns:p14="http://schemas.microsoft.com/office/powerpoint/2010/main" xmlns:p15="http://schemas.microsoft.com/office/powerpoint/2012/main">
+<p:sld xmlns:a="http://schemas.openxmlformats.org/drawingml/2006/main" xmlns:r="http://schemas.openxmlformats.org/officeDocument/2006/relationships" xmlns:mc="http://schemas.openxmlformats.org/markup-compatibility/2006" xmlns:mv="urn:schemas-microsoft-com:mac:vml" xmlns:p="http://schemas.openxmlformats.org/presentationml/2006/main" xmlns:c="http://schemas.openxmlformats.org/drawingml/2006/chart" xmlns:dgm="http://schemas.openxmlformats.org/drawingml/2006/diagram" xmlns:o="urn:schemas-microsoft-com:office:office" xmlns:v="urn:schemas-microsoft-com:vml" xmlns:pvml="urn:schemas-microsoft-com:office:powerpoint" xmlns:com="http://schemas.openxmlformats.org/drawingml/2006/compatibility" xmlns:p14="http://schemas.microsoft.com/office/powerpoint/2010/main" xmlns:p15="http://schemas.microsoft.com/office/powerpoint/2012/main" xmlns:ahyp="http://schemas.microsoft.com/office/drawing/2018/hyperlinkcolor">
   <p:cSld>
     <p:spTree>
       <p:nvGrpSpPr>
@@ -17633,7 +17645,7 @@
 </file>
 
 <file path=ppt/slides/slide19.xml><?xml version="1.0" encoding="utf-8"?>
-<p:sld xmlns:a="http://schemas.openxmlformats.org/drawingml/2006/main" xmlns:r="http://schemas.openxmlformats.org/officeDocument/2006/relationships" xmlns:mc="http://schemas.openxmlformats.org/markup-compatibility/2006" xmlns:mv="urn:schemas-microsoft-com:mac:vml" xmlns:p="http://schemas.openxmlformats.org/presentationml/2006/main" xmlns:c="http://schemas.openxmlformats.org/drawingml/2006/chart" xmlns:dgm="http://schemas.openxmlformats.org/drawingml/2006/diagram" xmlns:o="urn:schemas-microsoft-com:office:office" xmlns:v="urn:schemas-microsoft-com:vml" xmlns:pvml="urn:schemas-microsoft-com:office:powerpoint" xmlns:com="http://schemas.openxmlformats.org/drawingml/2006/compatibility" xmlns:p14="http://schemas.microsoft.com/office/powerpoint/2010/main" xmlns:p15="http://schemas.microsoft.com/office/powerpoint/2012/main">
+<p:sld xmlns:a="http://schemas.openxmlformats.org/drawingml/2006/main" xmlns:r="http://schemas.openxmlformats.org/officeDocument/2006/relationships" xmlns:mc="http://schemas.openxmlformats.org/markup-compatibility/2006" xmlns:mv="urn:schemas-microsoft-com:mac:vml" xmlns:p="http://schemas.openxmlformats.org/presentationml/2006/main" xmlns:c="http://schemas.openxmlformats.org/drawingml/2006/chart" xmlns:dgm="http://schemas.openxmlformats.org/drawingml/2006/diagram" xmlns:o="urn:schemas-microsoft-com:office:office" xmlns:v="urn:schemas-microsoft-com:vml" xmlns:pvml="urn:schemas-microsoft-com:office:powerpoint" xmlns:com="http://schemas.openxmlformats.org/drawingml/2006/compatibility" xmlns:p14="http://schemas.microsoft.com/office/powerpoint/2010/main" xmlns:p15="http://schemas.microsoft.com/office/powerpoint/2012/main" xmlns:ahyp="http://schemas.microsoft.com/office/drawing/2018/hyperlinkcolor">
   <p:cSld>
     <p:spTree>
       <p:nvGrpSpPr>
@@ -17686,7 +17698,7 @@
 </file>
 
 <file path=ppt/slides/slide2.xml><?xml version="1.0" encoding="utf-8"?>
-<p:sld xmlns:a="http://schemas.openxmlformats.org/drawingml/2006/main" xmlns:r="http://schemas.openxmlformats.org/officeDocument/2006/relationships" xmlns:mc="http://schemas.openxmlformats.org/markup-compatibility/2006" xmlns:mv="urn:schemas-microsoft-com:mac:vml" xmlns:p="http://schemas.openxmlformats.org/presentationml/2006/main" xmlns:c="http://schemas.openxmlformats.org/drawingml/2006/chart" xmlns:dgm="http://schemas.openxmlformats.org/drawingml/2006/diagram" xmlns:o="urn:schemas-microsoft-com:office:office" xmlns:v="urn:schemas-microsoft-com:vml" xmlns:pvml="urn:schemas-microsoft-com:office:powerpoint" xmlns:com="http://schemas.openxmlformats.org/drawingml/2006/compatibility" xmlns:p14="http://schemas.microsoft.com/office/powerpoint/2010/main" xmlns:p15="http://schemas.microsoft.com/office/powerpoint/2012/main">
+<p:sld xmlns:a="http://schemas.openxmlformats.org/drawingml/2006/main" xmlns:r="http://schemas.openxmlformats.org/officeDocument/2006/relationships" xmlns:mc="http://schemas.openxmlformats.org/markup-compatibility/2006" xmlns:mv="urn:schemas-microsoft-com:mac:vml" xmlns:p="http://schemas.openxmlformats.org/presentationml/2006/main" xmlns:c="http://schemas.openxmlformats.org/drawingml/2006/chart" xmlns:dgm="http://schemas.openxmlformats.org/drawingml/2006/diagram" xmlns:o="urn:schemas-microsoft-com:office:office" xmlns:v="urn:schemas-microsoft-com:vml" xmlns:pvml="urn:schemas-microsoft-com:office:powerpoint" xmlns:com="http://schemas.openxmlformats.org/drawingml/2006/compatibility" xmlns:p14="http://schemas.microsoft.com/office/powerpoint/2010/main" xmlns:p15="http://schemas.microsoft.com/office/powerpoint/2012/main" xmlns:ahyp="http://schemas.microsoft.com/office/drawing/2018/hyperlinkcolor">
   <p:cSld>
     <p:spTree>
       <p:nvGrpSpPr>
@@ -17907,7 +17919,7 @@
 </file>
 
 <file path=ppt/slides/slide20.xml><?xml version="1.0" encoding="utf-8"?>
-<p:sld xmlns:a="http://schemas.openxmlformats.org/drawingml/2006/main" xmlns:r="http://schemas.openxmlformats.org/officeDocument/2006/relationships" xmlns:mc="http://schemas.openxmlformats.org/markup-compatibility/2006" xmlns:mv="urn:schemas-microsoft-com:mac:vml" xmlns:p="http://schemas.openxmlformats.org/presentationml/2006/main" xmlns:c="http://schemas.openxmlformats.org/drawingml/2006/chart" xmlns:dgm="http://schemas.openxmlformats.org/drawingml/2006/diagram" xmlns:o="urn:schemas-microsoft-com:office:office" xmlns:v="urn:schemas-microsoft-com:vml" xmlns:pvml="urn:schemas-microsoft-com:office:powerpoint" xmlns:com="http://schemas.openxmlformats.org/drawingml/2006/compatibility" xmlns:p14="http://schemas.microsoft.com/office/powerpoint/2010/main" xmlns:p15="http://schemas.microsoft.com/office/powerpoint/2012/main">
+<p:sld xmlns:a="http://schemas.openxmlformats.org/drawingml/2006/main" xmlns:r="http://schemas.openxmlformats.org/officeDocument/2006/relationships" xmlns:mc="http://schemas.openxmlformats.org/markup-compatibility/2006" xmlns:mv="urn:schemas-microsoft-com:mac:vml" xmlns:p="http://schemas.openxmlformats.org/presentationml/2006/main" xmlns:c="http://schemas.openxmlformats.org/drawingml/2006/chart" xmlns:dgm="http://schemas.openxmlformats.org/drawingml/2006/diagram" xmlns:o="urn:schemas-microsoft-com:office:office" xmlns:v="urn:schemas-microsoft-com:vml" xmlns:pvml="urn:schemas-microsoft-com:office:powerpoint" xmlns:com="http://schemas.openxmlformats.org/drawingml/2006/compatibility" xmlns:p14="http://schemas.microsoft.com/office/powerpoint/2010/main" xmlns:p15="http://schemas.microsoft.com/office/powerpoint/2012/main" xmlns:ahyp="http://schemas.microsoft.com/office/drawing/2018/hyperlinkcolor">
   <p:cSld>
     <p:spTree>
       <p:nvGrpSpPr>
@@ -17988,7 +18000,7 @@
 </file>
 
 <file path=ppt/slides/slide21.xml><?xml version="1.0" encoding="utf-8"?>
-<p:sld xmlns:a="http://schemas.openxmlformats.org/drawingml/2006/main" xmlns:r="http://schemas.openxmlformats.org/officeDocument/2006/relationships" xmlns:mc="http://schemas.openxmlformats.org/markup-compatibility/2006" xmlns:mv="urn:schemas-microsoft-com:mac:vml" xmlns:p="http://schemas.openxmlformats.org/presentationml/2006/main" xmlns:c="http://schemas.openxmlformats.org/drawingml/2006/chart" xmlns:dgm="http://schemas.openxmlformats.org/drawingml/2006/diagram" xmlns:o="urn:schemas-microsoft-com:office:office" xmlns:v="urn:schemas-microsoft-com:vml" xmlns:pvml="urn:schemas-microsoft-com:office:powerpoint" xmlns:com="http://schemas.openxmlformats.org/drawingml/2006/compatibility" xmlns:p14="http://schemas.microsoft.com/office/powerpoint/2010/main" xmlns:p15="http://schemas.microsoft.com/office/powerpoint/2012/main">
+<p:sld xmlns:a="http://schemas.openxmlformats.org/drawingml/2006/main" xmlns:r="http://schemas.openxmlformats.org/officeDocument/2006/relationships" xmlns:mc="http://schemas.openxmlformats.org/markup-compatibility/2006" xmlns:mv="urn:schemas-microsoft-com:mac:vml" xmlns:p="http://schemas.openxmlformats.org/presentationml/2006/main" xmlns:c="http://schemas.openxmlformats.org/drawingml/2006/chart" xmlns:dgm="http://schemas.openxmlformats.org/drawingml/2006/diagram" xmlns:o="urn:schemas-microsoft-com:office:office" xmlns:v="urn:schemas-microsoft-com:vml" xmlns:pvml="urn:schemas-microsoft-com:office:powerpoint" xmlns:com="http://schemas.openxmlformats.org/drawingml/2006/compatibility" xmlns:p14="http://schemas.microsoft.com/office/powerpoint/2010/main" xmlns:p15="http://schemas.microsoft.com/office/powerpoint/2012/main" xmlns:ahyp="http://schemas.microsoft.com/office/drawing/2018/hyperlinkcolor">
   <p:cSld>
     <p:spTree>
       <p:nvGrpSpPr>
@@ -18096,7 +18108,13 @@
                 <a:ea typeface="Calibri"/>
                 <a:cs typeface="Calibri"/>
                 <a:sym typeface="Calibri"/>
-                <a:hlinkClick r:id="rId3"/>
+                <a:hlinkClick r:id="rId3">
+                  <a:extLst>
+                    <a:ext uri="{A12FA001-AC4F-418D-AE19-62706E023703}">
+                      <ahyp:hlinkClr val="tx"/>
+                    </a:ext>
+                  </a:extLst>
+                </a:hlinkClick>
               </a:rPr>
               <a:t>http://db-engines.com/en/ranking</a:t>
             </a:r>
@@ -18161,7 +18179,7 @@
 </file>
 
 <file path=ppt/slides/slide22.xml><?xml version="1.0" encoding="utf-8"?>
-<p:sld xmlns:a="http://schemas.openxmlformats.org/drawingml/2006/main" xmlns:r="http://schemas.openxmlformats.org/officeDocument/2006/relationships" xmlns:mc="http://schemas.openxmlformats.org/markup-compatibility/2006" xmlns:mv="urn:schemas-microsoft-com:mac:vml" xmlns:p="http://schemas.openxmlformats.org/presentationml/2006/main" xmlns:c="http://schemas.openxmlformats.org/drawingml/2006/chart" xmlns:dgm="http://schemas.openxmlformats.org/drawingml/2006/diagram" xmlns:o="urn:schemas-microsoft-com:office:office" xmlns:v="urn:schemas-microsoft-com:vml" xmlns:pvml="urn:schemas-microsoft-com:office:powerpoint" xmlns:com="http://schemas.openxmlformats.org/drawingml/2006/compatibility" xmlns:p14="http://schemas.microsoft.com/office/powerpoint/2010/main" xmlns:p15="http://schemas.microsoft.com/office/powerpoint/2012/main">
+<p:sld xmlns:a="http://schemas.openxmlformats.org/drawingml/2006/main" xmlns:r="http://schemas.openxmlformats.org/officeDocument/2006/relationships" xmlns:mc="http://schemas.openxmlformats.org/markup-compatibility/2006" xmlns:mv="urn:schemas-microsoft-com:mac:vml" xmlns:p="http://schemas.openxmlformats.org/presentationml/2006/main" xmlns:c="http://schemas.openxmlformats.org/drawingml/2006/chart" xmlns:dgm="http://schemas.openxmlformats.org/drawingml/2006/diagram" xmlns:o="urn:schemas-microsoft-com:office:office" xmlns:v="urn:schemas-microsoft-com:vml" xmlns:pvml="urn:schemas-microsoft-com:office:powerpoint" xmlns:com="http://schemas.openxmlformats.org/drawingml/2006/compatibility" xmlns:p14="http://schemas.microsoft.com/office/powerpoint/2010/main" xmlns:p15="http://schemas.microsoft.com/office/powerpoint/2012/main" xmlns:ahyp="http://schemas.microsoft.com/office/drawing/2018/hyperlinkcolor">
   <p:cSld>
     <p:spTree>
       <p:nvGrpSpPr>
@@ -18263,7 +18281,7 @@
 </file>
 
 <file path=ppt/slides/slide23.xml><?xml version="1.0" encoding="utf-8"?>
-<p:sld xmlns:a="http://schemas.openxmlformats.org/drawingml/2006/main" xmlns:r="http://schemas.openxmlformats.org/officeDocument/2006/relationships" xmlns:mc="http://schemas.openxmlformats.org/markup-compatibility/2006" xmlns:mv="urn:schemas-microsoft-com:mac:vml" xmlns:p="http://schemas.openxmlformats.org/presentationml/2006/main" xmlns:c="http://schemas.openxmlformats.org/drawingml/2006/chart" xmlns:dgm="http://schemas.openxmlformats.org/drawingml/2006/diagram" xmlns:o="urn:schemas-microsoft-com:office:office" xmlns:v="urn:schemas-microsoft-com:vml" xmlns:pvml="urn:schemas-microsoft-com:office:powerpoint" xmlns:com="http://schemas.openxmlformats.org/drawingml/2006/compatibility" xmlns:p14="http://schemas.microsoft.com/office/powerpoint/2010/main" xmlns:p15="http://schemas.microsoft.com/office/powerpoint/2012/main">
+<p:sld xmlns:a="http://schemas.openxmlformats.org/drawingml/2006/main" xmlns:r="http://schemas.openxmlformats.org/officeDocument/2006/relationships" xmlns:mc="http://schemas.openxmlformats.org/markup-compatibility/2006" xmlns:mv="urn:schemas-microsoft-com:mac:vml" xmlns:p="http://schemas.openxmlformats.org/presentationml/2006/main" xmlns:c="http://schemas.openxmlformats.org/drawingml/2006/chart" xmlns:dgm="http://schemas.openxmlformats.org/drawingml/2006/diagram" xmlns:o="urn:schemas-microsoft-com:office:office" xmlns:v="urn:schemas-microsoft-com:vml" xmlns:pvml="urn:schemas-microsoft-com:office:powerpoint" xmlns:com="http://schemas.openxmlformats.org/drawingml/2006/compatibility" xmlns:p14="http://schemas.microsoft.com/office/powerpoint/2010/main" xmlns:p15="http://schemas.microsoft.com/office/powerpoint/2012/main" xmlns:ahyp="http://schemas.microsoft.com/office/drawing/2018/hyperlinkcolor">
   <p:cSld>
     <p:spTree>
       <p:nvGrpSpPr>
@@ -18426,7 +18444,7 @@
 </file>
 
 <file path=ppt/slides/slide24.xml><?xml version="1.0" encoding="utf-8"?>
-<p:sld xmlns:a="http://schemas.openxmlformats.org/drawingml/2006/main" xmlns:r="http://schemas.openxmlformats.org/officeDocument/2006/relationships" xmlns:mc="http://schemas.openxmlformats.org/markup-compatibility/2006" xmlns:mv="urn:schemas-microsoft-com:mac:vml" xmlns:p="http://schemas.openxmlformats.org/presentationml/2006/main" xmlns:c="http://schemas.openxmlformats.org/drawingml/2006/chart" xmlns:dgm="http://schemas.openxmlformats.org/drawingml/2006/diagram" xmlns:o="urn:schemas-microsoft-com:office:office" xmlns:v="urn:schemas-microsoft-com:vml" xmlns:pvml="urn:schemas-microsoft-com:office:powerpoint" xmlns:com="http://schemas.openxmlformats.org/drawingml/2006/compatibility" xmlns:p14="http://schemas.microsoft.com/office/powerpoint/2010/main" xmlns:p15="http://schemas.microsoft.com/office/powerpoint/2012/main">
+<p:sld xmlns:a="http://schemas.openxmlformats.org/drawingml/2006/main" xmlns:r="http://schemas.openxmlformats.org/officeDocument/2006/relationships" xmlns:mc="http://schemas.openxmlformats.org/markup-compatibility/2006" xmlns:mv="urn:schemas-microsoft-com:mac:vml" xmlns:p="http://schemas.openxmlformats.org/presentationml/2006/main" xmlns:c="http://schemas.openxmlformats.org/drawingml/2006/chart" xmlns:dgm="http://schemas.openxmlformats.org/drawingml/2006/diagram" xmlns:o="urn:schemas-microsoft-com:office:office" xmlns:v="urn:schemas-microsoft-com:vml" xmlns:pvml="urn:schemas-microsoft-com:office:powerpoint" xmlns:com="http://schemas.openxmlformats.org/drawingml/2006/compatibility" xmlns:p14="http://schemas.microsoft.com/office/powerpoint/2010/main" xmlns:p15="http://schemas.microsoft.com/office/powerpoint/2012/main" xmlns:ahyp="http://schemas.microsoft.com/office/drawing/2018/hyperlinkcolor">
   <p:cSld>
     <p:spTree>
       <p:nvGrpSpPr>
@@ -18765,7 +18783,7 @@
 </file>
 
 <file path=ppt/slides/slide25.xml><?xml version="1.0" encoding="utf-8"?>
-<p:sld xmlns:a="http://schemas.openxmlformats.org/drawingml/2006/main" xmlns:r="http://schemas.openxmlformats.org/officeDocument/2006/relationships" xmlns:mc="http://schemas.openxmlformats.org/markup-compatibility/2006" xmlns:mv="urn:schemas-microsoft-com:mac:vml" xmlns:p="http://schemas.openxmlformats.org/presentationml/2006/main" xmlns:c="http://schemas.openxmlformats.org/drawingml/2006/chart" xmlns:dgm="http://schemas.openxmlformats.org/drawingml/2006/diagram" xmlns:o="urn:schemas-microsoft-com:office:office" xmlns:v="urn:schemas-microsoft-com:vml" xmlns:pvml="urn:schemas-microsoft-com:office:powerpoint" xmlns:com="http://schemas.openxmlformats.org/drawingml/2006/compatibility" xmlns:p14="http://schemas.microsoft.com/office/powerpoint/2010/main" xmlns:p15="http://schemas.microsoft.com/office/powerpoint/2012/main">
+<p:sld xmlns:a="http://schemas.openxmlformats.org/drawingml/2006/main" xmlns:r="http://schemas.openxmlformats.org/officeDocument/2006/relationships" xmlns:mc="http://schemas.openxmlformats.org/markup-compatibility/2006" xmlns:mv="urn:schemas-microsoft-com:mac:vml" xmlns:p="http://schemas.openxmlformats.org/presentationml/2006/main" xmlns:c="http://schemas.openxmlformats.org/drawingml/2006/chart" xmlns:dgm="http://schemas.openxmlformats.org/drawingml/2006/diagram" xmlns:o="urn:schemas-microsoft-com:office:office" xmlns:v="urn:schemas-microsoft-com:vml" xmlns:pvml="urn:schemas-microsoft-com:office:powerpoint" xmlns:com="http://schemas.openxmlformats.org/drawingml/2006/compatibility" xmlns:p14="http://schemas.microsoft.com/office/powerpoint/2010/main" xmlns:p15="http://schemas.microsoft.com/office/powerpoint/2012/main" xmlns:ahyp="http://schemas.microsoft.com/office/drawing/2018/hyperlinkcolor">
   <p:cSld>
     <p:spTree>
       <p:nvGrpSpPr>
@@ -18983,7 +19001,7 @@
 </file>
 
 <file path=ppt/slides/slide26.xml><?xml version="1.0" encoding="utf-8"?>
-<p:sld xmlns:a="http://schemas.openxmlformats.org/drawingml/2006/main" xmlns:r="http://schemas.openxmlformats.org/officeDocument/2006/relationships" xmlns:mc="http://schemas.openxmlformats.org/markup-compatibility/2006" xmlns:mv="urn:schemas-microsoft-com:mac:vml" xmlns:p="http://schemas.openxmlformats.org/presentationml/2006/main" xmlns:c="http://schemas.openxmlformats.org/drawingml/2006/chart" xmlns:dgm="http://schemas.openxmlformats.org/drawingml/2006/diagram" xmlns:o="urn:schemas-microsoft-com:office:office" xmlns:v="urn:schemas-microsoft-com:vml" xmlns:pvml="urn:schemas-microsoft-com:office:powerpoint" xmlns:com="http://schemas.openxmlformats.org/drawingml/2006/compatibility" xmlns:p14="http://schemas.microsoft.com/office/powerpoint/2010/main" xmlns:p15="http://schemas.microsoft.com/office/powerpoint/2012/main">
+<p:sld xmlns:a="http://schemas.openxmlformats.org/drawingml/2006/main" xmlns:r="http://schemas.openxmlformats.org/officeDocument/2006/relationships" xmlns:mc="http://schemas.openxmlformats.org/markup-compatibility/2006" xmlns:mv="urn:schemas-microsoft-com:mac:vml" xmlns:p="http://schemas.openxmlformats.org/presentationml/2006/main" xmlns:c="http://schemas.openxmlformats.org/drawingml/2006/chart" xmlns:dgm="http://schemas.openxmlformats.org/drawingml/2006/diagram" xmlns:o="urn:schemas-microsoft-com:office:office" xmlns:v="urn:schemas-microsoft-com:vml" xmlns:pvml="urn:schemas-microsoft-com:office:powerpoint" xmlns:com="http://schemas.openxmlformats.org/drawingml/2006/compatibility" xmlns:p14="http://schemas.microsoft.com/office/powerpoint/2010/main" xmlns:p15="http://schemas.microsoft.com/office/powerpoint/2012/main" xmlns:ahyp="http://schemas.microsoft.com/office/drawing/2018/hyperlinkcolor">
   <p:cSld>
     <p:spTree>
       <p:nvGrpSpPr>
@@ -19111,7 +19129,7 @@
 </file>
 
 <file path=ppt/slides/slide27.xml><?xml version="1.0" encoding="utf-8"?>
-<p:sld xmlns:a="http://schemas.openxmlformats.org/drawingml/2006/main" xmlns:r="http://schemas.openxmlformats.org/officeDocument/2006/relationships" xmlns:mc="http://schemas.openxmlformats.org/markup-compatibility/2006" xmlns:mv="urn:schemas-microsoft-com:mac:vml" xmlns:p="http://schemas.openxmlformats.org/presentationml/2006/main" xmlns:c="http://schemas.openxmlformats.org/drawingml/2006/chart" xmlns:dgm="http://schemas.openxmlformats.org/drawingml/2006/diagram" xmlns:o="urn:schemas-microsoft-com:office:office" xmlns:v="urn:schemas-microsoft-com:vml" xmlns:pvml="urn:schemas-microsoft-com:office:powerpoint" xmlns:com="http://schemas.openxmlformats.org/drawingml/2006/compatibility" xmlns:p14="http://schemas.microsoft.com/office/powerpoint/2010/main" xmlns:p15="http://schemas.microsoft.com/office/powerpoint/2012/main">
+<p:sld xmlns:a="http://schemas.openxmlformats.org/drawingml/2006/main" xmlns:r="http://schemas.openxmlformats.org/officeDocument/2006/relationships" xmlns:mc="http://schemas.openxmlformats.org/markup-compatibility/2006" xmlns:mv="urn:schemas-microsoft-com:mac:vml" xmlns:p="http://schemas.openxmlformats.org/presentationml/2006/main" xmlns:c="http://schemas.openxmlformats.org/drawingml/2006/chart" xmlns:dgm="http://schemas.openxmlformats.org/drawingml/2006/diagram" xmlns:o="urn:schemas-microsoft-com:office:office" xmlns:v="urn:schemas-microsoft-com:vml" xmlns:pvml="urn:schemas-microsoft-com:office:powerpoint" xmlns:com="http://schemas.openxmlformats.org/drawingml/2006/compatibility" xmlns:p14="http://schemas.microsoft.com/office/powerpoint/2010/main" xmlns:p15="http://schemas.microsoft.com/office/powerpoint/2012/main" xmlns:ahyp="http://schemas.microsoft.com/office/drawing/2018/hyperlinkcolor">
   <p:cSld>
     <p:spTree>
       <p:nvGrpSpPr>
@@ -19185,7 +19203,7 @@
 </file>
 
 <file path=ppt/slides/slide3.xml><?xml version="1.0" encoding="utf-8"?>
-<p:sld xmlns:a="http://schemas.openxmlformats.org/drawingml/2006/main" xmlns:r="http://schemas.openxmlformats.org/officeDocument/2006/relationships" xmlns:mc="http://schemas.openxmlformats.org/markup-compatibility/2006" xmlns:mv="urn:schemas-microsoft-com:mac:vml" xmlns:p="http://schemas.openxmlformats.org/presentationml/2006/main" xmlns:c="http://schemas.openxmlformats.org/drawingml/2006/chart" xmlns:dgm="http://schemas.openxmlformats.org/drawingml/2006/diagram" xmlns:o="urn:schemas-microsoft-com:office:office" xmlns:v="urn:schemas-microsoft-com:vml" xmlns:pvml="urn:schemas-microsoft-com:office:powerpoint" xmlns:com="http://schemas.openxmlformats.org/drawingml/2006/compatibility" xmlns:p14="http://schemas.microsoft.com/office/powerpoint/2010/main" xmlns:p15="http://schemas.microsoft.com/office/powerpoint/2012/main">
+<p:sld xmlns:a="http://schemas.openxmlformats.org/drawingml/2006/main" xmlns:r="http://schemas.openxmlformats.org/officeDocument/2006/relationships" xmlns:mc="http://schemas.openxmlformats.org/markup-compatibility/2006" xmlns:mv="urn:schemas-microsoft-com:mac:vml" xmlns:p="http://schemas.openxmlformats.org/presentationml/2006/main" xmlns:c="http://schemas.openxmlformats.org/drawingml/2006/chart" xmlns:dgm="http://schemas.openxmlformats.org/drawingml/2006/diagram" xmlns:o="urn:schemas-microsoft-com:office:office" xmlns:v="urn:schemas-microsoft-com:vml" xmlns:pvml="urn:schemas-microsoft-com:office:powerpoint" xmlns:com="http://schemas.openxmlformats.org/drawingml/2006/compatibility" xmlns:p14="http://schemas.microsoft.com/office/powerpoint/2010/main" xmlns:p15="http://schemas.microsoft.com/office/powerpoint/2012/main" xmlns:ahyp="http://schemas.microsoft.com/office/drawing/2018/hyperlinkcolor">
   <p:cSld>
     <p:spTree>
       <p:nvGrpSpPr>
@@ -19427,7 +19445,7 @@
 </file>
 
 <file path=ppt/slides/slide4.xml><?xml version="1.0" encoding="utf-8"?>
-<p:sld xmlns:a="http://schemas.openxmlformats.org/drawingml/2006/main" xmlns:r="http://schemas.openxmlformats.org/officeDocument/2006/relationships" xmlns:mc="http://schemas.openxmlformats.org/markup-compatibility/2006" xmlns:mv="urn:schemas-microsoft-com:mac:vml" xmlns:p="http://schemas.openxmlformats.org/presentationml/2006/main" xmlns:c="http://schemas.openxmlformats.org/drawingml/2006/chart" xmlns:dgm="http://schemas.openxmlformats.org/drawingml/2006/diagram" xmlns:o="urn:schemas-microsoft-com:office:office" xmlns:v="urn:schemas-microsoft-com:vml" xmlns:pvml="urn:schemas-microsoft-com:office:powerpoint" xmlns:com="http://schemas.openxmlformats.org/drawingml/2006/compatibility" xmlns:p14="http://schemas.microsoft.com/office/powerpoint/2010/main" xmlns:p15="http://schemas.microsoft.com/office/powerpoint/2012/main">
+<p:sld xmlns:a="http://schemas.openxmlformats.org/drawingml/2006/main" xmlns:r="http://schemas.openxmlformats.org/officeDocument/2006/relationships" xmlns:mc="http://schemas.openxmlformats.org/markup-compatibility/2006" xmlns:mv="urn:schemas-microsoft-com:mac:vml" xmlns:p="http://schemas.openxmlformats.org/presentationml/2006/main" xmlns:c="http://schemas.openxmlformats.org/drawingml/2006/chart" xmlns:dgm="http://schemas.openxmlformats.org/drawingml/2006/diagram" xmlns:o="urn:schemas-microsoft-com:office:office" xmlns:v="urn:schemas-microsoft-com:vml" xmlns:pvml="urn:schemas-microsoft-com:office:powerpoint" xmlns:com="http://schemas.openxmlformats.org/drawingml/2006/compatibility" xmlns:p14="http://schemas.microsoft.com/office/powerpoint/2010/main" xmlns:p15="http://schemas.microsoft.com/office/powerpoint/2012/main" xmlns:ahyp="http://schemas.microsoft.com/office/drawing/2018/hyperlinkcolor">
   <p:cSld>
     <p:spTree>
       <p:nvGrpSpPr>
@@ -19668,7 +19686,7 @@
 </file>
 
 <file path=ppt/slides/slide5.xml><?xml version="1.0" encoding="utf-8"?>
-<p:sld xmlns:a="http://schemas.openxmlformats.org/drawingml/2006/main" xmlns:r="http://schemas.openxmlformats.org/officeDocument/2006/relationships" xmlns:mc="http://schemas.openxmlformats.org/markup-compatibility/2006" xmlns:mv="urn:schemas-microsoft-com:mac:vml" xmlns:p="http://schemas.openxmlformats.org/presentationml/2006/main" xmlns:c="http://schemas.openxmlformats.org/drawingml/2006/chart" xmlns:dgm="http://schemas.openxmlformats.org/drawingml/2006/diagram" xmlns:o="urn:schemas-microsoft-com:office:office" xmlns:v="urn:schemas-microsoft-com:vml" xmlns:pvml="urn:schemas-microsoft-com:office:powerpoint" xmlns:com="http://schemas.openxmlformats.org/drawingml/2006/compatibility" xmlns:p14="http://schemas.microsoft.com/office/powerpoint/2010/main" xmlns:p15="http://schemas.microsoft.com/office/powerpoint/2012/main">
+<p:sld xmlns:a="http://schemas.openxmlformats.org/drawingml/2006/main" xmlns:r="http://schemas.openxmlformats.org/officeDocument/2006/relationships" xmlns:mc="http://schemas.openxmlformats.org/markup-compatibility/2006" xmlns:mv="urn:schemas-microsoft-com:mac:vml" xmlns:p="http://schemas.openxmlformats.org/presentationml/2006/main" xmlns:c="http://schemas.openxmlformats.org/drawingml/2006/chart" xmlns:dgm="http://schemas.openxmlformats.org/drawingml/2006/diagram" xmlns:o="urn:schemas-microsoft-com:office:office" xmlns:v="urn:schemas-microsoft-com:vml" xmlns:pvml="urn:schemas-microsoft-com:office:powerpoint" xmlns:com="http://schemas.openxmlformats.org/drawingml/2006/compatibility" xmlns:p14="http://schemas.microsoft.com/office/powerpoint/2010/main" xmlns:p15="http://schemas.microsoft.com/office/powerpoint/2012/main" xmlns:ahyp="http://schemas.microsoft.com/office/drawing/2018/hyperlinkcolor">
   <p:cSld>
     <p:spTree>
       <p:nvGrpSpPr>
@@ -19998,7 +20016,13 @@
                 <a:ea typeface="Calibri"/>
                 <a:cs typeface="Calibri"/>
                 <a:sym typeface="Calibri"/>
-                <a:hlinkClick r:id="rId4"/>
+                <a:hlinkClick r:id="rId4">
+                  <a:extLst>
+                    <a:ext uri="{A12FA001-AC4F-418D-AE19-62706E023703}">
+                      <ahyp:hlinkClr val="tx"/>
+                    </a:ext>
+                  </a:extLst>
+                </a:hlinkClick>
               </a:rPr>
               <a:t>http://blog.mccrory.me/2010/11/03/cap-theorem-and-the-clouds/</a:t>
             </a:r>
@@ -20035,7 +20059,7 @@
 </file>
 
 <file path=ppt/slides/slide6.xml><?xml version="1.0" encoding="utf-8"?>
-<p:sld xmlns:a="http://schemas.openxmlformats.org/drawingml/2006/main" xmlns:r="http://schemas.openxmlformats.org/officeDocument/2006/relationships" xmlns:mc="http://schemas.openxmlformats.org/markup-compatibility/2006" xmlns:mv="urn:schemas-microsoft-com:mac:vml" xmlns:p="http://schemas.openxmlformats.org/presentationml/2006/main" xmlns:c="http://schemas.openxmlformats.org/drawingml/2006/chart" xmlns:dgm="http://schemas.openxmlformats.org/drawingml/2006/diagram" xmlns:o="urn:schemas-microsoft-com:office:office" xmlns:v="urn:schemas-microsoft-com:vml" xmlns:pvml="urn:schemas-microsoft-com:office:powerpoint" xmlns:com="http://schemas.openxmlformats.org/drawingml/2006/compatibility" xmlns:p14="http://schemas.microsoft.com/office/powerpoint/2010/main" xmlns:p15="http://schemas.microsoft.com/office/powerpoint/2012/main">
+<p:sld xmlns:a="http://schemas.openxmlformats.org/drawingml/2006/main" xmlns:r="http://schemas.openxmlformats.org/officeDocument/2006/relationships" xmlns:mc="http://schemas.openxmlformats.org/markup-compatibility/2006" xmlns:mv="urn:schemas-microsoft-com:mac:vml" xmlns:p="http://schemas.openxmlformats.org/presentationml/2006/main" xmlns:c="http://schemas.openxmlformats.org/drawingml/2006/chart" xmlns:dgm="http://schemas.openxmlformats.org/drawingml/2006/diagram" xmlns:o="urn:schemas-microsoft-com:office:office" xmlns:v="urn:schemas-microsoft-com:vml" xmlns:pvml="urn:schemas-microsoft-com:office:powerpoint" xmlns:com="http://schemas.openxmlformats.org/drawingml/2006/compatibility" xmlns:p14="http://schemas.microsoft.com/office/powerpoint/2010/main" xmlns:p15="http://schemas.microsoft.com/office/powerpoint/2012/main" xmlns:ahyp="http://schemas.microsoft.com/office/drawing/2018/hyperlinkcolor">
   <p:cSld>
     <p:spTree>
       <p:nvGrpSpPr>
@@ -20276,7 +20300,7 @@
 </file>
 
 <file path=ppt/slides/slide7.xml><?xml version="1.0" encoding="utf-8"?>
-<p:sld xmlns:a="http://schemas.openxmlformats.org/drawingml/2006/main" xmlns:r="http://schemas.openxmlformats.org/officeDocument/2006/relationships" xmlns:mc="http://schemas.openxmlformats.org/markup-compatibility/2006" xmlns:mv="urn:schemas-microsoft-com:mac:vml" xmlns:p="http://schemas.openxmlformats.org/presentationml/2006/main" xmlns:c="http://schemas.openxmlformats.org/drawingml/2006/chart" xmlns:dgm="http://schemas.openxmlformats.org/drawingml/2006/diagram" xmlns:o="urn:schemas-microsoft-com:office:office" xmlns:v="urn:schemas-microsoft-com:vml" xmlns:pvml="urn:schemas-microsoft-com:office:powerpoint" xmlns:com="http://schemas.openxmlformats.org/drawingml/2006/compatibility" xmlns:p14="http://schemas.microsoft.com/office/powerpoint/2010/main" xmlns:p15="http://schemas.microsoft.com/office/powerpoint/2012/main">
+<p:sld xmlns:a="http://schemas.openxmlformats.org/drawingml/2006/main" xmlns:r="http://schemas.openxmlformats.org/officeDocument/2006/relationships" xmlns:mc="http://schemas.openxmlformats.org/markup-compatibility/2006" xmlns:mv="urn:schemas-microsoft-com:mac:vml" xmlns:p="http://schemas.openxmlformats.org/presentationml/2006/main" xmlns:c="http://schemas.openxmlformats.org/drawingml/2006/chart" xmlns:dgm="http://schemas.openxmlformats.org/drawingml/2006/diagram" xmlns:o="urn:schemas-microsoft-com:office:office" xmlns:v="urn:schemas-microsoft-com:vml" xmlns:pvml="urn:schemas-microsoft-com:office:powerpoint" xmlns:com="http://schemas.openxmlformats.org/drawingml/2006/compatibility" xmlns:p14="http://schemas.microsoft.com/office/powerpoint/2010/main" xmlns:p15="http://schemas.microsoft.com/office/powerpoint/2012/main" xmlns:ahyp="http://schemas.microsoft.com/office/drawing/2018/hyperlinkcolor">
   <p:cSld>
     <p:spTree>
       <p:nvGrpSpPr>
@@ -20380,7 +20404,7 @@
 </file>
 
 <file path=ppt/slides/slide8.xml><?xml version="1.0" encoding="utf-8"?>
-<p:sld xmlns:a="http://schemas.openxmlformats.org/drawingml/2006/main" xmlns:r="http://schemas.openxmlformats.org/officeDocument/2006/relationships" xmlns:mc="http://schemas.openxmlformats.org/markup-compatibility/2006" xmlns:mv="urn:schemas-microsoft-com:mac:vml" xmlns:p="http://schemas.openxmlformats.org/presentationml/2006/main" xmlns:c="http://schemas.openxmlformats.org/drawingml/2006/chart" xmlns:dgm="http://schemas.openxmlformats.org/drawingml/2006/diagram" xmlns:o="urn:schemas-microsoft-com:office:office" xmlns:v="urn:schemas-microsoft-com:vml" xmlns:pvml="urn:schemas-microsoft-com:office:powerpoint" xmlns:com="http://schemas.openxmlformats.org/drawingml/2006/compatibility" xmlns:p14="http://schemas.microsoft.com/office/powerpoint/2010/main" xmlns:p15="http://schemas.microsoft.com/office/powerpoint/2012/main">
+<p:sld xmlns:a="http://schemas.openxmlformats.org/drawingml/2006/main" xmlns:r="http://schemas.openxmlformats.org/officeDocument/2006/relationships" xmlns:mc="http://schemas.openxmlformats.org/markup-compatibility/2006" xmlns:mv="urn:schemas-microsoft-com:mac:vml" xmlns:p="http://schemas.openxmlformats.org/presentationml/2006/main" xmlns:c="http://schemas.openxmlformats.org/drawingml/2006/chart" xmlns:dgm="http://schemas.openxmlformats.org/drawingml/2006/diagram" xmlns:o="urn:schemas-microsoft-com:office:office" xmlns:v="urn:schemas-microsoft-com:vml" xmlns:pvml="urn:schemas-microsoft-com:office:powerpoint" xmlns:com="http://schemas.openxmlformats.org/drawingml/2006/compatibility" xmlns:p14="http://schemas.microsoft.com/office/powerpoint/2010/main" xmlns:p15="http://schemas.microsoft.com/office/powerpoint/2012/main" xmlns:ahyp="http://schemas.microsoft.com/office/drawing/2018/hyperlinkcolor">
   <p:cSld>
     <p:spTree>
       <p:nvGrpSpPr>
@@ -20488,7 +20512,13 @@
                 <a:ea typeface="Calibri"/>
                 <a:cs typeface="Calibri"/>
                 <a:sym typeface="Calibri"/>
-                <a:hlinkClick r:id="rId3"/>
+                <a:hlinkClick r:id="rId3">
+                  <a:extLst>
+                    <a:ext uri="{A12FA001-AC4F-418D-AE19-62706E023703}">
+                      <ahyp:hlinkClr val="tx"/>
+                    </a:ext>
+                  </a:extLst>
+                </a:hlinkClick>
               </a:rPr>
               <a:t>http://www.allthingsdistributed.com/2007/10/amazons_dynamo.html</a:t>
             </a:r>
@@ -20552,7 +20582,7 @@
 </file>
 
 <file path=ppt/slides/slide9.xml><?xml version="1.0" encoding="utf-8"?>
-<p:sld xmlns:a="http://schemas.openxmlformats.org/drawingml/2006/main" xmlns:r="http://schemas.openxmlformats.org/officeDocument/2006/relationships" xmlns:mc="http://schemas.openxmlformats.org/markup-compatibility/2006" xmlns:mv="urn:schemas-microsoft-com:mac:vml" xmlns:p="http://schemas.openxmlformats.org/presentationml/2006/main" xmlns:c="http://schemas.openxmlformats.org/drawingml/2006/chart" xmlns:dgm="http://schemas.openxmlformats.org/drawingml/2006/diagram" xmlns:o="urn:schemas-microsoft-com:office:office" xmlns:v="urn:schemas-microsoft-com:vml" xmlns:pvml="urn:schemas-microsoft-com:office:powerpoint" xmlns:com="http://schemas.openxmlformats.org/drawingml/2006/compatibility" xmlns:p14="http://schemas.microsoft.com/office/powerpoint/2010/main" xmlns:p15="http://schemas.microsoft.com/office/powerpoint/2012/main">
+<p:sld xmlns:a="http://schemas.openxmlformats.org/drawingml/2006/main" xmlns:r="http://schemas.openxmlformats.org/officeDocument/2006/relationships" xmlns:mc="http://schemas.openxmlformats.org/markup-compatibility/2006" xmlns:mv="urn:schemas-microsoft-com:mac:vml" xmlns:p="http://schemas.openxmlformats.org/presentationml/2006/main" xmlns:c="http://schemas.openxmlformats.org/drawingml/2006/chart" xmlns:dgm="http://schemas.openxmlformats.org/drawingml/2006/diagram" xmlns:o="urn:schemas-microsoft-com:office:office" xmlns:v="urn:schemas-microsoft-com:vml" xmlns:pvml="urn:schemas-microsoft-com:office:powerpoint" xmlns:com="http://schemas.openxmlformats.org/drawingml/2006/compatibility" xmlns:p14="http://schemas.microsoft.com/office/powerpoint/2010/main" xmlns:p15="http://schemas.microsoft.com/office/powerpoint/2012/main" xmlns:ahyp="http://schemas.microsoft.com/office/drawing/2018/hyperlinkcolor">
   <p:cSld>
     <p:spTree>
       <p:nvGrpSpPr>
@@ -20663,7 +20693,13 @@
                 <a:ea typeface="Calibri"/>
                 <a:cs typeface="Calibri"/>
                 <a:sym typeface="Calibri"/>
-                <a:hlinkClick r:id="rId3"/>
+                <a:hlinkClick r:id="rId3">
+                  <a:extLst>
+                    <a:ext uri="{A12FA001-AC4F-418D-AE19-62706E023703}">
+                      <ahyp:hlinkClr val="tx"/>
+                    </a:ext>
+                  </a:extLst>
+                </a:hlinkClick>
               </a:rPr>
               <a:t>http://www.allthingsdistributed.com/2007/10/amazons_dynamo.html</a:t>
             </a:r>

--- a/pres-source/08-NoSQL-databases.pptx
+++ b/pres-source/08-NoSQL-databases.pptx
@@ -15613,7 +15613,7 @@
             </a:pPr>
             <a:r>
               <a:rPr lang="en-US" sz="2960"/>
-              <a:t>July 2020</a:t>
+              <a:t>July 2021</a:t>
             </a:r>
             <a:endParaRPr sz="2960"/>
           </a:p>

--- a/pres-source/08-NoSQL-databases.pptx
+++ b/pres-source/08-NoSQL-databases.pptx
@@ -1,6 +1,6 @@
 
 <file path=ppt/presentation.xml><?xml version="1.0" encoding="utf-8"?>
-<p:presentation xmlns:a="http://schemas.openxmlformats.org/drawingml/2006/main" xmlns:r="http://schemas.openxmlformats.org/officeDocument/2006/relationships" xmlns:mc="http://schemas.openxmlformats.org/markup-compatibility/2006" xmlns:mv="urn:schemas-microsoft-com:mac:vml" xmlns:p="http://schemas.openxmlformats.org/presentationml/2006/main" xmlns:c="http://schemas.openxmlformats.org/drawingml/2006/chart" xmlns:dgm="http://schemas.openxmlformats.org/drawingml/2006/diagram" xmlns:o="urn:schemas-microsoft-com:office:office" xmlns:v="urn:schemas-microsoft-com:vml" xmlns:pvml="urn:schemas-microsoft-com:office:powerpoint" xmlns:com="http://schemas.openxmlformats.org/drawingml/2006/compatibility" xmlns:p14="http://schemas.microsoft.com/office/powerpoint/2010/main" xmlns:p15="http://schemas.microsoft.com/office/powerpoint/2012/main" xmlns:ahyp="http://schemas.microsoft.com/office/drawing/2018/hyperlinkcolor" autoCompressPictures="0" embedTrueTypeFonts="1" strictFirstAndLastChars="0" saveSubsetFonts="1">
+<p:presentation xmlns:a="http://schemas.openxmlformats.org/drawingml/2006/main" xmlns:r="http://schemas.openxmlformats.org/officeDocument/2006/relationships" xmlns:mc="http://schemas.openxmlformats.org/markup-compatibility/2006" xmlns:mv="urn:schemas-microsoft-com:mac:vml" xmlns:p="http://schemas.openxmlformats.org/presentationml/2006/main" xmlns:c="http://schemas.openxmlformats.org/drawingml/2006/chart" xmlns:dgm="http://schemas.openxmlformats.org/drawingml/2006/diagram" xmlns:o="urn:schemas-microsoft-com:office:office" xmlns:v="urn:schemas-microsoft-com:vml" xmlns:pvml="urn:schemas-microsoft-com:office:powerpoint" xmlns:com="http://schemas.openxmlformats.org/drawingml/2006/compatibility" xmlns:p14="http://schemas.microsoft.com/office/powerpoint/2010/main" xmlns:p15="http://schemas.microsoft.com/office/powerpoint/2012/main" xmlns:ahyp="http://schemas.microsoft.com/office/drawing/2018/hyperlinkcolor" autoCompressPictures="0" strictFirstAndLastChars="0" saveSubsetFonts="1">
   <p:sldMasterIdLst>
     <p:sldMasterId id="2147483659" r:id="rId4"/>
   </p:sldMasterIdLst>
@@ -38,15 +38,6 @@
   </p:sldIdLst>
   <p:sldSz cy="6858000" cx="9144000"/>
   <p:notesSz cx="6858000" cy="9144000"/>
-  <p:embeddedFontLst>
-    <p:embeddedFont>
-      <p:font typeface="Montserrat"/>
-      <p:regular r:id="rId33"/>
-      <p:bold r:id="rId34"/>
-      <p:italic r:id="rId35"/>
-      <p:boldItalic r:id="rId36"/>
-    </p:embeddedFont>
-  </p:embeddedFontLst>
   <p:defaultTextStyle>
     <a:defPPr lvl="0" marR="0" rtl="0" algn="l">
       <a:lnSpc>

--- a/pres-source/08-NoSQL-databases.pptx
+++ b/pres-source/08-NoSQL-databases.pptx
@@ -1,6 +1,6 @@
 
 <file path=ppt/presentation.xml><?xml version="1.0" encoding="utf-8"?>
-<p:presentation xmlns:a="http://schemas.openxmlformats.org/drawingml/2006/main" xmlns:r="http://schemas.openxmlformats.org/officeDocument/2006/relationships" xmlns:mc="http://schemas.openxmlformats.org/markup-compatibility/2006" xmlns:mv="urn:schemas-microsoft-com:mac:vml" xmlns:p="http://schemas.openxmlformats.org/presentationml/2006/main" xmlns:c="http://schemas.openxmlformats.org/drawingml/2006/chart" xmlns:dgm="http://schemas.openxmlformats.org/drawingml/2006/diagram" xmlns:o="urn:schemas-microsoft-com:office:office" xmlns:v="urn:schemas-microsoft-com:vml" xmlns:pvml="urn:schemas-microsoft-com:office:powerpoint" xmlns:com="http://schemas.openxmlformats.org/drawingml/2006/compatibility" xmlns:p14="http://schemas.microsoft.com/office/powerpoint/2010/main" xmlns:p15="http://schemas.microsoft.com/office/powerpoint/2012/main" xmlns:ahyp="http://schemas.microsoft.com/office/drawing/2018/hyperlinkcolor" autoCompressPictures="0" strictFirstAndLastChars="0" saveSubsetFonts="1">
+<p:presentation xmlns:a="http://schemas.openxmlformats.org/drawingml/2006/main" xmlns:r="http://schemas.openxmlformats.org/officeDocument/2006/relationships" xmlns:mc="http://schemas.openxmlformats.org/markup-compatibility/2006" xmlns:mv="urn:schemas-microsoft-com:mac:vml" xmlns:p="http://schemas.openxmlformats.org/presentationml/2006/main" xmlns:c="http://schemas.openxmlformats.org/drawingml/2006/chart" xmlns:dgm="http://schemas.openxmlformats.org/drawingml/2006/diagram" xmlns:o="urn:schemas-microsoft-com:office:office" xmlns:v="urn:schemas-microsoft-com:vml" xmlns:pvml="urn:schemas-microsoft-com:office:powerpoint" xmlns:com="http://schemas.openxmlformats.org/drawingml/2006/compatibility" xmlns:p14="http://schemas.microsoft.com/office/powerpoint/2010/main" xmlns:p15="http://schemas.microsoft.com/office/powerpoint/2012/main" xmlns:ahyp="http://schemas.microsoft.com/office/drawing/2018/hyperlinkcolor" autoCompressPictures="0" embedTrueTypeFonts="1" strictFirstAndLastChars="0" saveSubsetFonts="1">
   <p:sldMasterIdLst>
     <p:sldMasterId id="2147483659" r:id="rId4"/>
   </p:sldMasterIdLst>
@@ -38,6 +38,15 @@
   </p:sldIdLst>
   <p:sldSz cy="6858000" cx="9144000"/>
   <p:notesSz cx="6858000" cy="9144000"/>
+  <p:embeddedFontLst>
+    <p:embeddedFont>
+      <p:font typeface="Montserrat"/>
+      <p:regular r:id="rId33"/>
+      <p:bold r:id="rId34"/>
+      <p:italic r:id="rId35"/>
+      <p:boldItalic r:id="rId36"/>
+    </p:embeddedFont>
+  </p:embeddedFontLst>
   <p:defaultTextStyle>
     <a:defPPr lvl="0" marR="0" rtl="0" algn="l">
       <a:lnSpc>
